--- a/Ms. Office/tabel_hasil.pptx
+++ b/Ms. Office/tabel_hasil.pptx
@@ -7,8 +7,10 @@
   <p:sldIdLst>
     <p:sldId id="256" r:id="rId2"/>
     <p:sldId id="257" r:id="rId3"/>
-    <p:sldId id="258" r:id="rId4"/>
-    <p:sldId id="259" r:id="rId5"/>
+    <p:sldId id="260" r:id="rId4"/>
+    <p:sldId id="261" r:id="rId5"/>
+    <p:sldId id="258" r:id="rId6"/>
+    <p:sldId id="259" r:id="rId7"/>
   </p:sldIdLst>
   <p:sldSz cx="12192000" cy="6858000"/>
   <p:notesSz cx="6858000" cy="9144000"/>
@@ -107,6 +109,11 @@
       </a:defRPr>
     </a:lvl9pPr>
   </p:defaultTextStyle>
+  <p:extLst>
+    <p:ext uri="{EFAFB233-063F-42B5-8137-9DF3F51BA10A}">
+      <p15:sldGuideLst xmlns:p15="http://schemas.microsoft.com/office/powerpoint/2012/main"/>
+    </p:ext>
+  </p:extLst>
 </p:presentation>
 </file>
 
@@ -259,7 +266,7 @@
           <a:p>
             <a:fld id="{C249A6F2-7096-4CBA-B271-A03117C364B9}" type="datetimeFigureOut">
               <a:rPr lang="en-GB" smtClean="0"/>
-              <a:t>29/07/2018</a:t>
+              <a:t>30/07/2018</a:t>
             </a:fld>
             <a:endParaRPr lang="en-GB"/>
           </a:p>
@@ -459,7 +466,7 @@
           <a:p>
             <a:fld id="{C249A6F2-7096-4CBA-B271-A03117C364B9}" type="datetimeFigureOut">
               <a:rPr lang="en-GB" smtClean="0"/>
-              <a:t>29/07/2018</a:t>
+              <a:t>30/07/2018</a:t>
             </a:fld>
             <a:endParaRPr lang="en-GB"/>
           </a:p>
@@ -669,7 +676,7 @@
           <a:p>
             <a:fld id="{C249A6F2-7096-4CBA-B271-A03117C364B9}" type="datetimeFigureOut">
               <a:rPr lang="en-GB" smtClean="0"/>
-              <a:t>29/07/2018</a:t>
+              <a:t>30/07/2018</a:t>
             </a:fld>
             <a:endParaRPr lang="en-GB"/>
           </a:p>
@@ -869,7 +876,7 @@
           <a:p>
             <a:fld id="{C249A6F2-7096-4CBA-B271-A03117C364B9}" type="datetimeFigureOut">
               <a:rPr lang="en-GB" smtClean="0"/>
-              <a:t>29/07/2018</a:t>
+              <a:t>30/07/2018</a:t>
             </a:fld>
             <a:endParaRPr lang="en-GB"/>
           </a:p>
@@ -1145,7 +1152,7 @@
           <a:p>
             <a:fld id="{C249A6F2-7096-4CBA-B271-A03117C364B9}" type="datetimeFigureOut">
               <a:rPr lang="en-GB" smtClean="0"/>
-              <a:t>29/07/2018</a:t>
+              <a:t>30/07/2018</a:t>
             </a:fld>
             <a:endParaRPr lang="en-GB"/>
           </a:p>
@@ -1413,7 +1420,7 @@
           <a:p>
             <a:fld id="{C249A6F2-7096-4CBA-B271-A03117C364B9}" type="datetimeFigureOut">
               <a:rPr lang="en-GB" smtClean="0"/>
-              <a:t>29/07/2018</a:t>
+              <a:t>30/07/2018</a:t>
             </a:fld>
             <a:endParaRPr lang="en-GB"/>
           </a:p>
@@ -1828,7 +1835,7 @@
           <a:p>
             <a:fld id="{C249A6F2-7096-4CBA-B271-A03117C364B9}" type="datetimeFigureOut">
               <a:rPr lang="en-GB" smtClean="0"/>
-              <a:t>29/07/2018</a:t>
+              <a:t>30/07/2018</a:t>
             </a:fld>
             <a:endParaRPr lang="en-GB"/>
           </a:p>
@@ -1970,7 +1977,7 @@
           <a:p>
             <a:fld id="{C249A6F2-7096-4CBA-B271-A03117C364B9}" type="datetimeFigureOut">
               <a:rPr lang="en-GB" smtClean="0"/>
-              <a:t>29/07/2018</a:t>
+              <a:t>30/07/2018</a:t>
             </a:fld>
             <a:endParaRPr lang="en-GB"/>
           </a:p>
@@ -2083,7 +2090,7 @@
           <a:p>
             <a:fld id="{C249A6F2-7096-4CBA-B271-A03117C364B9}" type="datetimeFigureOut">
               <a:rPr lang="en-GB" smtClean="0"/>
-              <a:t>29/07/2018</a:t>
+              <a:t>30/07/2018</a:t>
             </a:fld>
             <a:endParaRPr lang="en-GB"/>
           </a:p>
@@ -2396,7 +2403,7 @@
           <a:p>
             <a:fld id="{C249A6F2-7096-4CBA-B271-A03117C364B9}" type="datetimeFigureOut">
               <a:rPr lang="en-GB" smtClean="0"/>
-              <a:t>29/07/2018</a:t>
+              <a:t>30/07/2018</a:t>
             </a:fld>
             <a:endParaRPr lang="en-GB"/>
           </a:p>
@@ -2685,7 +2692,7 @@
           <a:p>
             <a:fld id="{C249A6F2-7096-4CBA-B271-A03117C364B9}" type="datetimeFigureOut">
               <a:rPr lang="en-GB" smtClean="0"/>
-              <a:t>29/07/2018</a:t>
+              <a:t>30/07/2018</a:t>
             </a:fld>
             <a:endParaRPr lang="en-GB"/>
           </a:p>
@@ -2928,7 +2935,7 @@
           <a:p>
             <a:fld id="{C249A6F2-7096-4CBA-B271-A03117C364B9}" type="datetimeFigureOut">
               <a:rPr lang="en-GB" smtClean="0"/>
-              <a:t>29/07/2018</a:t>
+              <a:t>30/07/2018</a:t>
             </a:fld>
             <a:endParaRPr lang="en-GB"/>
           </a:p>
@@ -6593,6 +6600,1070 @@
           <a:chExt cx="0" cy="0"/>
         </a:xfrm>
       </p:grpSpPr>
+      <p:graphicFrame>
+        <p:nvGraphicFramePr>
+          <p:cNvPr id="4" name="Table 3">
+            <a:extLst>
+              <a:ext uri="{FF2B5EF4-FFF2-40B4-BE49-F238E27FC236}">
+                <a16:creationId xmlns:a16="http://schemas.microsoft.com/office/drawing/2014/main" id="{21F8F5DB-8CC6-4744-8536-7A302983ED8C}"/>
+              </a:ext>
+            </a:extLst>
+          </p:cNvPr>
+          <p:cNvGraphicFramePr>
+            <a:graphicFrameLocks noGrp="1"/>
+          </p:cNvGraphicFramePr>
+          <p:nvPr>
+            <p:extLst>
+              <p:ext uri="{D42A27DB-BD31-4B8C-83A1-F6EECF244321}">
+                <p14:modId xmlns:p14="http://schemas.microsoft.com/office/powerpoint/2010/main" val="562470848"/>
+              </p:ext>
+            </p:extLst>
+          </p:nvPr>
+        </p:nvGraphicFramePr>
+        <p:xfrm>
+          <a:off x="1776000" y="2724150"/>
+          <a:ext cx="8640000" cy="1409700"/>
+        </p:xfrm>
+        <a:graphic>
+          <a:graphicData uri="http://schemas.openxmlformats.org/drawingml/2006/table">
+            <a:tbl>
+              <a:tblPr>
+                <a:tableStyleId>{5940675A-B579-460E-94D1-54222C63F5DA}</a:tableStyleId>
+              </a:tblPr>
+              <a:tblGrid>
+                <a:gridCol w="2160000">
+                  <a:extLst>
+                    <a:ext uri="{9D8B030D-6E8A-4147-A177-3AD203B41FA5}">
+                      <a16:colId xmlns:a16="http://schemas.microsoft.com/office/drawing/2014/main" val="4038477988"/>
+                    </a:ext>
+                  </a:extLst>
+                </a:gridCol>
+                <a:gridCol w="2160000">
+                  <a:extLst>
+                    <a:ext uri="{9D8B030D-6E8A-4147-A177-3AD203B41FA5}">
+                      <a16:colId xmlns:a16="http://schemas.microsoft.com/office/drawing/2014/main" val="2036463629"/>
+                    </a:ext>
+                  </a:extLst>
+                </a:gridCol>
+                <a:gridCol w="2160000">
+                  <a:extLst>
+                    <a:ext uri="{9D8B030D-6E8A-4147-A177-3AD203B41FA5}">
+                      <a16:colId xmlns:a16="http://schemas.microsoft.com/office/drawing/2014/main" val="2204406595"/>
+                    </a:ext>
+                  </a:extLst>
+                </a:gridCol>
+                <a:gridCol w="2160000">
+                  <a:extLst>
+                    <a:ext uri="{9D8B030D-6E8A-4147-A177-3AD203B41FA5}">
+                      <a16:colId xmlns:a16="http://schemas.microsoft.com/office/drawing/2014/main" val="4216935576"/>
+                    </a:ext>
+                  </a:extLst>
+                </a:gridCol>
+              </a:tblGrid>
+              <a:tr h="190500">
+                <a:tc>
+                  <a:txBody>
+                    <a:bodyPr/>
+                    <a:lstStyle/>
+                    <a:p>
+                      <a:pPr algn="ctr" fontAlgn="b"/>
+                      <a:r>
+                        <a:rPr lang="en-GB" sz="1800" u="none" strike="noStrike" dirty="0">
+                          <a:effectLst/>
+                        </a:rPr>
+                        <a:t>Citra</a:t>
+                      </a:r>
+                      <a:endParaRPr lang="en-GB" sz="1800" b="0" i="0" u="none" strike="noStrike" dirty="0">
+                        <a:solidFill>
+                          <a:srgbClr val="000000"/>
+                        </a:solidFill>
+                        <a:effectLst/>
+                        <a:latin typeface="Calibri" panose="020F0502020204030204" pitchFamily="34" charset="0"/>
+                      </a:endParaRPr>
+                    </a:p>
+                  </a:txBody>
+                  <a:tcPr marL="9525" marR="9525" marT="9525" marB="0" anchor="ctr">
+                    <a:solidFill>
+                      <a:schemeClr val="bg2">
+                        <a:lumMod val="75000"/>
+                      </a:schemeClr>
+                    </a:solidFill>
+                  </a:tcPr>
+                </a:tc>
+                <a:tc>
+                  <a:txBody>
+                    <a:bodyPr/>
+                    <a:lstStyle/>
+                    <a:p>
+                      <a:pPr algn="ctr" fontAlgn="b"/>
+                      <a:r>
+                        <a:rPr lang="en-GB" sz="1800" u="none" strike="noStrike" dirty="0">
+                          <a:effectLst/>
+                        </a:rPr>
+                        <a:t>Pixel</a:t>
+                      </a:r>
+                      <a:endParaRPr lang="en-GB" sz="1800" b="0" i="0" u="none" strike="noStrike" dirty="0">
+                        <a:solidFill>
+                          <a:srgbClr val="000000"/>
+                        </a:solidFill>
+                        <a:effectLst/>
+                        <a:latin typeface="Calibri" panose="020F0502020204030204" pitchFamily="34" charset="0"/>
+                      </a:endParaRPr>
+                    </a:p>
+                  </a:txBody>
+                  <a:tcPr marL="9525" marR="9525" marT="9525" marB="0" anchor="ctr">
+                    <a:solidFill>
+                      <a:schemeClr val="bg2">
+                        <a:lumMod val="75000"/>
+                      </a:schemeClr>
+                    </a:solidFill>
+                  </a:tcPr>
+                </a:tc>
+                <a:tc>
+                  <a:txBody>
+                    <a:bodyPr/>
+                    <a:lstStyle/>
+                    <a:p>
+                      <a:pPr algn="ctr" fontAlgn="b"/>
+                      <a:r>
+                        <a:rPr lang="en-GB" sz="1800" u="none" strike="noStrike" dirty="0">
+                          <a:effectLst/>
+                        </a:rPr>
+                        <a:t>Size (KB)</a:t>
+                      </a:r>
+                      <a:endParaRPr lang="en-GB" sz="1800" b="0" i="0" u="none" strike="noStrike" dirty="0">
+                        <a:solidFill>
+                          <a:srgbClr val="000000"/>
+                        </a:solidFill>
+                        <a:effectLst/>
+                        <a:latin typeface="Calibri" panose="020F0502020204030204" pitchFamily="34" charset="0"/>
+                      </a:endParaRPr>
+                    </a:p>
+                  </a:txBody>
+                  <a:tcPr marL="9525" marR="9525" marT="9525" marB="0" anchor="ctr">
+                    <a:solidFill>
+                      <a:schemeClr val="bg2">
+                        <a:lumMod val="75000"/>
+                      </a:schemeClr>
+                    </a:solidFill>
+                  </a:tcPr>
+                </a:tc>
+                <a:tc>
+                  <a:txBody>
+                    <a:bodyPr/>
+                    <a:lstStyle/>
+                    <a:p>
+                      <a:pPr algn="ctr" fontAlgn="b"/>
+                      <a:r>
+                        <a:rPr lang="en-GB" sz="1800" u="none" strike="noStrike" dirty="0" err="1">
+                          <a:effectLst/>
+                        </a:rPr>
+                        <a:t>Kapasitas</a:t>
+                      </a:r>
+                      <a:r>
+                        <a:rPr lang="en-GB" sz="1800" u="none" strike="noStrike" dirty="0">
+                          <a:effectLst/>
+                        </a:rPr>
+                        <a:t> </a:t>
+                      </a:r>
+                      <a:r>
+                        <a:rPr lang="en-GB" sz="1800" u="none" strike="noStrike" dirty="0" err="1">
+                          <a:effectLst/>
+                        </a:rPr>
+                        <a:t>Karakter</a:t>
+                      </a:r>
+                      <a:r>
+                        <a:rPr lang="en-GB" sz="1800" u="none" strike="noStrike" dirty="0">
+                          <a:effectLst/>
+                        </a:rPr>
+                        <a:t> </a:t>
+                      </a:r>
+                      <a:r>
+                        <a:rPr lang="en-GB" sz="1800" u="none" strike="noStrike" dirty="0" err="1">
+                          <a:effectLst/>
+                        </a:rPr>
+                        <a:t>Maksimal</a:t>
+                      </a:r>
+                      <a:r>
+                        <a:rPr lang="en-GB" sz="1800" u="none" strike="noStrike" dirty="0">
+                          <a:effectLst/>
+                        </a:rPr>
+                        <a:t> </a:t>
+                      </a:r>
+                      <a:r>
+                        <a:rPr lang="en-GB" sz="1800" u="none" strike="noStrike" dirty="0" err="1">
+                          <a:effectLst/>
+                        </a:rPr>
+                        <a:t>Pesan</a:t>
+                      </a:r>
+                      <a:endParaRPr lang="en-GB" sz="1800" b="0" i="0" u="none" strike="noStrike" dirty="0">
+                        <a:solidFill>
+                          <a:srgbClr val="000000"/>
+                        </a:solidFill>
+                        <a:effectLst/>
+                        <a:latin typeface="Calibri" panose="020F0502020204030204" pitchFamily="34" charset="0"/>
+                      </a:endParaRPr>
+                    </a:p>
+                  </a:txBody>
+                  <a:tcPr marL="9525" marR="9525" marT="9525" marB="0" anchor="ctr">
+                    <a:solidFill>
+                      <a:schemeClr val="bg2">
+                        <a:lumMod val="75000"/>
+                      </a:schemeClr>
+                    </a:solidFill>
+                  </a:tcPr>
+                </a:tc>
+                <a:extLst>
+                  <a:ext uri="{0D108BD9-81ED-4DB2-BD59-A6C34878D82A}">
+                    <a16:rowId xmlns:a16="http://schemas.microsoft.com/office/drawing/2014/main" val="120592650"/>
+                  </a:ext>
+                </a:extLst>
+              </a:tr>
+              <a:tr h="190500">
+                <a:tc>
+                  <a:txBody>
+                    <a:bodyPr/>
+                    <a:lstStyle/>
+                    <a:p>
+                      <a:pPr algn="ctr" fontAlgn="b"/>
+                      <a:r>
+                        <a:rPr lang="en-GB" sz="1800" u="none" strike="noStrike" dirty="0" err="1">
+                          <a:effectLst/>
+                        </a:rPr>
+                        <a:t>lena</a:t>
+                      </a:r>
+                      <a:endParaRPr lang="en-GB" sz="1800" b="0" i="0" u="none" strike="noStrike" dirty="0">
+                        <a:solidFill>
+                          <a:srgbClr val="000000"/>
+                        </a:solidFill>
+                        <a:effectLst/>
+                        <a:latin typeface="Calibri" panose="020F0502020204030204" pitchFamily="34" charset="0"/>
+                      </a:endParaRPr>
+                    </a:p>
+                  </a:txBody>
+                  <a:tcPr marL="9525" marR="9525" marT="9525" marB="0" anchor="ctr"/>
+                </a:tc>
+                <a:tc>
+                  <a:txBody>
+                    <a:bodyPr/>
+                    <a:lstStyle/>
+                    <a:p>
+                      <a:pPr algn="ctr" fontAlgn="b"/>
+                      <a:r>
+                        <a:rPr lang="en-GB" sz="1800" u="none" strike="noStrike">
+                          <a:effectLst/>
+                        </a:rPr>
+                        <a:t>128 x 128</a:t>
+                      </a:r>
+                      <a:endParaRPr lang="en-GB" sz="1800" b="0" i="0" u="none" strike="noStrike">
+                        <a:solidFill>
+                          <a:srgbClr val="000000"/>
+                        </a:solidFill>
+                        <a:effectLst/>
+                        <a:latin typeface="Calibri" panose="020F0502020204030204" pitchFamily="34" charset="0"/>
+                      </a:endParaRPr>
+                    </a:p>
+                  </a:txBody>
+                  <a:tcPr marL="9525" marR="9525" marT="9525" marB="0" anchor="ctr"/>
+                </a:tc>
+                <a:tc>
+                  <a:txBody>
+                    <a:bodyPr/>
+                    <a:lstStyle/>
+                    <a:p>
+                      <a:pPr algn="ctr" fontAlgn="b"/>
+                      <a:r>
+                        <a:rPr lang="en-GB" sz="1800" u="none" strike="noStrike">
+                          <a:effectLst/>
+                        </a:rPr>
+                        <a:t>48</a:t>
+                      </a:r>
+                      <a:endParaRPr lang="en-GB" sz="1800" b="0" i="0" u="none" strike="noStrike">
+                        <a:solidFill>
+                          <a:srgbClr val="000000"/>
+                        </a:solidFill>
+                        <a:effectLst/>
+                        <a:latin typeface="Calibri" panose="020F0502020204030204" pitchFamily="34" charset="0"/>
+                      </a:endParaRPr>
+                    </a:p>
+                  </a:txBody>
+                  <a:tcPr marL="9525" marR="9525" marT="9525" marB="0" anchor="ctr"/>
+                </a:tc>
+                <a:tc>
+                  <a:txBody>
+                    <a:bodyPr/>
+                    <a:lstStyle/>
+                    <a:p>
+                      <a:pPr algn="ctr" fontAlgn="b"/>
+                      <a:r>
+                        <a:rPr lang="en-GB" sz="1800" u="none" strike="noStrike">
+                          <a:effectLst/>
+                        </a:rPr>
+                        <a:t>6096</a:t>
+                      </a:r>
+                      <a:endParaRPr lang="en-GB" sz="1800" b="0" i="0" u="none" strike="noStrike">
+                        <a:solidFill>
+                          <a:srgbClr val="000000"/>
+                        </a:solidFill>
+                        <a:effectLst/>
+                        <a:latin typeface="Calibri" panose="020F0502020204030204" pitchFamily="34" charset="0"/>
+                      </a:endParaRPr>
+                    </a:p>
+                  </a:txBody>
+                  <a:tcPr marL="9525" marR="9525" marT="9525" marB="0" anchor="ctr"/>
+                </a:tc>
+                <a:extLst>
+                  <a:ext uri="{0D108BD9-81ED-4DB2-BD59-A6C34878D82A}">
+                    <a16:rowId xmlns:a16="http://schemas.microsoft.com/office/drawing/2014/main" val="316405018"/>
+                  </a:ext>
+                </a:extLst>
+              </a:tr>
+              <a:tr h="190500">
+                <a:tc>
+                  <a:txBody>
+                    <a:bodyPr/>
+                    <a:lstStyle/>
+                    <a:p>
+                      <a:pPr algn="ctr" fontAlgn="b"/>
+                      <a:r>
+                        <a:rPr lang="en-GB" sz="1800" u="none" strike="noStrike" dirty="0">
+                          <a:effectLst/>
+                        </a:rPr>
+                        <a:t>flowers</a:t>
+                      </a:r>
+                      <a:endParaRPr lang="en-GB" sz="1800" b="0" i="0" u="none" strike="noStrike" dirty="0">
+                        <a:solidFill>
+                          <a:srgbClr val="000000"/>
+                        </a:solidFill>
+                        <a:effectLst/>
+                        <a:latin typeface="Calibri" panose="020F0502020204030204" pitchFamily="34" charset="0"/>
+                      </a:endParaRPr>
+                    </a:p>
+                  </a:txBody>
+                  <a:tcPr marL="9525" marR="9525" marT="9525" marB="0" anchor="ctr"/>
+                </a:tc>
+                <a:tc>
+                  <a:txBody>
+                    <a:bodyPr/>
+                    <a:lstStyle/>
+                    <a:p>
+                      <a:pPr algn="ctr" fontAlgn="b"/>
+                      <a:r>
+                        <a:rPr lang="en-GB" sz="1800" u="none" strike="noStrike">
+                          <a:effectLst/>
+                        </a:rPr>
+                        <a:t>512 x 320</a:t>
+                      </a:r>
+                      <a:endParaRPr lang="en-GB" sz="1800" b="0" i="0" u="none" strike="noStrike">
+                        <a:solidFill>
+                          <a:srgbClr val="000000"/>
+                        </a:solidFill>
+                        <a:effectLst/>
+                        <a:latin typeface="Calibri" panose="020F0502020204030204" pitchFamily="34" charset="0"/>
+                      </a:endParaRPr>
+                    </a:p>
+                  </a:txBody>
+                  <a:tcPr marL="9525" marR="9525" marT="9525" marB="0" anchor="ctr"/>
+                </a:tc>
+                <a:tc>
+                  <a:txBody>
+                    <a:bodyPr/>
+                    <a:lstStyle/>
+                    <a:p>
+                      <a:pPr algn="ctr" fontAlgn="b"/>
+                      <a:r>
+                        <a:rPr lang="en-GB" sz="1800" u="none" strike="noStrike">
+                          <a:effectLst/>
+                        </a:rPr>
+                        <a:t>480</a:t>
+                      </a:r>
+                      <a:endParaRPr lang="en-GB" sz="1800" b="0" i="0" u="none" strike="noStrike">
+                        <a:solidFill>
+                          <a:srgbClr val="000000"/>
+                        </a:solidFill>
+                        <a:effectLst/>
+                        <a:latin typeface="Calibri" panose="020F0502020204030204" pitchFamily="34" charset="0"/>
+                      </a:endParaRPr>
+                    </a:p>
+                  </a:txBody>
+                  <a:tcPr marL="9525" marR="9525" marT="9525" marB="0" anchor="ctr"/>
+                </a:tc>
+                <a:tc>
+                  <a:txBody>
+                    <a:bodyPr/>
+                    <a:lstStyle/>
+                    <a:p>
+                      <a:pPr algn="ctr" fontAlgn="b"/>
+                      <a:r>
+                        <a:rPr lang="en-GB" sz="1800" u="none" strike="noStrike">
+                          <a:effectLst/>
+                        </a:rPr>
+                        <a:t>61320</a:t>
+                      </a:r>
+                      <a:endParaRPr lang="en-GB" sz="1800" b="0" i="0" u="none" strike="noStrike">
+                        <a:solidFill>
+                          <a:srgbClr val="000000"/>
+                        </a:solidFill>
+                        <a:effectLst/>
+                        <a:latin typeface="Calibri" panose="020F0502020204030204" pitchFamily="34" charset="0"/>
+                      </a:endParaRPr>
+                    </a:p>
+                  </a:txBody>
+                  <a:tcPr marL="9525" marR="9525" marT="9525" marB="0" anchor="ctr"/>
+                </a:tc>
+                <a:extLst>
+                  <a:ext uri="{0D108BD9-81ED-4DB2-BD59-A6C34878D82A}">
+                    <a16:rowId xmlns:a16="http://schemas.microsoft.com/office/drawing/2014/main" val="1426468312"/>
+                  </a:ext>
+                </a:extLst>
+              </a:tr>
+              <a:tr h="190500">
+                <a:tc>
+                  <a:txBody>
+                    <a:bodyPr/>
+                    <a:lstStyle/>
+                    <a:p>
+                      <a:pPr algn="ctr" fontAlgn="b"/>
+                      <a:r>
+                        <a:rPr lang="en-GB" sz="1800" u="none" strike="noStrike" dirty="0">
+                          <a:effectLst/>
+                        </a:rPr>
+                        <a:t>candy</a:t>
+                      </a:r>
+                      <a:endParaRPr lang="en-GB" sz="1800" b="0" i="0" u="none" strike="noStrike" dirty="0">
+                        <a:solidFill>
+                          <a:srgbClr val="000000"/>
+                        </a:solidFill>
+                        <a:effectLst/>
+                        <a:latin typeface="Calibri" panose="020F0502020204030204" pitchFamily="34" charset="0"/>
+                      </a:endParaRPr>
+                    </a:p>
+                  </a:txBody>
+                  <a:tcPr marL="9525" marR="9525" marT="9525" marB="0" anchor="ctr"/>
+                </a:tc>
+                <a:tc>
+                  <a:txBody>
+                    <a:bodyPr/>
+                    <a:lstStyle/>
+                    <a:p>
+                      <a:pPr algn="ctr" fontAlgn="b"/>
+                      <a:r>
+                        <a:rPr lang="en-GB" sz="1800" u="none" strike="noStrike">
+                          <a:effectLst/>
+                        </a:rPr>
+                        <a:t>1256 x 785</a:t>
+                      </a:r>
+                      <a:endParaRPr lang="en-GB" sz="1800" b="0" i="0" u="none" strike="noStrike">
+                        <a:solidFill>
+                          <a:srgbClr val="000000"/>
+                        </a:solidFill>
+                        <a:effectLst/>
+                        <a:latin typeface="Calibri" panose="020F0502020204030204" pitchFamily="34" charset="0"/>
+                      </a:endParaRPr>
+                    </a:p>
+                  </a:txBody>
+                  <a:tcPr marL="9525" marR="9525" marT="9525" marB="0" anchor="ctr"/>
+                </a:tc>
+                <a:tc>
+                  <a:txBody>
+                    <a:bodyPr/>
+                    <a:lstStyle/>
+                    <a:p>
+                      <a:pPr algn="ctr" fontAlgn="b"/>
+                      <a:r>
+                        <a:rPr lang="en-GB" sz="1800" u="none" strike="noStrike">
+                          <a:effectLst/>
+                        </a:rPr>
+                        <a:t>2820</a:t>
+                      </a:r>
+                      <a:endParaRPr lang="en-GB" sz="1800" b="0" i="0" u="none" strike="noStrike">
+                        <a:solidFill>
+                          <a:srgbClr val="000000"/>
+                        </a:solidFill>
+                        <a:effectLst/>
+                        <a:latin typeface="Calibri" panose="020F0502020204030204" pitchFamily="34" charset="0"/>
+                      </a:endParaRPr>
+                    </a:p>
+                  </a:txBody>
+                  <a:tcPr marL="9525" marR="9525" marT="9525" marB="0" anchor="ctr"/>
+                </a:tc>
+                <a:tc>
+                  <a:txBody>
+                    <a:bodyPr/>
+                    <a:lstStyle/>
+                    <a:p>
+                      <a:pPr algn="ctr" fontAlgn="b"/>
+                      <a:r>
+                        <a:rPr lang="en-GB" sz="1800" u="none" strike="noStrike" dirty="0">
+                          <a:effectLst/>
+                        </a:rPr>
+                        <a:t>369440</a:t>
+                      </a:r>
+                      <a:endParaRPr lang="en-GB" sz="1800" b="0" i="0" u="none" strike="noStrike" dirty="0">
+                        <a:solidFill>
+                          <a:srgbClr val="000000"/>
+                        </a:solidFill>
+                        <a:effectLst/>
+                        <a:latin typeface="Calibri" panose="020F0502020204030204" pitchFamily="34" charset="0"/>
+                      </a:endParaRPr>
+                    </a:p>
+                  </a:txBody>
+                  <a:tcPr marL="9525" marR="9525" marT="9525" marB="0" anchor="ctr"/>
+                </a:tc>
+                <a:extLst>
+                  <a:ext uri="{0D108BD9-81ED-4DB2-BD59-A6C34878D82A}">
+                    <a16:rowId xmlns:a16="http://schemas.microsoft.com/office/drawing/2014/main" val="1257539731"/>
+                  </a:ext>
+                </a:extLst>
+              </a:tr>
+            </a:tbl>
+          </a:graphicData>
+        </a:graphic>
+      </p:graphicFrame>
+    </p:spTree>
+    <p:extLst>
+      <p:ext uri="{BB962C8B-B14F-4D97-AF65-F5344CB8AC3E}">
+        <p14:creationId xmlns:p14="http://schemas.microsoft.com/office/powerpoint/2010/main" val="2193975771"/>
+      </p:ext>
+    </p:extLst>
+  </p:cSld>
+  <p:clrMapOvr>
+    <a:masterClrMapping/>
+  </p:clrMapOvr>
+</p:sld>
+</file>
+
+<file path=ppt/slides/slide4.xml><?xml version="1.0" encoding="utf-8"?>
+<p:sld xmlns:a="http://schemas.openxmlformats.org/drawingml/2006/main" xmlns:r="http://schemas.openxmlformats.org/officeDocument/2006/relationships" xmlns:p="http://schemas.openxmlformats.org/presentationml/2006/main">
+  <p:cSld>
+    <p:spTree>
+      <p:nvGrpSpPr>
+        <p:cNvPr id="1" name=""/>
+        <p:cNvGrpSpPr/>
+        <p:nvPr/>
+      </p:nvGrpSpPr>
+      <p:grpSpPr>
+        <a:xfrm>
+          <a:off x="0" y="0"/>
+          <a:ext cx="0" cy="0"/>
+          <a:chOff x="0" y="0"/>
+          <a:chExt cx="0" cy="0"/>
+        </a:xfrm>
+      </p:grpSpPr>
+      <p:graphicFrame>
+        <p:nvGraphicFramePr>
+          <p:cNvPr id="4" name="Table 3">
+            <a:extLst>
+              <a:ext uri="{FF2B5EF4-FFF2-40B4-BE49-F238E27FC236}">
+                <a16:creationId xmlns:a16="http://schemas.microsoft.com/office/drawing/2014/main" id="{5C048EEA-22FE-40A1-8B8F-86808ADBD906}"/>
+              </a:ext>
+            </a:extLst>
+          </p:cNvPr>
+          <p:cNvGraphicFramePr>
+            <a:graphicFrameLocks noGrp="1"/>
+          </p:cNvGraphicFramePr>
+          <p:nvPr>
+            <p:extLst>
+              <p:ext uri="{D42A27DB-BD31-4B8C-83A1-F6EECF244321}">
+                <p14:modId xmlns:p14="http://schemas.microsoft.com/office/powerpoint/2010/main" val="3093234461"/>
+              </p:ext>
+            </p:extLst>
+          </p:nvPr>
+        </p:nvGraphicFramePr>
+        <p:xfrm>
+          <a:off x="2496000" y="2853000"/>
+          <a:ext cx="7200000" cy="1152000"/>
+        </p:xfrm>
+        <a:graphic>
+          <a:graphicData uri="http://schemas.openxmlformats.org/drawingml/2006/table">
+            <a:tbl>
+              <a:tblPr>
+                <a:tableStyleId>{5940675A-B579-460E-94D1-54222C63F5DA}</a:tableStyleId>
+              </a:tblPr>
+              <a:tblGrid>
+                <a:gridCol w="1800000">
+                  <a:extLst>
+                    <a:ext uri="{9D8B030D-6E8A-4147-A177-3AD203B41FA5}">
+                      <a16:colId xmlns:a16="http://schemas.microsoft.com/office/drawing/2014/main" val="1085656117"/>
+                    </a:ext>
+                  </a:extLst>
+                </a:gridCol>
+                <a:gridCol w="1800000">
+                  <a:extLst>
+                    <a:ext uri="{9D8B030D-6E8A-4147-A177-3AD203B41FA5}">
+                      <a16:colId xmlns:a16="http://schemas.microsoft.com/office/drawing/2014/main" val="3850723062"/>
+                    </a:ext>
+                  </a:extLst>
+                </a:gridCol>
+                <a:gridCol w="1800000">
+                  <a:extLst>
+                    <a:ext uri="{9D8B030D-6E8A-4147-A177-3AD203B41FA5}">
+                      <a16:colId xmlns:a16="http://schemas.microsoft.com/office/drawing/2014/main" val="2778446539"/>
+                    </a:ext>
+                  </a:extLst>
+                </a:gridCol>
+                <a:gridCol w="1800000">
+                  <a:extLst>
+                    <a:ext uri="{9D8B030D-6E8A-4147-A177-3AD203B41FA5}">
+                      <a16:colId xmlns:a16="http://schemas.microsoft.com/office/drawing/2014/main" val="1328384299"/>
+                    </a:ext>
+                  </a:extLst>
+                </a:gridCol>
+              </a:tblGrid>
+              <a:tr h="288000">
+                <a:tc>
+                  <a:txBody>
+                    <a:bodyPr/>
+                    <a:lstStyle/>
+                    <a:p>
+                      <a:pPr algn="ctr" fontAlgn="b"/>
+                      <a:r>
+                        <a:rPr lang="en-GB" sz="1800" u="none" strike="noStrike" dirty="0">
+                          <a:effectLst/>
+                        </a:rPr>
+                        <a:t>Citra</a:t>
+                      </a:r>
+                      <a:endParaRPr lang="en-GB" sz="1800" b="0" i="0" u="none" strike="noStrike" dirty="0">
+                        <a:solidFill>
+                          <a:srgbClr val="000000"/>
+                        </a:solidFill>
+                        <a:effectLst/>
+                        <a:latin typeface="Calibri" panose="020F0502020204030204" pitchFamily="34" charset="0"/>
+                      </a:endParaRPr>
+                    </a:p>
+                  </a:txBody>
+                  <a:tcPr marL="9525" marR="9525" marT="9525" marB="0" anchor="b">
+                    <a:solidFill>
+                      <a:schemeClr val="bg2">
+                        <a:lumMod val="75000"/>
+                      </a:schemeClr>
+                    </a:solidFill>
+                  </a:tcPr>
+                </a:tc>
+                <a:tc>
+                  <a:txBody>
+                    <a:bodyPr/>
+                    <a:lstStyle/>
+                    <a:p>
+                      <a:pPr algn="ctr" fontAlgn="b"/>
+                      <a:r>
+                        <a:rPr lang="en-GB" sz="1800" u="none" strike="noStrike" dirty="0">
+                          <a:effectLst/>
+                        </a:rPr>
+                        <a:t>Bit</a:t>
+                      </a:r>
+                      <a:endParaRPr lang="en-GB" sz="1800" b="0" i="0" u="none" strike="noStrike" dirty="0">
+                        <a:solidFill>
+                          <a:srgbClr val="000000"/>
+                        </a:solidFill>
+                        <a:effectLst/>
+                        <a:latin typeface="Calibri" panose="020F0502020204030204" pitchFamily="34" charset="0"/>
+                      </a:endParaRPr>
+                    </a:p>
+                  </a:txBody>
+                  <a:tcPr marL="9525" marR="9525" marT="9525" marB="0" anchor="b">
+                    <a:solidFill>
+                      <a:schemeClr val="bg2">
+                        <a:lumMod val="75000"/>
+                      </a:schemeClr>
+                    </a:solidFill>
+                  </a:tcPr>
+                </a:tc>
+                <a:tc>
+                  <a:txBody>
+                    <a:bodyPr/>
+                    <a:lstStyle/>
+                    <a:p>
+                      <a:pPr algn="ctr" fontAlgn="b"/>
+                      <a:r>
+                        <a:rPr lang="en-GB" sz="1800" u="none" strike="noStrike" dirty="0">
+                          <a:effectLst/>
+                        </a:rPr>
+                        <a:t>Pixel</a:t>
+                      </a:r>
+                      <a:endParaRPr lang="en-GB" sz="1800" b="0" i="0" u="none" strike="noStrike" dirty="0">
+                        <a:solidFill>
+                          <a:srgbClr val="000000"/>
+                        </a:solidFill>
+                        <a:effectLst/>
+                        <a:latin typeface="Calibri" panose="020F0502020204030204" pitchFamily="34" charset="0"/>
+                      </a:endParaRPr>
+                    </a:p>
+                  </a:txBody>
+                  <a:tcPr marL="9525" marR="9525" marT="9525" marB="0" anchor="b">
+                    <a:solidFill>
+                      <a:schemeClr val="bg2">
+                        <a:lumMod val="75000"/>
+                      </a:schemeClr>
+                    </a:solidFill>
+                  </a:tcPr>
+                </a:tc>
+                <a:tc>
+                  <a:txBody>
+                    <a:bodyPr/>
+                    <a:lstStyle/>
+                    <a:p>
+                      <a:pPr algn="ctr" fontAlgn="b"/>
+                      <a:r>
+                        <a:rPr lang="en-GB" sz="1800" u="none" strike="noStrike" dirty="0">
+                          <a:effectLst/>
+                        </a:rPr>
+                        <a:t>Hasil</a:t>
+                      </a:r>
+                      <a:endParaRPr lang="en-GB" sz="1800" b="0" i="0" u="none" strike="noStrike" dirty="0">
+                        <a:solidFill>
+                          <a:srgbClr val="000000"/>
+                        </a:solidFill>
+                        <a:effectLst/>
+                        <a:latin typeface="Calibri" panose="020F0502020204030204" pitchFamily="34" charset="0"/>
+                      </a:endParaRPr>
+                    </a:p>
+                  </a:txBody>
+                  <a:tcPr marL="9525" marR="9525" marT="9525" marB="0" anchor="b">
+                    <a:solidFill>
+                      <a:schemeClr val="bg2">
+                        <a:lumMod val="75000"/>
+                      </a:schemeClr>
+                    </a:solidFill>
+                  </a:tcPr>
+                </a:tc>
+                <a:extLst>
+                  <a:ext uri="{0D108BD9-81ED-4DB2-BD59-A6C34878D82A}">
+                    <a16:rowId xmlns:a16="http://schemas.microsoft.com/office/drawing/2014/main" val="4132757569"/>
+                  </a:ext>
+                </a:extLst>
+              </a:tr>
+              <a:tr h="288000">
+                <a:tc>
+                  <a:txBody>
+                    <a:bodyPr/>
+                    <a:lstStyle/>
+                    <a:p>
+                      <a:pPr algn="ctr" fontAlgn="b"/>
+                      <a:r>
+                        <a:rPr lang="en-GB" sz="1800" u="none" strike="noStrike" dirty="0" err="1">
+                          <a:effectLst/>
+                        </a:rPr>
+                        <a:t>lena_gray</a:t>
+                      </a:r>
+                      <a:endParaRPr lang="en-GB" sz="1800" b="0" i="0" u="none" strike="noStrike" dirty="0">
+                        <a:solidFill>
+                          <a:srgbClr val="000000"/>
+                        </a:solidFill>
+                        <a:effectLst/>
+                        <a:latin typeface="Calibri" panose="020F0502020204030204" pitchFamily="34" charset="0"/>
+                      </a:endParaRPr>
+                    </a:p>
+                  </a:txBody>
+                  <a:tcPr marL="9525" marR="9525" marT="9525" marB="0" anchor="b"/>
+                </a:tc>
+                <a:tc>
+                  <a:txBody>
+                    <a:bodyPr/>
+                    <a:lstStyle/>
+                    <a:p>
+                      <a:pPr algn="ctr" fontAlgn="b"/>
+                      <a:r>
+                        <a:rPr lang="en-GB" sz="1800" u="none" strike="noStrike" dirty="0">
+                          <a:effectLst/>
+                        </a:rPr>
+                        <a:t>8</a:t>
+                      </a:r>
+                      <a:endParaRPr lang="en-GB" sz="1800" b="0" i="0" u="none" strike="noStrike" dirty="0">
+                        <a:solidFill>
+                          <a:srgbClr val="000000"/>
+                        </a:solidFill>
+                        <a:effectLst/>
+                        <a:latin typeface="Calibri" panose="020F0502020204030204" pitchFamily="34" charset="0"/>
+                      </a:endParaRPr>
+                    </a:p>
+                  </a:txBody>
+                  <a:tcPr marL="9525" marR="9525" marT="9525" marB="0" anchor="b"/>
+                </a:tc>
+                <a:tc>
+                  <a:txBody>
+                    <a:bodyPr/>
+                    <a:lstStyle/>
+                    <a:p>
+                      <a:pPr algn="ctr" fontAlgn="b"/>
+                      <a:r>
+                        <a:rPr lang="en-GB" sz="1800" u="none" strike="noStrike" dirty="0">
+                          <a:effectLst/>
+                        </a:rPr>
+                        <a:t>512 x 512</a:t>
+                      </a:r>
+                      <a:endParaRPr lang="en-GB" sz="1800" b="0" i="0" u="none" strike="noStrike" dirty="0">
+                        <a:solidFill>
+                          <a:srgbClr val="000000"/>
+                        </a:solidFill>
+                        <a:effectLst/>
+                        <a:latin typeface="Calibri" panose="020F0502020204030204" pitchFamily="34" charset="0"/>
+                      </a:endParaRPr>
+                    </a:p>
+                  </a:txBody>
+                  <a:tcPr marL="9525" marR="9525" marT="9525" marB="0" anchor="b"/>
+                </a:tc>
+                <a:tc>
+                  <a:txBody>
+                    <a:bodyPr/>
+                    <a:lstStyle/>
+                    <a:p>
+                      <a:pPr algn="ctr" fontAlgn="b"/>
+                      <a:r>
+                        <a:rPr lang="en-GB" sz="1800" u="none" strike="noStrike">
+                          <a:effectLst/>
+                        </a:rPr>
+                        <a:t>Gagal</a:t>
+                      </a:r>
+                      <a:endParaRPr lang="en-GB" sz="1800" b="0" i="0" u="none" strike="noStrike">
+                        <a:solidFill>
+                          <a:srgbClr val="000000"/>
+                        </a:solidFill>
+                        <a:effectLst/>
+                        <a:latin typeface="Calibri" panose="020F0502020204030204" pitchFamily="34" charset="0"/>
+                      </a:endParaRPr>
+                    </a:p>
+                  </a:txBody>
+                  <a:tcPr marL="9525" marR="9525" marT="9525" marB="0" anchor="b"/>
+                </a:tc>
+                <a:extLst>
+                  <a:ext uri="{0D108BD9-81ED-4DB2-BD59-A6C34878D82A}">
+                    <a16:rowId xmlns:a16="http://schemas.microsoft.com/office/drawing/2014/main" val="3864032472"/>
+                  </a:ext>
+                </a:extLst>
+              </a:tr>
+              <a:tr h="288000">
+                <a:tc>
+                  <a:txBody>
+                    <a:bodyPr/>
+                    <a:lstStyle/>
+                    <a:p>
+                      <a:pPr algn="ctr" fontAlgn="b"/>
+                      <a:r>
+                        <a:rPr lang="en-GB" sz="1800" u="none" strike="noStrike" dirty="0" err="1">
+                          <a:effectLst/>
+                        </a:rPr>
+                        <a:t>lena</a:t>
+                      </a:r>
+                      <a:endParaRPr lang="en-GB" sz="1800" b="0" i="0" u="none" strike="noStrike" dirty="0">
+                        <a:solidFill>
+                          <a:srgbClr val="000000"/>
+                        </a:solidFill>
+                        <a:effectLst/>
+                        <a:latin typeface="Calibri" panose="020F0502020204030204" pitchFamily="34" charset="0"/>
+                      </a:endParaRPr>
+                    </a:p>
+                  </a:txBody>
+                  <a:tcPr marL="9525" marR="9525" marT="9525" marB="0" anchor="b"/>
+                </a:tc>
+                <a:tc>
+                  <a:txBody>
+                    <a:bodyPr/>
+                    <a:lstStyle/>
+                    <a:p>
+                      <a:pPr algn="ctr" fontAlgn="b"/>
+                      <a:r>
+                        <a:rPr lang="en-GB" sz="1800" u="none" strike="noStrike" dirty="0">
+                          <a:effectLst/>
+                        </a:rPr>
+                        <a:t>24</a:t>
+                      </a:r>
+                      <a:endParaRPr lang="en-GB" sz="1800" b="0" i="0" u="none" strike="noStrike" dirty="0">
+                        <a:solidFill>
+                          <a:srgbClr val="000000"/>
+                        </a:solidFill>
+                        <a:effectLst/>
+                        <a:latin typeface="Calibri" panose="020F0502020204030204" pitchFamily="34" charset="0"/>
+                      </a:endParaRPr>
+                    </a:p>
+                  </a:txBody>
+                  <a:tcPr marL="9525" marR="9525" marT="9525" marB="0" anchor="b"/>
+                </a:tc>
+                <a:tc>
+                  <a:txBody>
+                    <a:bodyPr/>
+                    <a:lstStyle/>
+                    <a:p>
+                      <a:pPr algn="ctr" fontAlgn="b"/>
+                      <a:r>
+                        <a:rPr lang="en-GB" sz="1800" u="none" strike="noStrike" dirty="0">
+                          <a:effectLst/>
+                        </a:rPr>
+                        <a:t>128 x 128</a:t>
+                      </a:r>
+                      <a:endParaRPr lang="en-GB" sz="1800" b="0" i="0" u="none" strike="noStrike" dirty="0">
+                        <a:solidFill>
+                          <a:srgbClr val="000000"/>
+                        </a:solidFill>
+                        <a:effectLst/>
+                        <a:latin typeface="Calibri" panose="020F0502020204030204" pitchFamily="34" charset="0"/>
+                      </a:endParaRPr>
+                    </a:p>
+                  </a:txBody>
+                  <a:tcPr marL="9525" marR="9525" marT="9525" marB="0" anchor="b"/>
+                </a:tc>
+                <a:tc>
+                  <a:txBody>
+                    <a:bodyPr/>
+                    <a:lstStyle/>
+                    <a:p>
+                      <a:pPr algn="ctr" fontAlgn="b"/>
+                      <a:r>
+                        <a:rPr lang="en-GB" sz="1800" u="none" strike="noStrike">
+                          <a:effectLst/>
+                        </a:rPr>
+                        <a:t>Berhasil</a:t>
+                      </a:r>
+                      <a:endParaRPr lang="en-GB" sz="1800" b="0" i="0" u="none" strike="noStrike">
+                        <a:solidFill>
+                          <a:srgbClr val="000000"/>
+                        </a:solidFill>
+                        <a:effectLst/>
+                        <a:latin typeface="Calibri" panose="020F0502020204030204" pitchFamily="34" charset="0"/>
+                      </a:endParaRPr>
+                    </a:p>
+                  </a:txBody>
+                  <a:tcPr marL="9525" marR="9525" marT="9525" marB="0" anchor="b"/>
+                </a:tc>
+                <a:extLst>
+                  <a:ext uri="{0D108BD9-81ED-4DB2-BD59-A6C34878D82A}">
+                    <a16:rowId xmlns:a16="http://schemas.microsoft.com/office/drawing/2014/main" val="2363777217"/>
+                  </a:ext>
+                </a:extLst>
+              </a:tr>
+              <a:tr h="288000">
+                <a:tc>
+                  <a:txBody>
+                    <a:bodyPr/>
+                    <a:lstStyle/>
+                    <a:p>
+                      <a:pPr algn="ctr" fontAlgn="b"/>
+                      <a:r>
+                        <a:rPr lang="en-GB" sz="1800" u="none" strike="noStrike">
+                          <a:effectLst/>
+                        </a:rPr>
+                        <a:t>amelia</a:t>
+                      </a:r>
+                      <a:endParaRPr lang="en-GB" sz="1800" b="0" i="0" u="none" strike="noStrike">
+                        <a:solidFill>
+                          <a:srgbClr val="000000"/>
+                        </a:solidFill>
+                        <a:effectLst/>
+                        <a:latin typeface="Calibri" panose="020F0502020204030204" pitchFamily="34" charset="0"/>
+                      </a:endParaRPr>
+                    </a:p>
+                  </a:txBody>
+                  <a:tcPr marL="9525" marR="9525" marT="9525" marB="0" anchor="b"/>
+                </a:tc>
+                <a:tc>
+                  <a:txBody>
+                    <a:bodyPr/>
+                    <a:lstStyle/>
+                    <a:p>
+                      <a:pPr algn="ctr" fontAlgn="b"/>
+                      <a:r>
+                        <a:rPr lang="en-GB" sz="1800" u="none" strike="noStrike" dirty="0">
+                          <a:effectLst/>
+                        </a:rPr>
+                        <a:t>32</a:t>
+                      </a:r>
+                      <a:endParaRPr lang="en-GB" sz="1800" b="0" i="0" u="none" strike="noStrike" dirty="0">
+                        <a:solidFill>
+                          <a:srgbClr val="000000"/>
+                        </a:solidFill>
+                        <a:effectLst/>
+                        <a:latin typeface="Calibri" panose="020F0502020204030204" pitchFamily="34" charset="0"/>
+                      </a:endParaRPr>
+                    </a:p>
+                  </a:txBody>
+                  <a:tcPr marL="9525" marR="9525" marT="9525" marB="0" anchor="b"/>
+                </a:tc>
+                <a:tc>
+                  <a:txBody>
+                    <a:bodyPr/>
+                    <a:lstStyle/>
+                    <a:p>
+                      <a:pPr algn="ctr" fontAlgn="b"/>
+                      <a:r>
+                        <a:rPr lang="en-GB" sz="1800" u="none" strike="noStrike" dirty="0">
+                          <a:effectLst/>
+                        </a:rPr>
+                        <a:t>1576 x 2364</a:t>
+                      </a:r>
+                      <a:endParaRPr lang="en-GB" sz="1800" b="0" i="0" u="none" strike="noStrike" dirty="0">
+                        <a:solidFill>
+                          <a:srgbClr val="000000"/>
+                        </a:solidFill>
+                        <a:effectLst/>
+                        <a:latin typeface="Calibri" panose="020F0502020204030204" pitchFamily="34" charset="0"/>
+                      </a:endParaRPr>
+                    </a:p>
+                  </a:txBody>
+                  <a:tcPr marL="9525" marR="9525" marT="9525" marB="0" anchor="b"/>
+                </a:tc>
+                <a:tc>
+                  <a:txBody>
+                    <a:bodyPr/>
+                    <a:lstStyle/>
+                    <a:p>
+                      <a:pPr algn="ctr" fontAlgn="b"/>
+                      <a:r>
+                        <a:rPr lang="en-GB" sz="1800" u="none" strike="noStrike" dirty="0" err="1">
+                          <a:effectLst/>
+                        </a:rPr>
+                        <a:t>Berhasil</a:t>
+                      </a:r>
+                      <a:endParaRPr lang="en-GB" sz="1800" b="0" i="0" u="none" strike="noStrike" dirty="0">
+                        <a:solidFill>
+                          <a:srgbClr val="000000"/>
+                        </a:solidFill>
+                        <a:effectLst/>
+                        <a:latin typeface="Calibri" panose="020F0502020204030204" pitchFamily="34" charset="0"/>
+                      </a:endParaRPr>
+                    </a:p>
+                  </a:txBody>
+                  <a:tcPr marL="9525" marR="9525" marT="9525" marB="0" anchor="b"/>
+                </a:tc>
+                <a:extLst>
+                  <a:ext uri="{0D108BD9-81ED-4DB2-BD59-A6C34878D82A}">
+                    <a16:rowId xmlns:a16="http://schemas.microsoft.com/office/drawing/2014/main" val="2145529179"/>
+                  </a:ext>
+                </a:extLst>
+              </a:tr>
+            </a:tbl>
+          </a:graphicData>
+        </a:graphic>
+      </p:graphicFrame>
+    </p:spTree>
+    <p:extLst>
+      <p:ext uri="{BB962C8B-B14F-4D97-AF65-F5344CB8AC3E}">
+        <p14:creationId xmlns:p14="http://schemas.microsoft.com/office/powerpoint/2010/main" val="3442280704"/>
+      </p:ext>
+    </p:extLst>
+  </p:cSld>
+  <p:clrMapOvr>
+    <a:masterClrMapping/>
+  </p:clrMapOvr>
+</p:sld>
+</file>
+
+<file path=ppt/slides/slide5.xml><?xml version="1.0" encoding="utf-8"?>
+<p:sld xmlns:a="http://schemas.openxmlformats.org/drawingml/2006/main" xmlns:r="http://schemas.openxmlformats.org/officeDocument/2006/relationships" xmlns:p="http://schemas.openxmlformats.org/presentationml/2006/main">
+  <p:cSld>
+    <p:spTree>
+      <p:nvGrpSpPr>
+        <p:cNvPr id="1" name=""/>
+        <p:cNvGrpSpPr/>
+        <p:nvPr/>
+      </p:nvGrpSpPr>
+      <p:grpSpPr>
+        <a:xfrm>
+          <a:off x="0" y="0"/>
+          <a:ext cx="0" cy="0"/>
+          <a:chOff x="0" y="0"/>
+          <a:chExt cx="0" cy="0"/>
+        </a:xfrm>
+      </p:grpSpPr>
       <p:pic>
         <p:nvPicPr>
           <p:cNvPr id="5" name="Picture 4">
@@ -6641,7 +7712,7 @@
 </p:sld>
 </file>
 
-<file path=ppt/slides/slide4.xml><?xml version="1.0" encoding="utf-8"?>
+<file path=ppt/slides/slide6.xml><?xml version="1.0" encoding="utf-8"?>
 <p:sld xmlns:a="http://schemas.openxmlformats.org/drawingml/2006/main" xmlns:r="http://schemas.openxmlformats.org/officeDocument/2006/relationships" xmlns:p="http://schemas.openxmlformats.org/presentationml/2006/main">
   <p:cSld>
     <p:spTree>

--- a/Ms. Office/tabel_hasil.pptx
+++ b/Ms. Office/tabel_hasil.pptx
@@ -9,8 +9,7 @@
     <p:sldId id="257" r:id="rId3"/>
     <p:sldId id="260" r:id="rId4"/>
     <p:sldId id="261" r:id="rId5"/>
-    <p:sldId id="258" r:id="rId6"/>
-    <p:sldId id="259" r:id="rId7"/>
+    <p:sldId id="262" r:id="rId6"/>
   </p:sldIdLst>
   <p:sldSz cx="12192000" cy="6858000"/>
   <p:notesSz cx="6858000" cy="9144000"/>
@@ -266,7 +265,7 @@
           <a:p>
             <a:fld id="{C249A6F2-7096-4CBA-B271-A03117C364B9}" type="datetimeFigureOut">
               <a:rPr lang="en-GB" smtClean="0"/>
-              <a:t>30/07/2018</a:t>
+              <a:t>05/08/2018</a:t>
             </a:fld>
             <a:endParaRPr lang="en-GB"/>
           </a:p>
@@ -466,7 +465,7 @@
           <a:p>
             <a:fld id="{C249A6F2-7096-4CBA-B271-A03117C364B9}" type="datetimeFigureOut">
               <a:rPr lang="en-GB" smtClean="0"/>
-              <a:t>30/07/2018</a:t>
+              <a:t>05/08/2018</a:t>
             </a:fld>
             <a:endParaRPr lang="en-GB"/>
           </a:p>
@@ -676,7 +675,7 @@
           <a:p>
             <a:fld id="{C249A6F2-7096-4CBA-B271-A03117C364B9}" type="datetimeFigureOut">
               <a:rPr lang="en-GB" smtClean="0"/>
-              <a:t>30/07/2018</a:t>
+              <a:t>05/08/2018</a:t>
             </a:fld>
             <a:endParaRPr lang="en-GB"/>
           </a:p>
@@ -876,7 +875,7 @@
           <a:p>
             <a:fld id="{C249A6F2-7096-4CBA-B271-A03117C364B9}" type="datetimeFigureOut">
               <a:rPr lang="en-GB" smtClean="0"/>
-              <a:t>30/07/2018</a:t>
+              <a:t>05/08/2018</a:t>
             </a:fld>
             <a:endParaRPr lang="en-GB"/>
           </a:p>
@@ -1152,7 +1151,7 @@
           <a:p>
             <a:fld id="{C249A6F2-7096-4CBA-B271-A03117C364B9}" type="datetimeFigureOut">
               <a:rPr lang="en-GB" smtClean="0"/>
-              <a:t>30/07/2018</a:t>
+              <a:t>05/08/2018</a:t>
             </a:fld>
             <a:endParaRPr lang="en-GB"/>
           </a:p>
@@ -1420,7 +1419,7 @@
           <a:p>
             <a:fld id="{C249A6F2-7096-4CBA-B271-A03117C364B9}" type="datetimeFigureOut">
               <a:rPr lang="en-GB" smtClean="0"/>
-              <a:t>30/07/2018</a:t>
+              <a:t>05/08/2018</a:t>
             </a:fld>
             <a:endParaRPr lang="en-GB"/>
           </a:p>
@@ -1835,7 +1834,7 @@
           <a:p>
             <a:fld id="{C249A6F2-7096-4CBA-B271-A03117C364B9}" type="datetimeFigureOut">
               <a:rPr lang="en-GB" smtClean="0"/>
-              <a:t>30/07/2018</a:t>
+              <a:t>05/08/2018</a:t>
             </a:fld>
             <a:endParaRPr lang="en-GB"/>
           </a:p>
@@ -1977,7 +1976,7 @@
           <a:p>
             <a:fld id="{C249A6F2-7096-4CBA-B271-A03117C364B9}" type="datetimeFigureOut">
               <a:rPr lang="en-GB" smtClean="0"/>
-              <a:t>30/07/2018</a:t>
+              <a:t>05/08/2018</a:t>
             </a:fld>
             <a:endParaRPr lang="en-GB"/>
           </a:p>
@@ -2090,7 +2089,7 @@
           <a:p>
             <a:fld id="{C249A6F2-7096-4CBA-B271-A03117C364B9}" type="datetimeFigureOut">
               <a:rPr lang="en-GB" smtClean="0"/>
-              <a:t>30/07/2018</a:t>
+              <a:t>05/08/2018</a:t>
             </a:fld>
             <a:endParaRPr lang="en-GB"/>
           </a:p>
@@ -2403,7 +2402,7 @@
           <a:p>
             <a:fld id="{C249A6F2-7096-4CBA-B271-A03117C364B9}" type="datetimeFigureOut">
               <a:rPr lang="en-GB" smtClean="0"/>
-              <a:t>30/07/2018</a:t>
+              <a:t>05/08/2018</a:t>
             </a:fld>
             <a:endParaRPr lang="en-GB"/>
           </a:p>
@@ -2692,7 +2691,7 @@
           <a:p>
             <a:fld id="{C249A6F2-7096-4CBA-B271-A03117C364B9}" type="datetimeFigureOut">
               <a:rPr lang="en-GB" smtClean="0"/>
-              <a:t>30/07/2018</a:t>
+              <a:t>05/08/2018</a:t>
             </a:fld>
             <a:endParaRPr lang="en-GB"/>
           </a:p>
@@ -2935,7 +2934,7 @@
           <a:p>
             <a:fld id="{C249A6F2-7096-4CBA-B271-A03117C364B9}" type="datetimeFigureOut">
               <a:rPr lang="en-GB" smtClean="0"/>
-              <a:t>30/07/2018</a:t>
+              <a:t>05/08/2018</a:t>
             </a:fld>
             <a:endParaRPr lang="en-GB"/>
           </a:p>
@@ -3367,14 +3366,14 @@
           <p:nvPr>
             <p:extLst>
               <p:ext uri="{D42A27DB-BD31-4B8C-83A1-F6EECF244321}">
-                <p14:modId xmlns:p14="http://schemas.microsoft.com/office/powerpoint/2010/main" val="973806371"/>
+                <p14:modId xmlns:p14="http://schemas.microsoft.com/office/powerpoint/2010/main" val="69915834"/>
               </p:ext>
             </p:extLst>
           </p:nvPr>
         </p:nvGraphicFramePr>
         <p:xfrm>
           <a:off x="696000" y="1053000"/>
-          <a:ext cx="10800000" cy="4752000"/>
+          <a:ext cx="10800000" cy="5702400"/>
         </p:xfrm>
         <a:graphic>
           <a:graphicData uri="http://schemas.openxmlformats.org/drawingml/2006/table">
@@ -3643,12 +3642,16 @@
                     <a:bodyPr/>
                     <a:lstStyle/>
                     <a:p>
-                      <a:pPr algn="ctr" fontAlgn="b"/>
-                      <a:r>
-                        <a:rPr lang="en-GB" sz="1800" u="none" strike="noStrike" dirty="0" err="1">
-                          <a:effectLst/>
-                        </a:rPr>
-                        <a:t>lena</a:t>
+                      <a:pPr algn="ctr" fontAlgn="ctr"/>
+                      <a:r>
+                        <a:rPr lang="en-GB" sz="1800" b="0" i="0" u="none" strike="noStrike" dirty="0" err="1">
+                          <a:solidFill>
+                            <a:srgbClr val="000000"/>
+                          </a:solidFill>
+                          <a:effectLst/>
+                          <a:latin typeface="Calibri" panose="020F0502020204030204" pitchFamily="34" charset="0"/>
+                        </a:rPr>
+                        <a:t>lena_gray</a:t>
                       </a:r>
                       <a:endParaRPr lang="en-GB" sz="1800" b="0" i="0" u="none" strike="noStrike" dirty="0">
                         <a:solidFill>
@@ -3666,12 +3669,604 @@
                     <a:bodyPr/>
                     <a:lstStyle/>
                     <a:p>
-                      <a:pPr algn="ctr" fontAlgn="b"/>
-                      <a:r>
-                        <a:rPr lang="en-GB" sz="1800" u="none" strike="noStrike" dirty="0">
-                          <a:effectLst/>
+                      <a:pPr algn="ctr" fontAlgn="ctr"/>
+                      <a:r>
+                        <a:rPr lang="en-GB" sz="1800" b="0" i="0" u="none" strike="noStrike" dirty="0">
+                          <a:solidFill>
+                            <a:srgbClr val="000000"/>
+                          </a:solidFill>
+                          <a:effectLst/>
+                          <a:latin typeface="Calibri" panose="020F0502020204030204" pitchFamily="34" charset="0"/>
                         </a:rPr>
                         <a:t>114</a:t>
+                      </a:r>
+                    </a:p>
+                  </a:txBody>
+                  <a:tcPr marL="9525" marR="9525" marT="9525" marB="0" anchor="ctr"/>
+                </a:tc>
+                <a:tc>
+                  <a:txBody>
+                    <a:bodyPr/>
+                    <a:lstStyle/>
+                    <a:p>
+                      <a:pPr algn="ctr" fontAlgn="ctr"/>
+                      <a:r>
+                        <a:rPr lang="en-GB" sz="1800" b="0" i="0" u="none" strike="noStrike">
+                          <a:solidFill>
+                            <a:srgbClr val="000000"/>
+                          </a:solidFill>
+                          <a:effectLst/>
+                          <a:latin typeface="Calibri" panose="020F0502020204030204" pitchFamily="34" charset="0"/>
+                        </a:rPr>
+                        <a:t>512 x 512</a:t>
+                      </a:r>
+                    </a:p>
+                  </a:txBody>
+                  <a:tcPr marL="9525" marR="9525" marT="9525" marB="0" anchor="ctr"/>
+                </a:tc>
+                <a:tc>
+                  <a:txBody>
+                    <a:bodyPr/>
+                    <a:lstStyle/>
+                    <a:p>
+                      <a:pPr algn="ctr" fontAlgn="ctr"/>
+                      <a:r>
+                        <a:rPr lang="en-GB" sz="1800" b="0" i="0" u="none" strike="noStrike">
+                          <a:solidFill>
+                            <a:srgbClr val="000000"/>
+                          </a:solidFill>
+                          <a:effectLst/>
+                          <a:latin typeface="Calibri" panose="020F0502020204030204" pitchFamily="34" charset="0"/>
+                        </a:rPr>
+                        <a:t>257</a:t>
+                      </a:r>
+                    </a:p>
+                  </a:txBody>
+                  <a:tcPr marL="9525" marR="9525" marT="9525" marB="0" anchor="ctr"/>
+                </a:tc>
+                <a:tc>
+                  <a:txBody>
+                    <a:bodyPr/>
+                    <a:lstStyle/>
+                    <a:p>
+                      <a:pPr algn="ctr" fontAlgn="ctr"/>
+                      <a:r>
+                        <a:rPr lang="en-GB" sz="1800" b="0" i="0" u="none" strike="noStrike">
+                          <a:solidFill>
+                            <a:srgbClr val="000000"/>
+                          </a:solidFill>
+                          <a:effectLst/>
+                          <a:latin typeface="Calibri" panose="020F0502020204030204" pitchFamily="34" charset="0"/>
+                        </a:rPr>
+                        <a:t> </a:t>
+                      </a:r>
+                    </a:p>
+                  </a:txBody>
+                  <a:tcPr marL="9525" marR="9525" marT="9525" marB="0" anchor="ctr"/>
+                </a:tc>
+                <a:tc>
+                  <a:txBody>
+                    <a:bodyPr/>
+                    <a:lstStyle/>
+                    <a:p>
+                      <a:pPr algn="ctr" fontAlgn="ctr"/>
+                      <a:r>
+                        <a:rPr lang="en-GB" sz="1800" b="0" i="0" u="none" strike="noStrike">
+                          <a:solidFill>
+                            <a:srgbClr val="000000"/>
+                          </a:solidFill>
+                          <a:effectLst/>
+                          <a:latin typeface="Calibri" panose="020F0502020204030204" pitchFamily="34" charset="0"/>
+                        </a:rPr>
+                        <a:t>Gagal</a:t>
+                      </a:r>
+                    </a:p>
+                  </a:txBody>
+                  <a:tcPr marL="9525" marR="9525" marT="9525" marB="0" anchor="ctr"/>
+                </a:tc>
+                <a:extLst>
+                  <a:ext uri="{0D108BD9-81ED-4DB2-BD59-A6C34878D82A}">
+                    <a16:rowId xmlns:a16="http://schemas.microsoft.com/office/drawing/2014/main" val="660684508"/>
+                  </a:ext>
+                </a:extLst>
+              </a:tr>
+              <a:tr h="475200">
+                <a:tc>
+                  <a:txBody>
+                    <a:bodyPr/>
+                    <a:lstStyle/>
+                    <a:p>
+                      <a:pPr algn="ctr" fontAlgn="ctr"/>
+                      <a:r>
+                        <a:rPr lang="en-GB" sz="1800" b="0" i="0" u="none" strike="noStrike" dirty="0">
+                          <a:solidFill>
+                            <a:srgbClr val="000000"/>
+                          </a:solidFill>
+                          <a:effectLst/>
+                          <a:latin typeface="Calibri" panose="020F0502020204030204" pitchFamily="34" charset="0"/>
+                        </a:rPr>
+                        <a:t> </a:t>
+                      </a:r>
+                    </a:p>
+                  </a:txBody>
+                  <a:tcPr marL="9525" marR="9525" marT="9525" marB="0" anchor="ctr"/>
+                </a:tc>
+                <a:tc>
+                  <a:txBody>
+                    <a:bodyPr/>
+                    <a:lstStyle/>
+                    <a:p>
+                      <a:pPr algn="ctr" fontAlgn="ctr"/>
+                      <a:r>
+                        <a:rPr lang="en-GB" sz="1800" b="0" i="0" u="none" strike="noStrike" dirty="0">
+                          <a:solidFill>
+                            <a:srgbClr val="000000"/>
+                          </a:solidFill>
+                          <a:effectLst/>
+                          <a:latin typeface="Calibri" panose="020F0502020204030204" pitchFamily="34" charset="0"/>
+                        </a:rPr>
+                        <a:t>786</a:t>
+                      </a:r>
+                    </a:p>
+                  </a:txBody>
+                  <a:tcPr marL="9525" marR="9525" marT="9525" marB="0" anchor="ctr"/>
+                </a:tc>
+                <a:tc>
+                  <a:txBody>
+                    <a:bodyPr/>
+                    <a:lstStyle/>
+                    <a:p>
+                      <a:pPr algn="ctr" fontAlgn="ctr"/>
+                      <a:r>
+                        <a:rPr lang="en-GB" sz="1800" b="0" i="0" u="none" strike="noStrike" dirty="0">
+                          <a:solidFill>
+                            <a:srgbClr val="000000"/>
+                          </a:solidFill>
+                          <a:effectLst/>
+                          <a:latin typeface="Calibri" panose="020F0502020204030204" pitchFamily="34" charset="0"/>
+                        </a:rPr>
+                        <a:t>512 x 512</a:t>
+                      </a:r>
+                    </a:p>
+                  </a:txBody>
+                  <a:tcPr marL="9525" marR="9525" marT="9525" marB="0" anchor="ctr"/>
+                </a:tc>
+                <a:tc>
+                  <a:txBody>
+                    <a:bodyPr/>
+                    <a:lstStyle/>
+                    <a:p>
+                      <a:pPr algn="ctr" fontAlgn="ctr"/>
+                      <a:r>
+                        <a:rPr lang="en-GB" sz="1800" b="0" i="0" u="none" strike="noStrike">
+                          <a:solidFill>
+                            <a:srgbClr val="000000"/>
+                          </a:solidFill>
+                          <a:effectLst/>
+                          <a:latin typeface="Calibri" panose="020F0502020204030204" pitchFamily="34" charset="0"/>
+                        </a:rPr>
+                        <a:t>257</a:t>
+                      </a:r>
+                    </a:p>
+                  </a:txBody>
+                  <a:tcPr marL="9525" marR="9525" marT="9525" marB="0" anchor="ctr"/>
+                </a:tc>
+                <a:tc>
+                  <a:txBody>
+                    <a:bodyPr/>
+                    <a:lstStyle/>
+                    <a:p>
+                      <a:pPr algn="ctr" fontAlgn="ctr"/>
+                      <a:r>
+                        <a:rPr lang="en-GB" sz="1800" b="0" i="0" u="none" strike="noStrike">
+                          <a:solidFill>
+                            <a:srgbClr val="000000"/>
+                          </a:solidFill>
+                          <a:effectLst/>
+                          <a:latin typeface="Calibri" panose="020F0502020204030204" pitchFamily="34" charset="0"/>
+                        </a:rPr>
+                        <a:t> </a:t>
+                      </a:r>
+                    </a:p>
+                  </a:txBody>
+                  <a:tcPr marL="9525" marR="9525" marT="9525" marB="0" anchor="ctr"/>
+                </a:tc>
+                <a:tc>
+                  <a:txBody>
+                    <a:bodyPr/>
+                    <a:lstStyle/>
+                    <a:p>
+                      <a:pPr algn="ctr" fontAlgn="ctr"/>
+                      <a:r>
+                        <a:rPr lang="en-GB" sz="1800" b="0" i="0" u="none" strike="noStrike">
+                          <a:solidFill>
+                            <a:srgbClr val="000000"/>
+                          </a:solidFill>
+                          <a:effectLst/>
+                          <a:latin typeface="Calibri" panose="020F0502020204030204" pitchFamily="34" charset="0"/>
+                        </a:rPr>
+                        <a:t>Gagal</a:t>
+                      </a:r>
+                    </a:p>
+                  </a:txBody>
+                  <a:tcPr marL="9525" marR="9525" marT="9525" marB="0" anchor="ctr"/>
+                </a:tc>
+                <a:extLst>
+                  <a:ext uri="{0D108BD9-81ED-4DB2-BD59-A6C34878D82A}">
+                    <a16:rowId xmlns:a16="http://schemas.microsoft.com/office/drawing/2014/main" val="1479238548"/>
+                  </a:ext>
+                </a:extLst>
+              </a:tr>
+              <a:tr h="475200">
+                <a:tc>
+                  <a:txBody>
+                    <a:bodyPr/>
+                    <a:lstStyle/>
+                    <a:p>
+                      <a:pPr algn="ctr" fontAlgn="ctr"/>
+                      <a:r>
+                        <a:rPr lang="en-GB" sz="1800" b="0" i="0" u="none" strike="noStrike" dirty="0">
+                          <a:solidFill>
+                            <a:srgbClr val="000000"/>
+                          </a:solidFill>
+                          <a:effectLst/>
+                          <a:latin typeface="Calibri" panose="020F0502020204030204" pitchFamily="34" charset="0"/>
+                        </a:rPr>
+                        <a:t> </a:t>
+                      </a:r>
+                    </a:p>
+                  </a:txBody>
+                  <a:tcPr marL="9525" marR="9525" marT="9525" marB="0" anchor="ctr"/>
+                </a:tc>
+                <a:tc>
+                  <a:txBody>
+                    <a:bodyPr/>
+                    <a:lstStyle/>
+                    <a:p>
+                      <a:pPr algn="ctr" fontAlgn="ctr"/>
+                      <a:r>
+                        <a:rPr lang="en-GB" sz="1800" b="0" i="0" u="none" strike="noStrike" dirty="0">
+                          <a:solidFill>
+                            <a:srgbClr val="000000"/>
+                          </a:solidFill>
+                          <a:effectLst/>
+                          <a:latin typeface="Calibri" panose="020F0502020204030204" pitchFamily="34" charset="0"/>
+                        </a:rPr>
+                        <a:t>4415</a:t>
+                      </a:r>
+                    </a:p>
+                  </a:txBody>
+                  <a:tcPr marL="9525" marR="9525" marT="9525" marB="0" anchor="ctr"/>
+                </a:tc>
+                <a:tc>
+                  <a:txBody>
+                    <a:bodyPr/>
+                    <a:lstStyle/>
+                    <a:p>
+                      <a:pPr algn="ctr" fontAlgn="ctr"/>
+                      <a:r>
+                        <a:rPr lang="en-GB" sz="1800" b="0" i="0" u="none" strike="noStrike" dirty="0">
+                          <a:solidFill>
+                            <a:srgbClr val="000000"/>
+                          </a:solidFill>
+                          <a:effectLst/>
+                          <a:latin typeface="Calibri" panose="020F0502020204030204" pitchFamily="34" charset="0"/>
+                        </a:rPr>
+                        <a:t>512 x 512</a:t>
+                      </a:r>
+                    </a:p>
+                  </a:txBody>
+                  <a:tcPr marL="9525" marR="9525" marT="9525" marB="0" anchor="ctr"/>
+                </a:tc>
+                <a:tc>
+                  <a:txBody>
+                    <a:bodyPr/>
+                    <a:lstStyle/>
+                    <a:p>
+                      <a:pPr algn="ctr" fontAlgn="ctr"/>
+                      <a:r>
+                        <a:rPr lang="en-GB" sz="1800" b="0" i="0" u="none" strike="noStrike" dirty="0">
+                          <a:solidFill>
+                            <a:srgbClr val="000000"/>
+                          </a:solidFill>
+                          <a:effectLst/>
+                          <a:latin typeface="Calibri" panose="020F0502020204030204" pitchFamily="34" charset="0"/>
+                        </a:rPr>
+                        <a:t>257</a:t>
+                      </a:r>
+                    </a:p>
+                  </a:txBody>
+                  <a:tcPr marL="9525" marR="9525" marT="9525" marB="0" anchor="ctr"/>
+                </a:tc>
+                <a:tc>
+                  <a:txBody>
+                    <a:bodyPr/>
+                    <a:lstStyle/>
+                    <a:p>
+                      <a:pPr algn="ctr" fontAlgn="ctr"/>
+                      <a:r>
+                        <a:rPr lang="en-GB" sz="1800" b="0" i="0" u="none" strike="noStrike" dirty="0">
+                          <a:solidFill>
+                            <a:srgbClr val="000000"/>
+                          </a:solidFill>
+                          <a:effectLst/>
+                          <a:latin typeface="Calibri" panose="020F0502020204030204" pitchFamily="34" charset="0"/>
+                        </a:rPr>
+                        <a:t> </a:t>
+                      </a:r>
+                    </a:p>
+                  </a:txBody>
+                  <a:tcPr marL="9525" marR="9525" marT="9525" marB="0" anchor="ctr"/>
+                </a:tc>
+                <a:tc>
+                  <a:txBody>
+                    <a:bodyPr/>
+                    <a:lstStyle/>
+                    <a:p>
+                      <a:pPr algn="ctr" fontAlgn="ctr"/>
+                      <a:r>
+                        <a:rPr lang="en-GB" sz="1800" b="0" i="0" u="none" strike="noStrike">
+                          <a:solidFill>
+                            <a:srgbClr val="000000"/>
+                          </a:solidFill>
+                          <a:effectLst/>
+                          <a:latin typeface="Calibri" panose="020F0502020204030204" pitchFamily="34" charset="0"/>
+                        </a:rPr>
+                        <a:t>Gagal</a:t>
+                      </a:r>
+                    </a:p>
+                  </a:txBody>
+                  <a:tcPr marL="9525" marR="9525" marT="9525" marB="0" anchor="ctr"/>
+                </a:tc>
+                <a:extLst>
+                  <a:ext uri="{0D108BD9-81ED-4DB2-BD59-A6C34878D82A}">
+                    <a16:rowId xmlns:a16="http://schemas.microsoft.com/office/drawing/2014/main" val="2333340240"/>
+                  </a:ext>
+                </a:extLst>
+              </a:tr>
+              <a:tr h="475200">
+                <a:tc>
+                  <a:txBody>
+                    <a:bodyPr/>
+                    <a:lstStyle/>
+                    <a:p>
+                      <a:pPr algn="ctr" fontAlgn="ctr"/>
+                      <a:r>
+                        <a:rPr lang="en-GB" sz="1800" b="0" i="0" u="none" strike="noStrike">
+                          <a:solidFill>
+                            <a:srgbClr val="000000"/>
+                          </a:solidFill>
+                          <a:effectLst/>
+                          <a:latin typeface="Calibri" panose="020F0502020204030204" pitchFamily="34" charset="0"/>
+                        </a:rPr>
+                        <a:t>lena</a:t>
+                      </a:r>
+                    </a:p>
+                  </a:txBody>
+                  <a:tcPr marL="9525" marR="9525" marT="9525" marB="0" anchor="ctr"/>
+                </a:tc>
+                <a:tc>
+                  <a:txBody>
+                    <a:bodyPr/>
+                    <a:lstStyle/>
+                    <a:p>
+                      <a:pPr algn="ctr" fontAlgn="ctr"/>
+                      <a:r>
+                        <a:rPr lang="en-GB" sz="1800" b="0" i="0" u="none" strike="noStrike">
+                          <a:solidFill>
+                            <a:srgbClr val="000000"/>
+                          </a:solidFill>
+                          <a:effectLst/>
+                          <a:latin typeface="Calibri" panose="020F0502020204030204" pitchFamily="34" charset="0"/>
+                        </a:rPr>
+                        <a:t>114</a:t>
+                      </a:r>
+                    </a:p>
+                  </a:txBody>
+                  <a:tcPr marL="9525" marR="9525" marT="9525" marB="0" anchor="ctr"/>
+                </a:tc>
+                <a:tc>
+                  <a:txBody>
+                    <a:bodyPr/>
+                    <a:lstStyle/>
+                    <a:p>
+                      <a:pPr algn="ctr" fontAlgn="ctr"/>
+                      <a:r>
+                        <a:rPr lang="en-GB" sz="1800" b="0" i="0" u="none" strike="noStrike" dirty="0">
+                          <a:solidFill>
+                            <a:srgbClr val="000000"/>
+                          </a:solidFill>
+                          <a:effectLst/>
+                          <a:latin typeface="Calibri" panose="020F0502020204030204" pitchFamily="34" charset="0"/>
+                        </a:rPr>
+                        <a:t>128 x 128</a:t>
+                      </a:r>
+                    </a:p>
+                  </a:txBody>
+                  <a:tcPr marL="9525" marR="9525" marT="9525" marB="0" anchor="ctr"/>
+                </a:tc>
+                <a:tc>
+                  <a:txBody>
+                    <a:bodyPr/>
+                    <a:lstStyle/>
+                    <a:p>
+                      <a:pPr algn="ctr" fontAlgn="ctr"/>
+                      <a:r>
+                        <a:rPr lang="en-GB" sz="1800" b="0" i="0" u="none" strike="noStrike" dirty="0">
+                          <a:solidFill>
+                            <a:srgbClr val="000000"/>
+                          </a:solidFill>
+                          <a:effectLst/>
+                          <a:latin typeface="Calibri" panose="020F0502020204030204" pitchFamily="34" charset="0"/>
+                        </a:rPr>
+                        <a:t>48</a:t>
+                      </a:r>
+                    </a:p>
+                  </a:txBody>
+                  <a:tcPr marL="9525" marR="9525" marT="9525" marB="0" anchor="ctr"/>
+                </a:tc>
+                <a:tc>
+                  <a:txBody>
+                    <a:bodyPr/>
+                    <a:lstStyle/>
+                    <a:p>
+                      <a:pPr algn="ctr" fontAlgn="ctr"/>
+                      <a:r>
+                        <a:rPr lang="en-GB" sz="1800" b="0" i="0" u="none" strike="noStrike" dirty="0">
+                          <a:solidFill>
+                            <a:srgbClr val="000000"/>
+                          </a:solidFill>
+                          <a:effectLst/>
+                          <a:latin typeface="Calibri" panose="020F0502020204030204" pitchFamily="34" charset="0"/>
+                        </a:rPr>
+                        <a:t>1</a:t>
+                      </a:r>
+                    </a:p>
+                  </a:txBody>
+                  <a:tcPr marL="9525" marR="9525" marT="9525" marB="0" anchor="ctr"/>
+                </a:tc>
+                <a:tc>
+                  <a:txBody>
+                    <a:bodyPr/>
+                    <a:lstStyle/>
+                    <a:p>
+                      <a:pPr algn="ctr" fontAlgn="ctr"/>
+                      <a:r>
+                        <a:rPr lang="en-GB" sz="1800" b="0" i="0" u="none" strike="noStrike">
+                          <a:solidFill>
+                            <a:srgbClr val="000000"/>
+                          </a:solidFill>
+                          <a:effectLst/>
+                          <a:latin typeface="Calibri" panose="020F0502020204030204" pitchFamily="34" charset="0"/>
+                        </a:rPr>
+                        <a:t>Berhasil</a:t>
+                      </a:r>
+                    </a:p>
+                  </a:txBody>
+                  <a:tcPr marL="9525" marR="9525" marT="9525" marB="0" anchor="ctr"/>
+                </a:tc>
+                <a:extLst>
+                  <a:ext uri="{0D108BD9-81ED-4DB2-BD59-A6C34878D82A}">
+                    <a16:rowId xmlns:a16="http://schemas.microsoft.com/office/drawing/2014/main" val="2079660562"/>
+                  </a:ext>
+                </a:extLst>
+              </a:tr>
+              <a:tr h="475200">
+                <a:tc>
+                  <a:txBody>
+                    <a:bodyPr/>
+                    <a:lstStyle/>
+                    <a:p>
+                      <a:pPr algn="ctr" fontAlgn="ctr"/>
+                      <a:r>
+                        <a:rPr lang="en-GB" sz="1800" b="0" i="0" u="none" strike="noStrike" dirty="0">
+                          <a:solidFill>
+                            <a:srgbClr val="000000"/>
+                          </a:solidFill>
+                          <a:effectLst/>
+                          <a:latin typeface="Calibri" panose="020F0502020204030204" pitchFamily="34" charset="0"/>
+                        </a:rPr>
+                        <a:t> </a:t>
+                      </a:r>
+                    </a:p>
+                  </a:txBody>
+                  <a:tcPr marL="9525" marR="9525" marT="9525" marB="0" anchor="ctr"/>
+                </a:tc>
+                <a:tc>
+                  <a:txBody>
+                    <a:bodyPr/>
+                    <a:lstStyle/>
+                    <a:p>
+                      <a:pPr algn="ctr" fontAlgn="ctr"/>
+                      <a:r>
+                        <a:rPr lang="en-GB" sz="1800" b="0" i="0" u="none" strike="noStrike">
+                          <a:solidFill>
+                            <a:srgbClr val="000000"/>
+                          </a:solidFill>
+                          <a:effectLst/>
+                          <a:latin typeface="Calibri" panose="020F0502020204030204" pitchFamily="34" charset="0"/>
+                        </a:rPr>
+                        <a:t>786</a:t>
+                      </a:r>
+                    </a:p>
+                  </a:txBody>
+                  <a:tcPr marL="9525" marR="9525" marT="9525" marB="0" anchor="ctr"/>
+                </a:tc>
+                <a:tc>
+                  <a:txBody>
+                    <a:bodyPr/>
+                    <a:lstStyle/>
+                    <a:p>
+                      <a:pPr algn="ctr" fontAlgn="ctr"/>
+                      <a:r>
+                        <a:rPr lang="en-GB" sz="1800" b="0" i="0" u="none" strike="noStrike">
+                          <a:solidFill>
+                            <a:srgbClr val="000000"/>
+                          </a:solidFill>
+                          <a:effectLst/>
+                          <a:latin typeface="Calibri" panose="020F0502020204030204" pitchFamily="34" charset="0"/>
+                        </a:rPr>
+                        <a:t>128 x 128</a:t>
+                      </a:r>
+                    </a:p>
+                  </a:txBody>
+                  <a:tcPr marL="9525" marR="9525" marT="9525" marB="0" anchor="ctr"/>
+                </a:tc>
+                <a:tc>
+                  <a:txBody>
+                    <a:bodyPr/>
+                    <a:lstStyle/>
+                    <a:p>
+                      <a:pPr algn="ctr" fontAlgn="ctr"/>
+                      <a:r>
+                        <a:rPr lang="en-GB" sz="1800" b="0" i="0" u="none" strike="noStrike" dirty="0">
+                          <a:solidFill>
+                            <a:srgbClr val="000000"/>
+                          </a:solidFill>
+                          <a:effectLst/>
+                          <a:latin typeface="Calibri" panose="020F0502020204030204" pitchFamily="34" charset="0"/>
+                        </a:rPr>
+                        <a:t>48</a:t>
+                      </a:r>
+                    </a:p>
+                  </a:txBody>
+                  <a:tcPr marL="9525" marR="9525" marT="9525" marB="0" anchor="ctr"/>
+                </a:tc>
+                <a:tc>
+                  <a:txBody>
+                    <a:bodyPr/>
+                    <a:lstStyle/>
+                    <a:p>
+                      <a:pPr algn="ctr" fontAlgn="ctr"/>
+                      <a:r>
+                        <a:rPr lang="en-GB" sz="1800" b="0" i="0" u="none" strike="noStrike">
+                          <a:solidFill>
+                            <a:srgbClr val="000000"/>
+                          </a:solidFill>
+                          <a:effectLst/>
+                          <a:latin typeface="Calibri" panose="020F0502020204030204" pitchFamily="34" charset="0"/>
+                        </a:rPr>
+                        <a:t>2.63</a:t>
+                      </a:r>
+                    </a:p>
+                  </a:txBody>
+                  <a:tcPr marL="9525" marR="9525" marT="9525" marB="0" anchor="ctr"/>
+                </a:tc>
+                <a:tc>
+                  <a:txBody>
+                    <a:bodyPr/>
+                    <a:lstStyle/>
+                    <a:p>
+                      <a:pPr algn="ctr" fontAlgn="ctr"/>
+                      <a:r>
+                        <a:rPr lang="en-GB" sz="1800" b="0" i="0" u="none" strike="noStrike" dirty="0" err="1">
+                          <a:solidFill>
+                            <a:srgbClr val="000000"/>
+                          </a:solidFill>
+                          <a:effectLst/>
+                          <a:latin typeface="Calibri" panose="020F0502020204030204" pitchFamily="34" charset="0"/>
+                        </a:rPr>
+                        <a:t>Berhasil</a:t>
                       </a:r>
                       <a:endParaRPr lang="en-GB" sz="1800" b="0" i="0" u="none" strike="noStrike" dirty="0">
                         <a:solidFill>
@@ -3684,18 +4279,704 @@
                   </a:txBody>
                   <a:tcPr marL="9525" marR="9525" marT="9525" marB="0" anchor="ctr"/>
                 </a:tc>
-                <a:tc>
-                  <a:txBody>
-                    <a:bodyPr/>
-                    <a:lstStyle/>
-                    <a:p>
-                      <a:pPr algn="ctr" fontAlgn="b"/>
-                      <a:r>
-                        <a:rPr lang="en-GB" sz="1800" u="none" strike="noStrike">
-                          <a:effectLst/>
+                <a:extLst>
+                  <a:ext uri="{0D108BD9-81ED-4DB2-BD59-A6C34878D82A}">
+                    <a16:rowId xmlns:a16="http://schemas.microsoft.com/office/drawing/2014/main" val="1502579224"/>
+                  </a:ext>
+                </a:extLst>
+              </a:tr>
+              <a:tr h="475200">
+                <a:tc>
+                  <a:txBody>
+                    <a:bodyPr/>
+                    <a:lstStyle/>
+                    <a:p>
+                      <a:pPr algn="ctr" fontAlgn="ctr"/>
+                      <a:r>
+                        <a:rPr lang="en-GB" sz="1800" b="0" i="0" u="none" strike="noStrike" dirty="0">
+                          <a:solidFill>
+                            <a:srgbClr val="000000"/>
+                          </a:solidFill>
+                          <a:effectLst/>
+                          <a:latin typeface="Calibri" panose="020F0502020204030204" pitchFamily="34" charset="0"/>
+                        </a:rPr>
+                        <a:t> </a:t>
+                      </a:r>
+                    </a:p>
+                  </a:txBody>
+                  <a:tcPr marL="9525" marR="9525" marT="9525" marB="0" anchor="ctr"/>
+                </a:tc>
+                <a:tc>
+                  <a:txBody>
+                    <a:bodyPr/>
+                    <a:lstStyle/>
+                    <a:p>
+                      <a:pPr algn="ctr" fontAlgn="ctr"/>
+                      <a:r>
+                        <a:rPr lang="en-GB" sz="1800" b="0" i="0" u="none" strike="noStrike" dirty="0">
+                          <a:solidFill>
+                            <a:srgbClr val="000000"/>
+                          </a:solidFill>
+                          <a:effectLst/>
+                          <a:latin typeface="Calibri" panose="020F0502020204030204" pitchFamily="34" charset="0"/>
+                        </a:rPr>
+                        <a:t>4415</a:t>
+                      </a:r>
+                    </a:p>
+                  </a:txBody>
+                  <a:tcPr marL="9525" marR="9525" marT="9525" marB="0" anchor="ctr"/>
+                </a:tc>
+                <a:tc>
+                  <a:txBody>
+                    <a:bodyPr/>
+                    <a:lstStyle/>
+                    <a:p>
+                      <a:pPr algn="ctr" fontAlgn="ctr"/>
+                      <a:r>
+                        <a:rPr lang="en-GB" sz="1800" b="0" i="0" u="none" strike="noStrike" dirty="0">
+                          <a:solidFill>
+                            <a:srgbClr val="000000"/>
+                          </a:solidFill>
+                          <a:effectLst/>
+                          <a:latin typeface="Calibri" panose="020F0502020204030204" pitchFamily="34" charset="0"/>
                         </a:rPr>
                         <a:t>128 x 128</a:t>
                       </a:r>
+                    </a:p>
+                  </a:txBody>
+                  <a:tcPr marL="9525" marR="9525" marT="9525" marB="0" anchor="ctr"/>
+                </a:tc>
+                <a:tc>
+                  <a:txBody>
+                    <a:bodyPr/>
+                    <a:lstStyle/>
+                    <a:p>
+                      <a:pPr algn="ctr" fontAlgn="ctr"/>
+                      <a:r>
+                        <a:rPr lang="en-GB" sz="1800" b="0" i="0" u="none" strike="noStrike" dirty="0">
+                          <a:solidFill>
+                            <a:srgbClr val="000000"/>
+                          </a:solidFill>
+                          <a:effectLst/>
+                          <a:latin typeface="Calibri" panose="020F0502020204030204" pitchFamily="34" charset="0"/>
+                        </a:rPr>
+                        <a:t>48</a:t>
+                      </a:r>
+                    </a:p>
+                  </a:txBody>
+                  <a:tcPr marL="9525" marR="9525" marT="9525" marB="0" anchor="ctr"/>
+                </a:tc>
+                <a:tc>
+                  <a:txBody>
+                    <a:bodyPr/>
+                    <a:lstStyle/>
+                    <a:p>
+                      <a:pPr algn="ctr" fontAlgn="ctr"/>
+                      <a:r>
+                        <a:rPr lang="en-GB" sz="1800" b="0" i="0" u="none" strike="noStrike" dirty="0">
+                          <a:solidFill>
+                            <a:srgbClr val="000000"/>
+                          </a:solidFill>
+                          <a:effectLst/>
+                          <a:latin typeface="Calibri" panose="020F0502020204030204" pitchFamily="34" charset="0"/>
+                        </a:rPr>
+                        <a:t>20.56</a:t>
+                      </a:r>
+                    </a:p>
+                  </a:txBody>
+                  <a:tcPr marL="9525" marR="9525" marT="9525" marB="0" anchor="ctr"/>
+                </a:tc>
+                <a:tc>
+                  <a:txBody>
+                    <a:bodyPr/>
+                    <a:lstStyle/>
+                    <a:p>
+                      <a:pPr algn="ctr" fontAlgn="ctr"/>
+                      <a:r>
+                        <a:rPr lang="en-GB" sz="1800" b="0" i="0" u="none" strike="noStrike" dirty="0" err="1">
+                          <a:solidFill>
+                            <a:srgbClr val="000000"/>
+                          </a:solidFill>
+                          <a:effectLst/>
+                          <a:latin typeface="Calibri" panose="020F0502020204030204" pitchFamily="34" charset="0"/>
+                        </a:rPr>
+                        <a:t>Berhasil</a:t>
+                      </a:r>
+                      <a:endParaRPr lang="en-GB" sz="1800" b="0" i="0" u="none" strike="noStrike" dirty="0">
+                        <a:solidFill>
+                          <a:srgbClr val="000000"/>
+                        </a:solidFill>
+                        <a:effectLst/>
+                        <a:latin typeface="Calibri" panose="020F0502020204030204" pitchFamily="34" charset="0"/>
+                      </a:endParaRPr>
+                    </a:p>
+                  </a:txBody>
+                  <a:tcPr marL="9525" marR="9525" marT="9525" marB="0" anchor="ctr"/>
+                </a:tc>
+                <a:extLst>
+                  <a:ext uri="{0D108BD9-81ED-4DB2-BD59-A6C34878D82A}">
+                    <a16:rowId xmlns:a16="http://schemas.microsoft.com/office/drawing/2014/main" val="1985844335"/>
+                  </a:ext>
+                </a:extLst>
+              </a:tr>
+              <a:tr h="475200">
+                <a:tc>
+                  <a:txBody>
+                    <a:bodyPr/>
+                    <a:lstStyle/>
+                    <a:p>
+                      <a:pPr algn="ctr" fontAlgn="ctr"/>
+                      <a:endParaRPr lang="en-GB" sz="1800" b="0" i="0" u="none" strike="noStrike" dirty="0">
+                        <a:solidFill>
+                          <a:srgbClr val="000000"/>
+                        </a:solidFill>
+                        <a:effectLst/>
+                        <a:latin typeface="Calibri" panose="020F0502020204030204" pitchFamily="34" charset="0"/>
+                      </a:endParaRPr>
+                    </a:p>
+                  </a:txBody>
+                  <a:tcPr marL="9525" marR="9525" marT="9525" marB="0" anchor="ctr"/>
+                </a:tc>
+                <a:tc>
+                  <a:txBody>
+                    <a:bodyPr/>
+                    <a:lstStyle/>
+                    <a:p>
+                      <a:pPr algn="ctr" fontAlgn="ctr"/>
+                      <a:r>
+                        <a:rPr lang="id-ID" sz="1800" b="0" i="0" u="none" strike="noStrike" dirty="0">
+                          <a:solidFill>
+                            <a:srgbClr val="000000"/>
+                          </a:solidFill>
+                          <a:effectLst/>
+                          <a:latin typeface="Calibri" panose="020F0502020204030204" pitchFamily="34" charset="0"/>
+                        </a:rPr>
+                        <a:t>&gt; 6096</a:t>
+                      </a:r>
+                      <a:endParaRPr lang="en-GB" sz="1800" b="0" i="0" u="none" strike="noStrike" dirty="0">
+                        <a:solidFill>
+                          <a:srgbClr val="000000"/>
+                        </a:solidFill>
+                        <a:effectLst/>
+                        <a:latin typeface="Calibri" panose="020F0502020204030204" pitchFamily="34" charset="0"/>
+                      </a:endParaRPr>
+                    </a:p>
+                  </a:txBody>
+                  <a:tcPr marL="9525" marR="9525" marT="9525" marB="0" anchor="ctr"/>
+                </a:tc>
+                <a:tc>
+                  <a:txBody>
+                    <a:bodyPr/>
+                    <a:lstStyle/>
+                    <a:p>
+                      <a:pPr algn="ctr" fontAlgn="ctr"/>
+                      <a:r>
+                        <a:rPr lang="id-ID" sz="1800" b="0" i="0" u="none" strike="noStrike" dirty="0">
+                          <a:solidFill>
+                            <a:srgbClr val="000000"/>
+                          </a:solidFill>
+                          <a:effectLst/>
+                          <a:latin typeface="Calibri" panose="020F0502020204030204" pitchFamily="34" charset="0"/>
+                        </a:rPr>
+                        <a:t>128 x 128</a:t>
+                      </a:r>
+                      <a:endParaRPr lang="en-GB" sz="1800" b="0" i="0" u="none" strike="noStrike" dirty="0">
+                        <a:solidFill>
+                          <a:srgbClr val="000000"/>
+                        </a:solidFill>
+                        <a:effectLst/>
+                        <a:latin typeface="Calibri" panose="020F0502020204030204" pitchFamily="34" charset="0"/>
+                      </a:endParaRPr>
+                    </a:p>
+                  </a:txBody>
+                  <a:tcPr marL="9525" marR="9525" marT="9525" marB="0" anchor="ctr"/>
+                </a:tc>
+                <a:tc>
+                  <a:txBody>
+                    <a:bodyPr/>
+                    <a:lstStyle/>
+                    <a:p>
+                      <a:pPr algn="ctr" fontAlgn="ctr"/>
+                      <a:r>
+                        <a:rPr lang="id-ID" sz="1800" b="0" i="0" u="none" strike="noStrike" dirty="0">
+                          <a:solidFill>
+                            <a:srgbClr val="000000"/>
+                          </a:solidFill>
+                          <a:effectLst/>
+                          <a:latin typeface="Calibri" panose="020F0502020204030204" pitchFamily="34" charset="0"/>
+                        </a:rPr>
+                        <a:t>48</a:t>
+                      </a:r>
+                      <a:endParaRPr lang="en-GB" sz="1800" b="0" i="0" u="none" strike="noStrike" dirty="0">
+                        <a:solidFill>
+                          <a:srgbClr val="000000"/>
+                        </a:solidFill>
+                        <a:effectLst/>
+                        <a:latin typeface="Calibri" panose="020F0502020204030204" pitchFamily="34" charset="0"/>
+                      </a:endParaRPr>
+                    </a:p>
+                  </a:txBody>
+                  <a:tcPr marL="9525" marR="9525" marT="9525" marB="0" anchor="ctr"/>
+                </a:tc>
+                <a:tc>
+                  <a:txBody>
+                    <a:bodyPr/>
+                    <a:lstStyle/>
+                    <a:p>
+                      <a:pPr algn="ctr" fontAlgn="ctr"/>
+                      <a:endParaRPr lang="en-GB" sz="1800" b="0" i="0" u="none" strike="noStrike" dirty="0">
+                        <a:solidFill>
+                          <a:srgbClr val="000000"/>
+                        </a:solidFill>
+                        <a:effectLst/>
+                        <a:latin typeface="Calibri" panose="020F0502020204030204" pitchFamily="34" charset="0"/>
+                      </a:endParaRPr>
+                    </a:p>
+                  </a:txBody>
+                  <a:tcPr marL="9525" marR="9525" marT="9525" marB="0" anchor="ctr"/>
+                </a:tc>
+                <a:tc>
+                  <a:txBody>
+                    <a:bodyPr/>
+                    <a:lstStyle/>
+                    <a:p>
+                      <a:pPr algn="ctr" fontAlgn="ctr"/>
+                      <a:r>
+                        <a:rPr lang="id-ID" sz="1800" b="0" i="0" u="none" strike="noStrike" dirty="0">
+                          <a:solidFill>
+                            <a:srgbClr val="000000"/>
+                          </a:solidFill>
+                          <a:effectLst/>
+                          <a:latin typeface="Calibri" panose="020F0502020204030204" pitchFamily="34" charset="0"/>
+                        </a:rPr>
+                        <a:t>Gagal</a:t>
+                      </a:r>
+                      <a:endParaRPr lang="en-GB" sz="1800" b="0" i="0" u="none" strike="noStrike" dirty="0">
+                        <a:solidFill>
+                          <a:srgbClr val="000000"/>
+                        </a:solidFill>
+                        <a:effectLst/>
+                        <a:latin typeface="Calibri" panose="020F0502020204030204" pitchFamily="34" charset="0"/>
+                      </a:endParaRPr>
+                    </a:p>
+                  </a:txBody>
+                  <a:tcPr marL="9525" marR="9525" marT="9525" marB="0" anchor="ctr"/>
+                </a:tc>
+                <a:extLst>
+                  <a:ext uri="{0D108BD9-81ED-4DB2-BD59-A6C34878D82A}">
+                    <a16:rowId xmlns:a16="http://schemas.microsoft.com/office/drawing/2014/main" val="3350149336"/>
+                  </a:ext>
+                </a:extLst>
+              </a:tr>
+              <a:tr h="475200">
+                <a:tc>
+                  <a:txBody>
+                    <a:bodyPr/>
+                    <a:lstStyle/>
+                    <a:p>
+                      <a:pPr algn="ctr" fontAlgn="ctr"/>
+                      <a:r>
+                        <a:rPr lang="en-GB" sz="1800" b="0" i="0" u="none" strike="noStrike">
+                          <a:solidFill>
+                            <a:srgbClr val="000000"/>
+                          </a:solidFill>
+                          <a:effectLst/>
+                          <a:latin typeface="Calibri" panose="020F0502020204030204" pitchFamily="34" charset="0"/>
+                        </a:rPr>
+                        <a:t>amelia</a:t>
+                      </a:r>
+                    </a:p>
+                  </a:txBody>
+                  <a:tcPr marL="9525" marR="9525" marT="9525" marB="0" anchor="ctr"/>
+                </a:tc>
+                <a:tc>
+                  <a:txBody>
+                    <a:bodyPr/>
+                    <a:lstStyle/>
+                    <a:p>
+                      <a:pPr algn="ctr" fontAlgn="ctr"/>
+                      <a:r>
+                        <a:rPr lang="en-GB" sz="1800" b="0" i="0" u="none" strike="noStrike">
+                          <a:solidFill>
+                            <a:srgbClr val="000000"/>
+                          </a:solidFill>
+                          <a:effectLst/>
+                          <a:latin typeface="Calibri" panose="020F0502020204030204" pitchFamily="34" charset="0"/>
+                        </a:rPr>
+                        <a:t>114</a:t>
+                      </a:r>
+                    </a:p>
+                  </a:txBody>
+                  <a:tcPr marL="9525" marR="9525" marT="9525" marB="0" anchor="ctr"/>
+                </a:tc>
+                <a:tc>
+                  <a:txBody>
+                    <a:bodyPr/>
+                    <a:lstStyle/>
+                    <a:p>
+                      <a:pPr algn="ctr" fontAlgn="ctr"/>
+                      <a:r>
+                        <a:rPr lang="en-GB" sz="1800" b="0" i="0" u="none" strike="noStrike">
+                          <a:solidFill>
+                            <a:srgbClr val="000000"/>
+                          </a:solidFill>
+                          <a:effectLst/>
+                          <a:latin typeface="Calibri" panose="020F0502020204030204" pitchFamily="34" charset="0"/>
+                        </a:rPr>
+                        <a:t>1576 x 2364</a:t>
+                      </a:r>
+                    </a:p>
+                  </a:txBody>
+                  <a:tcPr marL="9525" marR="9525" marT="9525" marB="0" anchor="ctr"/>
+                </a:tc>
+                <a:tc>
+                  <a:txBody>
+                    <a:bodyPr/>
+                    <a:lstStyle/>
+                    <a:p>
+                      <a:pPr algn="ctr" fontAlgn="ctr"/>
+                      <a:r>
+                        <a:rPr lang="en-GB" sz="1800" b="0" i="0" u="none" strike="noStrike">
+                          <a:solidFill>
+                            <a:srgbClr val="000000"/>
+                          </a:solidFill>
+                          <a:effectLst/>
+                          <a:latin typeface="Calibri" panose="020F0502020204030204" pitchFamily="34" charset="0"/>
+                        </a:rPr>
+                        <a:t>2700</a:t>
+                      </a:r>
+                    </a:p>
+                  </a:txBody>
+                  <a:tcPr marL="9525" marR="9525" marT="9525" marB="0" anchor="ctr"/>
+                </a:tc>
+                <a:tc>
+                  <a:txBody>
+                    <a:bodyPr/>
+                    <a:lstStyle/>
+                    <a:p>
+                      <a:pPr algn="ctr" fontAlgn="ctr"/>
+                      <a:r>
+                        <a:rPr lang="en-GB" sz="1800" b="0" i="0" u="none" strike="noStrike" dirty="0">
+                          <a:solidFill>
+                            <a:srgbClr val="000000"/>
+                          </a:solidFill>
+                          <a:effectLst/>
+                          <a:latin typeface="Calibri" panose="020F0502020204030204" pitchFamily="34" charset="0"/>
+                        </a:rPr>
+                        <a:t>1.6</a:t>
+                      </a:r>
+                    </a:p>
+                  </a:txBody>
+                  <a:tcPr marL="9525" marR="9525" marT="9525" marB="0" anchor="ctr"/>
+                </a:tc>
+                <a:tc>
+                  <a:txBody>
+                    <a:bodyPr/>
+                    <a:lstStyle/>
+                    <a:p>
+                      <a:pPr algn="ctr" fontAlgn="ctr"/>
+                      <a:r>
+                        <a:rPr lang="en-GB" sz="1800" b="0" i="0" u="none" strike="noStrike" dirty="0" err="1">
+                          <a:solidFill>
+                            <a:srgbClr val="000000"/>
+                          </a:solidFill>
+                          <a:effectLst/>
+                          <a:latin typeface="Calibri" panose="020F0502020204030204" pitchFamily="34" charset="0"/>
+                        </a:rPr>
+                        <a:t>Berhasil</a:t>
+                      </a:r>
+                      <a:endParaRPr lang="en-GB" sz="1800" b="0" i="0" u="none" strike="noStrike" dirty="0">
+                        <a:solidFill>
+                          <a:srgbClr val="000000"/>
+                        </a:solidFill>
+                        <a:effectLst/>
+                        <a:latin typeface="Calibri" panose="020F0502020204030204" pitchFamily="34" charset="0"/>
+                      </a:endParaRPr>
+                    </a:p>
+                  </a:txBody>
+                  <a:tcPr marL="9525" marR="9525" marT="9525" marB="0" anchor="ctr"/>
+                </a:tc>
+                <a:extLst>
+                  <a:ext uri="{0D108BD9-81ED-4DB2-BD59-A6C34878D82A}">
+                    <a16:rowId xmlns:a16="http://schemas.microsoft.com/office/drawing/2014/main" val="360969775"/>
+                  </a:ext>
+                </a:extLst>
+              </a:tr>
+              <a:tr h="475200">
+                <a:tc>
+                  <a:txBody>
+                    <a:bodyPr/>
+                    <a:lstStyle/>
+                    <a:p>
+                      <a:pPr algn="ctr" fontAlgn="ctr"/>
+                      <a:r>
+                        <a:rPr lang="en-GB" sz="1800" b="0" i="0" u="none" strike="noStrike">
+                          <a:solidFill>
+                            <a:srgbClr val="000000"/>
+                          </a:solidFill>
+                          <a:effectLst/>
+                          <a:latin typeface="Calibri" panose="020F0502020204030204" pitchFamily="34" charset="0"/>
+                        </a:rPr>
+                        <a:t> </a:t>
+                      </a:r>
+                    </a:p>
+                  </a:txBody>
+                  <a:tcPr marL="9525" marR="9525" marT="9525" marB="0" anchor="ctr"/>
+                </a:tc>
+                <a:tc>
+                  <a:txBody>
+                    <a:bodyPr/>
+                    <a:lstStyle/>
+                    <a:p>
+                      <a:pPr algn="ctr" fontAlgn="ctr"/>
+                      <a:r>
+                        <a:rPr lang="en-GB" sz="1800" b="0" i="0" u="none" strike="noStrike" dirty="0">
+                          <a:solidFill>
+                            <a:srgbClr val="000000"/>
+                          </a:solidFill>
+                          <a:effectLst/>
+                          <a:latin typeface="Calibri" panose="020F0502020204030204" pitchFamily="34" charset="0"/>
+                        </a:rPr>
+                        <a:t>786</a:t>
+                      </a:r>
+                    </a:p>
+                  </a:txBody>
+                  <a:tcPr marL="9525" marR="9525" marT="9525" marB="0" anchor="ctr"/>
+                </a:tc>
+                <a:tc>
+                  <a:txBody>
+                    <a:bodyPr/>
+                    <a:lstStyle/>
+                    <a:p>
+                      <a:pPr algn="ctr" fontAlgn="ctr"/>
+                      <a:r>
+                        <a:rPr lang="en-GB" sz="1800" b="0" i="0" u="none" strike="noStrike">
+                          <a:solidFill>
+                            <a:srgbClr val="000000"/>
+                          </a:solidFill>
+                          <a:effectLst/>
+                          <a:latin typeface="Calibri" panose="020F0502020204030204" pitchFamily="34" charset="0"/>
+                        </a:rPr>
+                        <a:t>1576 x 2364</a:t>
+                      </a:r>
+                    </a:p>
+                  </a:txBody>
+                  <a:tcPr marL="9525" marR="9525" marT="9525" marB="0" anchor="ctr"/>
+                </a:tc>
+                <a:tc>
+                  <a:txBody>
+                    <a:bodyPr/>
+                    <a:lstStyle/>
+                    <a:p>
+                      <a:pPr algn="ctr" fontAlgn="ctr"/>
+                      <a:r>
+                        <a:rPr lang="en-GB" sz="1800" b="0" i="0" u="none" strike="noStrike">
+                          <a:solidFill>
+                            <a:srgbClr val="000000"/>
+                          </a:solidFill>
+                          <a:effectLst/>
+                          <a:latin typeface="Calibri" panose="020F0502020204030204" pitchFamily="34" charset="0"/>
+                        </a:rPr>
+                        <a:t>2700</a:t>
+                      </a:r>
+                    </a:p>
+                  </a:txBody>
+                  <a:tcPr marL="9525" marR="9525" marT="9525" marB="0" anchor="ctr"/>
+                </a:tc>
+                <a:tc>
+                  <a:txBody>
+                    <a:bodyPr/>
+                    <a:lstStyle/>
+                    <a:p>
+                      <a:pPr algn="ctr" fontAlgn="ctr"/>
+                      <a:r>
+                        <a:rPr lang="en-GB" sz="1800" b="0" i="0" u="none" strike="noStrike" dirty="0">
+                          <a:solidFill>
+                            <a:srgbClr val="000000"/>
+                          </a:solidFill>
+                          <a:effectLst/>
+                          <a:latin typeface="Calibri" panose="020F0502020204030204" pitchFamily="34" charset="0"/>
+                        </a:rPr>
+                        <a:t>2.82</a:t>
+                      </a:r>
+                    </a:p>
+                  </a:txBody>
+                  <a:tcPr marL="9525" marR="9525" marT="9525" marB="0" anchor="ctr"/>
+                </a:tc>
+                <a:tc>
+                  <a:txBody>
+                    <a:bodyPr/>
+                    <a:lstStyle/>
+                    <a:p>
+                      <a:pPr algn="ctr" fontAlgn="ctr"/>
+                      <a:r>
+                        <a:rPr lang="en-GB" sz="1800" b="0" i="0" u="none" strike="noStrike" dirty="0" err="1">
+                          <a:solidFill>
+                            <a:srgbClr val="000000"/>
+                          </a:solidFill>
+                          <a:effectLst/>
+                          <a:latin typeface="Calibri" panose="020F0502020204030204" pitchFamily="34" charset="0"/>
+                        </a:rPr>
+                        <a:t>Berhasil</a:t>
+                      </a:r>
+                      <a:endParaRPr lang="en-GB" sz="1800" b="0" i="0" u="none" strike="noStrike" dirty="0">
+                        <a:solidFill>
+                          <a:srgbClr val="000000"/>
+                        </a:solidFill>
+                        <a:effectLst/>
+                        <a:latin typeface="Calibri" panose="020F0502020204030204" pitchFamily="34" charset="0"/>
+                      </a:endParaRPr>
+                    </a:p>
+                  </a:txBody>
+                  <a:tcPr marL="9525" marR="9525" marT="9525" marB="0" anchor="ctr"/>
+                </a:tc>
+                <a:extLst>
+                  <a:ext uri="{0D108BD9-81ED-4DB2-BD59-A6C34878D82A}">
+                    <a16:rowId xmlns:a16="http://schemas.microsoft.com/office/drawing/2014/main" val="4168392636"/>
+                  </a:ext>
+                </a:extLst>
+              </a:tr>
+              <a:tr h="475200">
+                <a:tc>
+                  <a:txBody>
+                    <a:bodyPr/>
+                    <a:lstStyle/>
+                    <a:p>
+                      <a:pPr algn="ctr" fontAlgn="ctr"/>
+                      <a:r>
+                        <a:rPr lang="en-GB" sz="1800" b="0" i="0" u="none" strike="noStrike" dirty="0">
+                          <a:solidFill>
+                            <a:srgbClr val="000000"/>
+                          </a:solidFill>
+                          <a:effectLst/>
+                          <a:latin typeface="Calibri" panose="020F0502020204030204" pitchFamily="34" charset="0"/>
+                        </a:rPr>
+                        <a:t> </a:t>
+                      </a:r>
+                    </a:p>
+                  </a:txBody>
+                  <a:tcPr marL="9525" marR="9525" marT="9525" marB="0" anchor="ctr"/>
+                </a:tc>
+                <a:tc>
+                  <a:txBody>
+                    <a:bodyPr/>
+                    <a:lstStyle/>
+                    <a:p>
+                      <a:pPr algn="ctr" fontAlgn="ctr"/>
+                      <a:r>
+                        <a:rPr lang="en-GB" sz="1800" b="0" i="0" u="none" strike="noStrike">
+                          <a:solidFill>
+                            <a:srgbClr val="000000"/>
+                          </a:solidFill>
+                          <a:effectLst/>
+                          <a:latin typeface="Calibri" panose="020F0502020204030204" pitchFamily="34" charset="0"/>
+                        </a:rPr>
+                        <a:t>8832</a:t>
+                      </a:r>
+                    </a:p>
+                  </a:txBody>
+                  <a:tcPr marL="9525" marR="9525" marT="9525" marB="0" anchor="ctr"/>
+                </a:tc>
+                <a:tc>
+                  <a:txBody>
+                    <a:bodyPr/>
+                    <a:lstStyle/>
+                    <a:p>
+                      <a:pPr algn="ctr" fontAlgn="ctr"/>
+                      <a:r>
+                        <a:rPr lang="en-GB" sz="1800" b="0" i="0" u="none" strike="noStrike" dirty="0">
+                          <a:solidFill>
+                            <a:srgbClr val="000000"/>
+                          </a:solidFill>
+                          <a:effectLst/>
+                          <a:latin typeface="Calibri" panose="020F0502020204030204" pitchFamily="34" charset="0"/>
+                        </a:rPr>
+                        <a:t>1576 x 2364</a:t>
+                      </a:r>
+                    </a:p>
+                  </a:txBody>
+                  <a:tcPr marL="9525" marR="9525" marT="9525" marB="0" anchor="ctr"/>
+                </a:tc>
+                <a:tc>
+                  <a:txBody>
+                    <a:bodyPr/>
+                    <a:lstStyle/>
+                    <a:p>
+                      <a:pPr algn="ctr" fontAlgn="ctr"/>
+                      <a:r>
+                        <a:rPr lang="en-GB" sz="1800" b="0" i="0" u="none" strike="noStrike">
+                          <a:solidFill>
+                            <a:srgbClr val="000000"/>
+                          </a:solidFill>
+                          <a:effectLst/>
+                          <a:latin typeface="Calibri" panose="020F0502020204030204" pitchFamily="34" charset="0"/>
+                        </a:rPr>
+                        <a:t>2700</a:t>
+                      </a:r>
+                    </a:p>
+                  </a:txBody>
+                  <a:tcPr marL="9525" marR="9525" marT="9525" marB="0" anchor="ctr"/>
+                </a:tc>
+                <a:tc>
+                  <a:txBody>
+                    <a:bodyPr/>
+                    <a:lstStyle/>
+                    <a:p>
+                      <a:pPr algn="ctr" fontAlgn="ctr"/>
+                      <a:r>
+                        <a:rPr lang="en-GB" sz="1800" b="0" i="0" u="none" strike="noStrike" dirty="0">
+                          <a:solidFill>
+                            <a:srgbClr val="000000"/>
+                          </a:solidFill>
+                          <a:effectLst/>
+                          <a:latin typeface="Calibri" panose="020F0502020204030204" pitchFamily="34" charset="0"/>
+                        </a:rPr>
+                        <a:t>67.46</a:t>
+                      </a:r>
+                    </a:p>
+                  </a:txBody>
+                  <a:tcPr marL="9525" marR="9525" marT="9525" marB="0" anchor="ctr"/>
+                </a:tc>
+                <a:tc>
+                  <a:txBody>
+                    <a:bodyPr/>
+                    <a:lstStyle/>
+                    <a:p>
+                      <a:pPr algn="ctr" fontAlgn="ctr"/>
+                      <a:r>
+                        <a:rPr lang="en-GB" sz="1800" b="0" i="0" u="none" strike="noStrike" dirty="0" err="1">
+                          <a:solidFill>
+                            <a:srgbClr val="000000"/>
+                          </a:solidFill>
+                          <a:effectLst/>
+                          <a:latin typeface="Calibri" panose="020F0502020204030204" pitchFamily="34" charset="0"/>
+                        </a:rPr>
+                        <a:t>Berhasil</a:t>
+                      </a:r>
+                      <a:endParaRPr lang="en-GB" sz="1800" b="0" i="0" u="none" strike="noStrike" dirty="0">
+                        <a:solidFill>
+                          <a:srgbClr val="000000"/>
+                        </a:solidFill>
+                        <a:effectLst/>
+                        <a:latin typeface="Calibri" panose="020F0502020204030204" pitchFamily="34" charset="0"/>
+                      </a:endParaRPr>
+                    </a:p>
+                  </a:txBody>
+                  <a:tcPr marL="9525" marR="9525" marT="9525" marB="0" anchor="ctr"/>
+                </a:tc>
+                <a:extLst>
+                  <a:ext uri="{0D108BD9-81ED-4DB2-BD59-A6C34878D82A}">
+                    <a16:rowId xmlns:a16="http://schemas.microsoft.com/office/drawing/2014/main" val="2585702152"/>
+                  </a:ext>
+                </a:extLst>
+              </a:tr>
+              <a:tr h="475200">
+                <a:tc>
+                  <a:txBody>
+                    <a:bodyPr/>
+                    <a:lstStyle/>
+                    <a:p>
+                      <a:pPr algn="ctr" fontAlgn="ctr"/>
                       <a:endParaRPr lang="en-GB" sz="1800" b="0" i="0" u="none" strike="noStrike">
                         <a:solidFill>
                           <a:srgbClr val="000000"/>
@@ -3712,35 +4993,98 @@
                     <a:bodyPr/>
                     <a:lstStyle/>
                     <a:p>
-                      <a:pPr algn="ctr" fontAlgn="b"/>
-                      <a:r>
-                        <a:rPr lang="en-GB" sz="1800" u="none" strike="noStrike">
-                          <a:effectLst/>
-                        </a:rPr>
-                        <a:t>48</a:t>
-                      </a:r>
-                      <a:endParaRPr lang="en-GB" sz="1800" b="0" i="0" u="none" strike="noStrike">
-                        <a:solidFill>
-                          <a:srgbClr val="000000"/>
-                        </a:solidFill>
-                        <a:effectLst/>
-                        <a:latin typeface="Calibri" panose="020F0502020204030204" pitchFamily="34" charset="0"/>
-                      </a:endParaRPr>
-                    </a:p>
-                  </a:txBody>
-                  <a:tcPr marL="9525" marR="9525" marT="9525" marB="0" anchor="ctr"/>
-                </a:tc>
-                <a:tc>
-                  <a:txBody>
-                    <a:bodyPr/>
-                    <a:lstStyle/>
-                    <a:p>
-                      <a:pPr algn="ctr" fontAlgn="b"/>
-                      <a:r>
-                        <a:rPr lang="en-GB" sz="1800" u="none" strike="noStrike" dirty="0">
-                          <a:effectLst/>
-                        </a:rPr>
-                        <a:t>1</a:t>
+                      <a:pPr marL="0" marR="0" lvl="0" indent="0" algn="ctr" defTabSz="914400" rtl="0" eaLnBrk="1" fontAlgn="ctr" latinLnBrk="0" hangingPunct="1">
+                        <a:lnSpc>
+                          <a:spcPct val="100000"/>
+                        </a:lnSpc>
+                        <a:spcBef>
+                          <a:spcPts val="0"/>
+                        </a:spcBef>
+                        <a:spcAft>
+                          <a:spcPts val="0"/>
+                        </a:spcAft>
+                        <a:buClrTx/>
+                        <a:buSzTx/>
+                        <a:buFontTx/>
+                        <a:buNone/>
+                        <a:tabLst/>
+                        <a:defRPr/>
+                      </a:pPr>
+                      <a:r>
+                        <a:rPr lang="id-ID" sz="1800" b="0" i="0" u="none" strike="noStrike" dirty="0">
+                          <a:solidFill>
+                            <a:srgbClr val="000000"/>
+                          </a:solidFill>
+                          <a:effectLst/>
+                          <a:latin typeface="Calibri" panose="020F0502020204030204" pitchFamily="34" charset="0"/>
+                        </a:rPr>
+                        <a:t>&gt; </a:t>
+                      </a:r>
+                      <a:r>
+                        <a:rPr lang="en-GB" sz="1800" b="0" i="0" u="none" strike="noStrike" dirty="0">
+                          <a:solidFill>
+                            <a:srgbClr val="000000"/>
+                          </a:solidFill>
+                          <a:effectLst/>
+                          <a:latin typeface="Calibri" panose="020F0502020204030204" pitchFamily="34" charset="0"/>
+                        </a:rPr>
+                        <a:t>1396237</a:t>
+                      </a:r>
+                    </a:p>
+                  </a:txBody>
+                  <a:tcPr marL="9525" marR="9525" marT="9525" marB="0" anchor="ctr"/>
+                </a:tc>
+                <a:tc>
+                  <a:txBody>
+                    <a:bodyPr/>
+                    <a:lstStyle/>
+                    <a:p>
+                      <a:pPr marL="0" marR="0" lvl="0" indent="0" algn="ctr" defTabSz="914400" rtl="0" eaLnBrk="1" fontAlgn="ctr" latinLnBrk="0" hangingPunct="1">
+                        <a:lnSpc>
+                          <a:spcPct val="100000"/>
+                        </a:lnSpc>
+                        <a:spcBef>
+                          <a:spcPts val="0"/>
+                        </a:spcBef>
+                        <a:spcAft>
+                          <a:spcPts val="0"/>
+                        </a:spcAft>
+                        <a:buClrTx/>
+                        <a:buSzTx/>
+                        <a:buFontTx/>
+                        <a:buNone/>
+                        <a:tabLst/>
+                        <a:defRPr/>
+                      </a:pPr>
+                      <a:r>
+                        <a:rPr lang="en-GB" sz="1800" b="0" i="0" u="none" strike="noStrike" dirty="0">
+                          <a:solidFill>
+                            <a:srgbClr val="000000"/>
+                          </a:solidFill>
+                          <a:effectLst/>
+                          <a:latin typeface="Calibri" panose="020F0502020204030204" pitchFamily="34" charset="0"/>
+                        </a:rPr>
+                        <a:t>1576 x 2364</a:t>
+                      </a:r>
+                    </a:p>
+                  </a:txBody>
+                  <a:tcPr marL="9525" marR="9525" marT="9525" marB="0" anchor="ctr"/>
+                </a:tc>
+                <a:tc>
+                  <a:txBody>
+                    <a:bodyPr/>
+                    <a:lstStyle/>
+                    <a:p>
+                      <a:pPr algn="ctr" fontAlgn="ctr"/>
+                      <a:r>
+                        <a:rPr lang="id-ID" sz="1800" b="0" i="0" u="none" strike="noStrike" dirty="0">
+                          <a:solidFill>
+                            <a:srgbClr val="000000"/>
+                          </a:solidFill>
+                          <a:effectLst/>
+                          <a:latin typeface="Calibri" panose="020F0502020204030204" pitchFamily="34" charset="0"/>
+                        </a:rPr>
+                        <a:t>2700</a:t>
                       </a:r>
                       <a:endParaRPr lang="en-GB" sz="1800" b="0" i="0" u="none" strike="noStrike" dirty="0">
                         <a:solidFill>
@@ -3758,13 +5102,7 @@
                     <a:bodyPr/>
                     <a:lstStyle/>
                     <a:p>
-                      <a:pPr algn="ctr" fontAlgn="b"/>
-                      <a:r>
-                        <a:rPr lang="en-GB" sz="1800" u="none" strike="noStrike" dirty="0" err="1">
-                          <a:effectLst/>
-                        </a:rPr>
-                        <a:t>Berhasil</a:t>
-                      </a:r>
+                      <a:pPr algn="ctr" fontAlgn="ctr"/>
                       <a:endParaRPr lang="en-GB" sz="1800" b="0" i="0" u="none" strike="noStrike" dirty="0">
                         <a:solidFill>
                           <a:srgbClr val="000000"/>
@@ -3776,47 +5114,21 @@
                   </a:txBody>
                   <a:tcPr marL="9525" marR="9525" marT="9525" marB="0" anchor="ctr"/>
                 </a:tc>
-                <a:extLst>
-                  <a:ext uri="{0D108BD9-81ED-4DB2-BD59-A6C34878D82A}">
-                    <a16:rowId xmlns:a16="http://schemas.microsoft.com/office/drawing/2014/main" val="660684508"/>
-                  </a:ext>
-                </a:extLst>
-              </a:tr>
-              <a:tr h="475200">
-                <a:tc>
-                  <a:txBody>
-                    <a:bodyPr/>
-                    <a:lstStyle/>
-                    <a:p>
-                      <a:pPr algn="ctr" fontAlgn="b"/>
-                      <a:r>
-                        <a:rPr lang="en-GB" sz="1800" u="none" strike="noStrike">
-                          <a:effectLst/>
-                        </a:rPr>
-                        <a:t> </a:t>
-                      </a:r>
-                      <a:endParaRPr lang="en-GB" sz="1800" b="0" i="0" u="none" strike="noStrike">
-                        <a:solidFill>
-                          <a:srgbClr val="000000"/>
-                        </a:solidFill>
-                        <a:effectLst/>
-                        <a:latin typeface="Calibri" panose="020F0502020204030204" pitchFamily="34" charset="0"/>
-                      </a:endParaRPr>
-                    </a:p>
-                  </a:txBody>
-                  <a:tcPr marL="9525" marR="9525" marT="9525" marB="0" anchor="ctr"/>
-                </a:tc>
-                <a:tc>
-                  <a:txBody>
-                    <a:bodyPr/>
-                    <a:lstStyle/>
-                    <a:p>
-                      <a:pPr algn="ctr" fontAlgn="b"/>
-                      <a:r>
-                        <a:rPr lang="en-GB" sz="1800" u="none" strike="noStrike" dirty="0">
-                          <a:effectLst/>
-                        </a:rPr>
-                        <a:t>786</a:t>
+                <a:tc>
+                  <a:txBody>
+                    <a:bodyPr/>
+                    <a:lstStyle/>
+                    <a:p>
+                      <a:pPr algn="ctr" fontAlgn="ctr"/>
+                      <a:r>
+                        <a:rPr lang="id-ID" sz="1800" b="0" i="0" u="none" strike="noStrike" dirty="0">
+                          <a:solidFill>
+                            <a:srgbClr val="000000"/>
+                          </a:solidFill>
+                          <a:effectLst/>
+                          <a:latin typeface="Calibri" panose="020F0502020204030204" pitchFamily="34" charset="0"/>
+                        </a:rPr>
+                        <a:t>Gagal</a:t>
                       </a:r>
                       <a:endParaRPr lang="en-GB" sz="1800" b="0" i="0" u="none" strike="noStrike" dirty="0">
                         <a:solidFill>
@@ -3829,1116 +5141,9 @@
                   </a:txBody>
                   <a:tcPr marL="9525" marR="9525" marT="9525" marB="0" anchor="ctr"/>
                 </a:tc>
-                <a:tc>
-                  <a:txBody>
-                    <a:bodyPr/>
-                    <a:lstStyle/>
-                    <a:p>
-                      <a:pPr algn="ctr" fontAlgn="b"/>
-                      <a:r>
-                        <a:rPr lang="en-GB" sz="1800" u="none" strike="noStrike">
-                          <a:effectLst/>
-                        </a:rPr>
-                        <a:t>128 x 128</a:t>
-                      </a:r>
-                      <a:endParaRPr lang="en-GB" sz="1800" b="0" i="0" u="none" strike="noStrike">
-                        <a:solidFill>
-                          <a:srgbClr val="000000"/>
-                        </a:solidFill>
-                        <a:effectLst/>
-                        <a:latin typeface="Calibri" panose="020F0502020204030204" pitchFamily="34" charset="0"/>
-                      </a:endParaRPr>
-                    </a:p>
-                  </a:txBody>
-                  <a:tcPr marL="9525" marR="9525" marT="9525" marB="0" anchor="ctr"/>
-                </a:tc>
-                <a:tc>
-                  <a:txBody>
-                    <a:bodyPr/>
-                    <a:lstStyle/>
-                    <a:p>
-                      <a:pPr algn="ctr" fontAlgn="b"/>
-                      <a:r>
-                        <a:rPr lang="en-GB" sz="1800" u="none" strike="noStrike">
-                          <a:effectLst/>
-                        </a:rPr>
-                        <a:t>48</a:t>
-                      </a:r>
-                      <a:endParaRPr lang="en-GB" sz="1800" b="0" i="0" u="none" strike="noStrike">
-                        <a:solidFill>
-                          <a:srgbClr val="000000"/>
-                        </a:solidFill>
-                        <a:effectLst/>
-                        <a:latin typeface="Calibri" panose="020F0502020204030204" pitchFamily="34" charset="0"/>
-                      </a:endParaRPr>
-                    </a:p>
-                  </a:txBody>
-                  <a:tcPr marL="9525" marR="9525" marT="9525" marB="0" anchor="ctr"/>
-                </a:tc>
-                <a:tc>
-                  <a:txBody>
-                    <a:bodyPr/>
-                    <a:lstStyle/>
-                    <a:p>
-                      <a:pPr algn="ctr" fontAlgn="b"/>
-                      <a:r>
-                        <a:rPr lang="en-GB" sz="1800" u="none" strike="noStrike">
-                          <a:effectLst/>
-                        </a:rPr>
-                        <a:t>2.69</a:t>
-                      </a:r>
-                      <a:endParaRPr lang="en-GB" sz="1800" b="0" i="0" u="none" strike="noStrike">
-                        <a:solidFill>
-                          <a:srgbClr val="000000"/>
-                        </a:solidFill>
-                        <a:effectLst/>
-                        <a:latin typeface="Calibri" panose="020F0502020204030204" pitchFamily="34" charset="0"/>
-                      </a:endParaRPr>
-                    </a:p>
-                  </a:txBody>
-                  <a:tcPr marL="9525" marR="9525" marT="9525" marB="0" anchor="ctr"/>
-                </a:tc>
-                <a:tc>
-                  <a:txBody>
-                    <a:bodyPr/>
-                    <a:lstStyle/>
-                    <a:p>
-                      <a:pPr algn="ctr" fontAlgn="b"/>
-                      <a:r>
-                        <a:rPr lang="en-GB" sz="1800" u="none" strike="noStrike">
-                          <a:effectLst/>
-                        </a:rPr>
-                        <a:t>Berhasil</a:t>
-                      </a:r>
-                      <a:endParaRPr lang="en-GB" sz="1800" b="0" i="0" u="none" strike="noStrike">
-                        <a:solidFill>
-                          <a:srgbClr val="000000"/>
-                        </a:solidFill>
-                        <a:effectLst/>
-                        <a:latin typeface="Calibri" panose="020F0502020204030204" pitchFamily="34" charset="0"/>
-                      </a:endParaRPr>
-                    </a:p>
-                  </a:txBody>
-                  <a:tcPr marL="9525" marR="9525" marT="9525" marB="0" anchor="ctr"/>
-                </a:tc>
                 <a:extLst>
                   <a:ext uri="{0D108BD9-81ED-4DB2-BD59-A6C34878D82A}">
-                    <a16:rowId xmlns:a16="http://schemas.microsoft.com/office/drawing/2014/main" val="1479238548"/>
-                  </a:ext>
-                </a:extLst>
-              </a:tr>
-              <a:tr h="475200">
-                <a:tc>
-                  <a:txBody>
-                    <a:bodyPr/>
-                    <a:lstStyle/>
-                    <a:p>
-                      <a:pPr algn="ctr" fontAlgn="b"/>
-                      <a:r>
-                        <a:rPr lang="en-GB" sz="1800" u="none" strike="noStrike" dirty="0">
-                          <a:effectLst/>
-                        </a:rPr>
-                        <a:t> </a:t>
-                      </a:r>
-                      <a:endParaRPr lang="en-GB" sz="1800" b="0" i="0" u="none" strike="noStrike" dirty="0">
-                        <a:solidFill>
-                          <a:srgbClr val="000000"/>
-                        </a:solidFill>
-                        <a:effectLst/>
-                        <a:latin typeface="Calibri" panose="020F0502020204030204" pitchFamily="34" charset="0"/>
-                      </a:endParaRPr>
-                    </a:p>
-                  </a:txBody>
-                  <a:tcPr marL="9525" marR="9525" marT="9525" marB="0" anchor="ctr"/>
-                </a:tc>
-                <a:tc>
-                  <a:txBody>
-                    <a:bodyPr/>
-                    <a:lstStyle/>
-                    <a:p>
-                      <a:pPr algn="ctr" fontAlgn="b"/>
-                      <a:r>
-                        <a:rPr lang="en-GB" sz="1800" u="none" strike="noStrike" dirty="0">
-                          <a:effectLst/>
-                        </a:rPr>
-                        <a:t>4415</a:t>
-                      </a:r>
-                      <a:endParaRPr lang="en-GB" sz="1800" b="0" i="0" u="none" strike="noStrike" dirty="0">
-                        <a:solidFill>
-                          <a:srgbClr val="000000"/>
-                        </a:solidFill>
-                        <a:effectLst/>
-                        <a:latin typeface="Calibri" panose="020F0502020204030204" pitchFamily="34" charset="0"/>
-                      </a:endParaRPr>
-                    </a:p>
-                  </a:txBody>
-                  <a:tcPr marL="9525" marR="9525" marT="9525" marB="0" anchor="ctr"/>
-                </a:tc>
-                <a:tc>
-                  <a:txBody>
-                    <a:bodyPr/>
-                    <a:lstStyle/>
-                    <a:p>
-                      <a:pPr algn="ctr" fontAlgn="b"/>
-                      <a:r>
-                        <a:rPr lang="en-GB" sz="1800" u="none" strike="noStrike" dirty="0">
-                          <a:effectLst/>
-                        </a:rPr>
-                        <a:t>128 x 128</a:t>
-                      </a:r>
-                      <a:endParaRPr lang="en-GB" sz="1800" b="0" i="0" u="none" strike="noStrike" dirty="0">
-                        <a:solidFill>
-                          <a:srgbClr val="000000"/>
-                        </a:solidFill>
-                        <a:effectLst/>
-                        <a:latin typeface="Calibri" panose="020F0502020204030204" pitchFamily="34" charset="0"/>
-                      </a:endParaRPr>
-                    </a:p>
-                  </a:txBody>
-                  <a:tcPr marL="9525" marR="9525" marT="9525" marB="0" anchor="ctr"/>
-                </a:tc>
-                <a:tc>
-                  <a:txBody>
-                    <a:bodyPr/>
-                    <a:lstStyle/>
-                    <a:p>
-                      <a:pPr algn="ctr" fontAlgn="b"/>
-                      <a:r>
-                        <a:rPr lang="en-GB" sz="1800" u="none" strike="noStrike">
-                          <a:effectLst/>
-                        </a:rPr>
-                        <a:t>48</a:t>
-                      </a:r>
-                      <a:endParaRPr lang="en-GB" sz="1800" b="0" i="0" u="none" strike="noStrike">
-                        <a:solidFill>
-                          <a:srgbClr val="000000"/>
-                        </a:solidFill>
-                        <a:effectLst/>
-                        <a:latin typeface="Calibri" panose="020F0502020204030204" pitchFamily="34" charset="0"/>
-                      </a:endParaRPr>
-                    </a:p>
-                  </a:txBody>
-                  <a:tcPr marL="9525" marR="9525" marT="9525" marB="0" anchor="ctr"/>
-                </a:tc>
-                <a:tc>
-                  <a:txBody>
-                    <a:bodyPr/>
-                    <a:lstStyle/>
-                    <a:p>
-                      <a:pPr algn="ctr" fontAlgn="b"/>
-                      <a:r>
-                        <a:rPr lang="en-GB" sz="1800" u="none" strike="noStrike">
-                          <a:effectLst/>
-                        </a:rPr>
-                        <a:t>20.36</a:t>
-                      </a:r>
-                      <a:endParaRPr lang="en-GB" sz="1800" b="0" i="0" u="none" strike="noStrike">
-                        <a:solidFill>
-                          <a:srgbClr val="000000"/>
-                        </a:solidFill>
-                        <a:effectLst/>
-                        <a:latin typeface="Calibri" panose="020F0502020204030204" pitchFamily="34" charset="0"/>
-                      </a:endParaRPr>
-                    </a:p>
-                  </a:txBody>
-                  <a:tcPr marL="9525" marR="9525" marT="9525" marB="0" anchor="ctr"/>
-                </a:tc>
-                <a:tc>
-                  <a:txBody>
-                    <a:bodyPr/>
-                    <a:lstStyle/>
-                    <a:p>
-                      <a:pPr algn="ctr" fontAlgn="b"/>
-                      <a:r>
-                        <a:rPr lang="en-GB" sz="1800" u="none" strike="noStrike">
-                          <a:effectLst/>
-                        </a:rPr>
-                        <a:t>Berhasil</a:t>
-                      </a:r>
-                      <a:endParaRPr lang="en-GB" sz="1800" b="0" i="0" u="none" strike="noStrike">
-                        <a:solidFill>
-                          <a:srgbClr val="000000"/>
-                        </a:solidFill>
-                        <a:effectLst/>
-                        <a:latin typeface="Calibri" panose="020F0502020204030204" pitchFamily="34" charset="0"/>
-                      </a:endParaRPr>
-                    </a:p>
-                  </a:txBody>
-                  <a:tcPr marL="9525" marR="9525" marT="9525" marB="0" anchor="ctr"/>
-                </a:tc>
-                <a:extLst>
-                  <a:ext uri="{0D108BD9-81ED-4DB2-BD59-A6C34878D82A}">
-                    <a16:rowId xmlns:a16="http://schemas.microsoft.com/office/drawing/2014/main" val="2333340240"/>
-                  </a:ext>
-                </a:extLst>
-              </a:tr>
-              <a:tr h="475200">
-                <a:tc>
-                  <a:txBody>
-                    <a:bodyPr/>
-                    <a:lstStyle/>
-                    <a:p>
-                      <a:pPr algn="ctr" fontAlgn="b"/>
-                      <a:r>
-                        <a:rPr lang="en-GB" sz="1800" u="none" strike="noStrike">
-                          <a:effectLst/>
-                        </a:rPr>
-                        <a:t>flowers</a:t>
-                      </a:r>
-                      <a:endParaRPr lang="en-GB" sz="1800" b="0" i="0" u="none" strike="noStrike">
-                        <a:solidFill>
-                          <a:srgbClr val="000000"/>
-                        </a:solidFill>
-                        <a:effectLst/>
-                        <a:latin typeface="Calibri" panose="020F0502020204030204" pitchFamily="34" charset="0"/>
-                      </a:endParaRPr>
-                    </a:p>
-                  </a:txBody>
-                  <a:tcPr marL="9525" marR="9525" marT="9525" marB="0" anchor="ctr"/>
-                </a:tc>
-                <a:tc>
-                  <a:txBody>
-                    <a:bodyPr/>
-                    <a:lstStyle/>
-                    <a:p>
-                      <a:pPr algn="ctr" fontAlgn="b"/>
-                      <a:r>
-                        <a:rPr lang="en-GB" sz="1800" u="none" strike="noStrike">
-                          <a:effectLst/>
-                        </a:rPr>
-                        <a:t>114</a:t>
-                      </a:r>
-                      <a:endParaRPr lang="en-GB" sz="1800" b="0" i="0" u="none" strike="noStrike">
-                        <a:solidFill>
-                          <a:srgbClr val="000000"/>
-                        </a:solidFill>
-                        <a:effectLst/>
-                        <a:latin typeface="Calibri" panose="020F0502020204030204" pitchFamily="34" charset="0"/>
-                      </a:endParaRPr>
-                    </a:p>
-                  </a:txBody>
-                  <a:tcPr marL="9525" marR="9525" marT="9525" marB="0" anchor="ctr"/>
-                </a:tc>
-                <a:tc>
-                  <a:txBody>
-                    <a:bodyPr/>
-                    <a:lstStyle/>
-                    <a:p>
-                      <a:pPr algn="ctr" fontAlgn="b"/>
-                      <a:r>
-                        <a:rPr lang="en-GB" sz="1800" u="none" strike="noStrike" dirty="0">
-                          <a:effectLst/>
-                        </a:rPr>
-                        <a:t>512 x 320</a:t>
-                      </a:r>
-                      <a:endParaRPr lang="en-GB" sz="1800" b="0" i="0" u="none" strike="noStrike" dirty="0">
-                        <a:solidFill>
-                          <a:srgbClr val="000000"/>
-                        </a:solidFill>
-                        <a:effectLst/>
-                        <a:latin typeface="Calibri" panose="020F0502020204030204" pitchFamily="34" charset="0"/>
-                      </a:endParaRPr>
-                    </a:p>
-                  </a:txBody>
-                  <a:tcPr marL="9525" marR="9525" marT="9525" marB="0" anchor="ctr"/>
-                </a:tc>
-                <a:tc>
-                  <a:txBody>
-                    <a:bodyPr/>
-                    <a:lstStyle/>
-                    <a:p>
-                      <a:pPr algn="ctr" fontAlgn="b"/>
-                      <a:r>
-                        <a:rPr lang="en-GB" sz="1800" u="none" strike="noStrike" dirty="0">
-                          <a:effectLst/>
-                        </a:rPr>
-                        <a:t>480</a:t>
-                      </a:r>
-                      <a:endParaRPr lang="en-GB" sz="1800" b="0" i="0" u="none" strike="noStrike" dirty="0">
-                        <a:solidFill>
-                          <a:srgbClr val="000000"/>
-                        </a:solidFill>
-                        <a:effectLst/>
-                        <a:latin typeface="Calibri" panose="020F0502020204030204" pitchFamily="34" charset="0"/>
-                      </a:endParaRPr>
-                    </a:p>
-                  </a:txBody>
-                  <a:tcPr marL="9525" marR="9525" marT="9525" marB="0" anchor="ctr"/>
-                </a:tc>
-                <a:tc>
-                  <a:txBody>
-                    <a:bodyPr/>
-                    <a:lstStyle/>
-                    <a:p>
-                      <a:pPr algn="ctr" fontAlgn="b"/>
-                      <a:r>
-                        <a:rPr lang="en-GB" sz="1800" u="none" strike="noStrike">
-                          <a:effectLst/>
-                        </a:rPr>
-                        <a:t>1</a:t>
-                      </a:r>
-                      <a:endParaRPr lang="en-GB" sz="1800" b="0" i="0" u="none" strike="noStrike">
-                        <a:solidFill>
-                          <a:srgbClr val="000000"/>
-                        </a:solidFill>
-                        <a:effectLst/>
-                        <a:latin typeface="Calibri" panose="020F0502020204030204" pitchFamily="34" charset="0"/>
-                      </a:endParaRPr>
-                    </a:p>
-                  </a:txBody>
-                  <a:tcPr marL="9525" marR="9525" marT="9525" marB="0" anchor="ctr"/>
-                </a:tc>
-                <a:tc>
-                  <a:txBody>
-                    <a:bodyPr/>
-                    <a:lstStyle/>
-                    <a:p>
-                      <a:pPr algn="ctr" fontAlgn="b"/>
-                      <a:r>
-                        <a:rPr lang="en-GB" sz="1800" u="none" strike="noStrike">
-                          <a:effectLst/>
-                        </a:rPr>
-                        <a:t>Berhasil</a:t>
-                      </a:r>
-                      <a:endParaRPr lang="en-GB" sz="1800" b="0" i="0" u="none" strike="noStrike">
-                        <a:solidFill>
-                          <a:srgbClr val="000000"/>
-                        </a:solidFill>
-                        <a:effectLst/>
-                        <a:latin typeface="Calibri" panose="020F0502020204030204" pitchFamily="34" charset="0"/>
-                      </a:endParaRPr>
-                    </a:p>
-                  </a:txBody>
-                  <a:tcPr marL="9525" marR="9525" marT="9525" marB="0" anchor="ctr"/>
-                </a:tc>
-                <a:extLst>
-                  <a:ext uri="{0D108BD9-81ED-4DB2-BD59-A6C34878D82A}">
-                    <a16:rowId xmlns:a16="http://schemas.microsoft.com/office/drawing/2014/main" val="2079660562"/>
-                  </a:ext>
-                </a:extLst>
-              </a:tr>
-              <a:tr h="475200">
-                <a:tc>
-                  <a:txBody>
-                    <a:bodyPr/>
-                    <a:lstStyle/>
-                    <a:p>
-                      <a:pPr algn="ctr" fontAlgn="b"/>
-                      <a:r>
-                        <a:rPr lang="en-GB" sz="1800" u="none" strike="noStrike" dirty="0">
-                          <a:effectLst/>
-                        </a:rPr>
-                        <a:t> </a:t>
-                      </a:r>
-                      <a:endParaRPr lang="en-GB" sz="1800" b="0" i="0" u="none" strike="noStrike" dirty="0">
-                        <a:solidFill>
-                          <a:srgbClr val="000000"/>
-                        </a:solidFill>
-                        <a:effectLst/>
-                        <a:latin typeface="Calibri" panose="020F0502020204030204" pitchFamily="34" charset="0"/>
-                      </a:endParaRPr>
-                    </a:p>
-                  </a:txBody>
-                  <a:tcPr marL="9525" marR="9525" marT="9525" marB="0" anchor="ctr"/>
-                </a:tc>
-                <a:tc>
-                  <a:txBody>
-                    <a:bodyPr/>
-                    <a:lstStyle/>
-                    <a:p>
-                      <a:pPr algn="ctr" fontAlgn="b"/>
-                      <a:r>
-                        <a:rPr lang="en-GB" sz="1800" u="none" strike="noStrike">
-                          <a:effectLst/>
-                        </a:rPr>
-                        <a:t>786</a:t>
-                      </a:r>
-                      <a:endParaRPr lang="en-GB" sz="1800" b="0" i="0" u="none" strike="noStrike">
-                        <a:solidFill>
-                          <a:srgbClr val="000000"/>
-                        </a:solidFill>
-                        <a:effectLst/>
-                        <a:latin typeface="Calibri" panose="020F0502020204030204" pitchFamily="34" charset="0"/>
-                      </a:endParaRPr>
-                    </a:p>
-                  </a:txBody>
-                  <a:tcPr marL="9525" marR="9525" marT="9525" marB="0" anchor="ctr"/>
-                </a:tc>
-                <a:tc>
-                  <a:txBody>
-                    <a:bodyPr/>
-                    <a:lstStyle/>
-                    <a:p>
-                      <a:pPr algn="ctr" fontAlgn="b"/>
-                      <a:r>
-                        <a:rPr lang="en-GB" sz="1800" u="none" strike="noStrike" dirty="0">
-                          <a:effectLst/>
-                        </a:rPr>
-                        <a:t>512 x 320</a:t>
-                      </a:r>
-                      <a:endParaRPr lang="en-GB" sz="1800" b="0" i="0" u="none" strike="noStrike" dirty="0">
-                        <a:solidFill>
-                          <a:srgbClr val="000000"/>
-                        </a:solidFill>
-                        <a:effectLst/>
-                        <a:latin typeface="Calibri" panose="020F0502020204030204" pitchFamily="34" charset="0"/>
-                      </a:endParaRPr>
-                    </a:p>
-                  </a:txBody>
-                  <a:tcPr marL="9525" marR="9525" marT="9525" marB="0" anchor="ctr"/>
-                </a:tc>
-                <a:tc>
-                  <a:txBody>
-                    <a:bodyPr/>
-                    <a:lstStyle/>
-                    <a:p>
-                      <a:pPr algn="ctr" fontAlgn="b"/>
-                      <a:r>
-                        <a:rPr lang="en-GB" sz="1800" u="none" strike="noStrike" dirty="0">
-                          <a:effectLst/>
-                        </a:rPr>
-                        <a:t>480</a:t>
-                      </a:r>
-                      <a:endParaRPr lang="en-GB" sz="1800" b="0" i="0" u="none" strike="noStrike" dirty="0">
-                        <a:solidFill>
-                          <a:srgbClr val="000000"/>
-                        </a:solidFill>
-                        <a:effectLst/>
-                        <a:latin typeface="Calibri" panose="020F0502020204030204" pitchFamily="34" charset="0"/>
-                      </a:endParaRPr>
-                    </a:p>
-                  </a:txBody>
-                  <a:tcPr marL="9525" marR="9525" marT="9525" marB="0" anchor="ctr"/>
-                </a:tc>
-                <a:tc>
-                  <a:txBody>
-                    <a:bodyPr/>
-                    <a:lstStyle/>
-                    <a:p>
-                      <a:pPr algn="ctr" fontAlgn="b"/>
-                      <a:r>
-                        <a:rPr lang="en-GB" sz="1800" u="none" strike="noStrike" dirty="0">
-                          <a:effectLst/>
-                        </a:rPr>
-                        <a:t>2.7</a:t>
-                      </a:r>
-                      <a:endParaRPr lang="en-GB" sz="1800" b="0" i="0" u="none" strike="noStrike" dirty="0">
-                        <a:solidFill>
-                          <a:srgbClr val="000000"/>
-                        </a:solidFill>
-                        <a:effectLst/>
-                        <a:latin typeface="Calibri" panose="020F0502020204030204" pitchFamily="34" charset="0"/>
-                      </a:endParaRPr>
-                    </a:p>
-                  </a:txBody>
-                  <a:tcPr marL="9525" marR="9525" marT="9525" marB="0" anchor="ctr"/>
-                </a:tc>
-                <a:tc>
-                  <a:txBody>
-                    <a:bodyPr/>
-                    <a:lstStyle/>
-                    <a:p>
-                      <a:pPr algn="ctr" fontAlgn="b"/>
-                      <a:r>
-                        <a:rPr lang="en-GB" sz="1800" u="none" strike="noStrike">
-                          <a:effectLst/>
-                        </a:rPr>
-                        <a:t>Berhasil</a:t>
-                      </a:r>
-                      <a:endParaRPr lang="en-GB" sz="1800" b="0" i="0" u="none" strike="noStrike">
-                        <a:solidFill>
-                          <a:srgbClr val="000000"/>
-                        </a:solidFill>
-                        <a:effectLst/>
-                        <a:latin typeface="Calibri" panose="020F0502020204030204" pitchFamily="34" charset="0"/>
-                      </a:endParaRPr>
-                    </a:p>
-                  </a:txBody>
-                  <a:tcPr marL="9525" marR="9525" marT="9525" marB="0" anchor="ctr"/>
-                </a:tc>
-                <a:extLst>
-                  <a:ext uri="{0D108BD9-81ED-4DB2-BD59-A6C34878D82A}">
-                    <a16:rowId xmlns:a16="http://schemas.microsoft.com/office/drawing/2014/main" val="1502579224"/>
-                  </a:ext>
-                </a:extLst>
-              </a:tr>
-              <a:tr h="475200">
-                <a:tc>
-                  <a:txBody>
-                    <a:bodyPr/>
-                    <a:lstStyle/>
-                    <a:p>
-                      <a:pPr algn="ctr" fontAlgn="b"/>
-                      <a:r>
-                        <a:rPr lang="en-GB" sz="1800" u="none" strike="noStrike" dirty="0">
-                          <a:effectLst/>
-                        </a:rPr>
-                        <a:t> </a:t>
-                      </a:r>
-                      <a:endParaRPr lang="en-GB" sz="1800" b="0" i="0" u="none" strike="noStrike" dirty="0">
-                        <a:solidFill>
-                          <a:srgbClr val="000000"/>
-                        </a:solidFill>
-                        <a:effectLst/>
-                        <a:latin typeface="Calibri" panose="020F0502020204030204" pitchFamily="34" charset="0"/>
-                      </a:endParaRPr>
-                    </a:p>
-                  </a:txBody>
-                  <a:tcPr marL="9525" marR="9525" marT="9525" marB="0" anchor="ctr"/>
-                </a:tc>
-                <a:tc>
-                  <a:txBody>
-                    <a:bodyPr/>
-                    <a:lstStyle/>
-                    <a:p>
-                      <a:pPr algn="ctr" fontAlgn="b"/>
-                      <a:r>
-                        <a:rPr lang="en-GB" sz="1800" u="none" strike="noStrike">
-                          <a:effectLst/>
-                        </a:rPr>
-                        <a:t>8832</a:t>
-                      </a:r>
-                      <a:endParaRPr lang="en-GB" sz="1800" b="0" i="0" u="none" strike="noStrike">
-                        <a:solidFill>
-                          <a:srgbClr val="000000"/>
-                        </a:solidFill>
-                        <a:effectLst/>
-                        <a:latin typeface="Calibri" panose="020F0502020204030204" pitchFamily="34" charset="0"/>
-                      </a:endParaRPr>
-                    </a:p>
-                  </a:txBody>
-                  <a:tcPr marL="9525" marR="9525" marT="9525" marB="0" anchor="ctr"/>
-                </a:tc>
-                <a:tc>
-                  <a:txBody>
-                    <a:bodyPr/>
-                    <a:lstStyle/>
-                    <a:p>
-                      <a:pPr algn="ctr" fontAlgn="b"/>
-                      <a:r>
-                        <a:rPr lang="en-GB" sz="1800" u="none" strike="noStrike">
-                          <a:effectLst/>
-                        </a:rPr>
-                        <a:t>512 x 320</a:t>
-                      </a:r>
-                      <a:endParaRPr lang="en-GB" sz="1800" b="0" i="0" u="none" strike="noStrike">
-                        <a:solidFill>
-                          <a:srgbClr val="000000"/>
-                        </a:solidFill>
-                        <a:effectLst/>
-                        <a:latin typeface="Calibri" panose="020F0502020204030204" pitchFamily="34" charset="0"/>
-                      </a:endParaRPr>
-                    </a:p>
-                  </a:txBody>
-                  <a:tcPr marL="9525" marR="9525" marT="9525" marB="0" anchor="ctr"/>
-                </a:tc>
-                <a:tc>
-                  <a:txBody>
-                    <a:bodyPr/>
-                    <a:lstStyle/>
-                    <a:p>
-                      <a:pPr algn="ctr" fontAlgn="b"/>
-                      <a:r>
-                        <a:rPr lang="en-GB" sz="1800" u="none" strike="noStrike" dirty="0">
-                          <a:effectLst/>
-                        </a:rPr>
-                        <a:t>480</a:t>
-                      </a:r>
-                      <a:endParaRPr lang="en-GB" sz="1800" b="0" i="0" u="none" strike="noStrike" dirty="0">
-                        <a:solidFill>
-                          <a:srgbClr val="000000"/>
-                        </a:solidFill>
-                        <a:effectLst/>
-                        <a:latin typeface="Calibri" panose="020F0502020204030204" pitchFamily="34" charset="0"/>
-                      </a:endParaRPr>
-                    </a:p>
-                  </a:txBody>
-                  <a:tcPr marL="9525" marR="9525" marT="9525" marB="0" anchor="ctr"/>
-                </a:tc>
-                <a:tc>
-                  <a:txBody>
-                    <a:bodyPr/>
-                    <a:lstStyle/>
-                    <a:p>
-                      <a:pPr algn="ctr" fontAlgn="b"/>
-                      <a:r>
-                        <a:rPr lang="en-GB" sz="1800" u="none" strike="noStrike" dirty="0">
-                          <a:effectLst/>
-                        </a:rPr>
-                        <a:t>69.26</a:t>
-                      </a:r>
-                      <a:endParaRPr lang="en-GB" sz="1800" b="0" i="0" u="none" strike="noStrike" dirty="0">
-                        <a:solidFill>
-                          <a:srgbClr val="000000"/>
-                        </a:solidFill>
-                        <a:effectLst/>
-                        <a:latin typeface="Calibri" panose="020F0502020204030204" pitchFamily="34" charset="0"/>
-                      </a:endParaRPr>
-                    </a:p>
-                  </a:txBody>
-                  <a:tcPr marL="9525" marR="9525" marT="9525" marB="0" anchor="ctr"/>
-                </a:tc>
-                <a:tc>
-                  <a:txBody>
-                    <a:bodyPr/>
-                    <a:lstStyle/>
-                    <a:p>
-                      <a:pPr algn="ctr" fontAlgn="b"/>
-                      <a:r>
-                        <a:rPr lang="en-GB" sz="1800" u="none" strike="noStrike">
-                          <a:effectLst/>
-                        </a:rPr>
-                        <a:t>Berhasil</a:t>
-                      </a:r>
-                      <a:endParaRPr lang="en-GB" sz="1800" b="0" i="0" u="none" strike="noStrike">
-                        <a:solidFill>
-                          <a:srgbClr val="000000"/>
-                        </a:solidFill>
-                        <a:effectLst/>
-                        <a:latin typeface="Calibri" panose="020F0502020204030204" pitchFamily="34" charset="0"/>
-                      </a:endParaRPr>
-                    </a:p>
-                  </a:txBody>
-                  <a:tcPr marL="9525" marR="9525" marT="9525" marB="0" anchor="ctr"/>
-                </a:tc>
-                <a:extLst>
-                  <a:ext uri="{0D108BD9-81ED-4DB2-BD59-A6C34878D82A}">
-                    <a16:rowId xmlns:a16="http://schemas.microsoft.com/office/drawing/2014/main" val="1985844335"/>
-                  </a:ext>
-                </a:extLst>
-              </a:tr>
-              <a:tr h="475200">
-                <a:tc>
-                  <a:txBody>
-                    <a:bodyPr/>
-                    <a:lstStyle/>
-                    <a:p>
-                      <a:pPr algn="ctr" fontAlgn="b"/>
-                      <a:r>
-                        <a:rPr lang="en-GB" sz="1800" u="none" strike="noStrike">
-                          <a:effectLst/>
-                        </a:rPr>
-                        <a:t>candy</a:t>
-                      </a:r>
-                      <a:endParaRPr lang="en-GB" sz="1800" b="0" i="0" u="none" strike="noStrike">
-                        <a:solidFill>
-                          <a:srgbClr val="000000"/>
-                        </a:solidFill>
-                        <a:effectLst/>
-                        <a:latin typeface="Calibri" panose="020F0502020204030204" pitchFamily="34" charset="0"/>
-                      </a:endParaRPr>
-                    </a:p>
-                  </a:txBody>
-                  <a:tcPr marL="9525" marR="9525" marT="9525" marB="0" anchor="ctr"/>
-                </a:tc>
-                <a:tc>
-                  <a:txBody>
-                    <a:bodyPr/>
-                    <a:lstStyle/>
-                    <a:p>
-                      <a:pPr algn="ctr" fontAlgn="b"/>
-                      <a:r>
-                        <a:rPr lang="en-GB" sz="1800" u="none" strike="noStrike" dirty="0">
-                          <a:effectLst/>
-                        </a:rPr>
-                        <a:t>114</a:t>
-                      </a:r>
-                      <a:endParaRPr lang="en-GB" sz="1800" b="0" i="0" u="none" strike="noStrike" dirty="0">
-                        <a:solidFill>
-                          <a:srgbClr val="000000"/>
-                        </a:solidFill>
-                        <a:effectLst/>
-                        <a:latin typeface="Calibri" panose="020F0502020204030204" pitchFamily="34" charset="0"/>
-                      </a:endParaRPr>
-                    </a:p>
-                  </a:txBody>
-                  <a:tcPr marL="9525" marR="9525" marT="9525" marB="0" anchor="ctr"/>
-                </a:tc>
-                <a:tc>
-                  <a:txBody>
-                    <a:bodyPr/>
-                    <a:lstStyle/>
-                    <a:p>
-                      <a:pPr algn="ctr" fontAlgn="b"/>
-                      <a:r>
-                        <a:rPr lang="en-GB" sz="1800" u="none" strike="noStrike">
-                          <a:effectLst/>
-                        </a:rPr>
-                        <a:t>1256 x 785</a:t>
-                      </a:r>
-                      <a:endParaRPr lang="en-GB" sz="1800" b="0" i="0" u="none" strike="noStrike">
-                        <a:solidFill>
-                          <a:srgbClr val="000000"/>
-                        </a:solidFill>
-                        <a:effectLst/>
-                        <a:latin typeface="Calibri" panose="020F0502020204030204" pitchFamily="34" charset="0"/>
-                      </a:endParaRPr>
-                    </a:p>
-                  </a:txBody>
-                  <a:tcPr marL="9525" marR="9525" marT="9525" marB="0" anchor="ctr"/>
-                </a:tc>
-                <a:tc>
-                  <a:txBody>
-                    <a:bodyPr/>
-                    <a:lstStyle/>
-                    <a:p>
-                      <a:pPr algn="ctr" fontAlgn="b"/>
-                      <a:r>
-                        <a:rPr lang="en-GB" sz="1800" u="none" strike="noStrike">
-                          <a:effectLst/>
-                        </a:rPr>
-                        <a:t>2820</a:t>
-                      </a:r>
-                      <a:endParaRPr lang="en-GB" sz="1800" b="0" i="0" u="none" strike="noStrike">
-                        <a:solidFill>
-                          <a:srgbClr val="000000"/>
-                        </a:solidFill>
-                        <a:effectLst/>
-                        <a:latin typeface="Calibri" panose="020F0502020204030204" pitchFamily="34" charset="0"/>
-                      </a:endParaRPr>
-                    </a:p>
-                  </a:txBody>
-                  <a:tcPr marL="9525" marR="9525" marT="9525" marB="0" anchor="ctr"/>
-                </a:tc>
-                <a:tc>
-                  <a:txBody>
-                    <a:bodyPr/>
-                    <a:lstStyle/>
-                    <a:p>
-                      <a:pPr algn="ctr" fontAlgn="b"/>
-                      <a:r>
-                        <a:rPr lang="en-GB" sz="1800" u="none" strike="noStrike" dirty="0">
-                          <a:effectLst/>
-                        </a:rPr>
-                        <a:t>1</a:t>
-                      </a:r>
-                      <a:endParaRPr lang="en-GB" sz="1800" b="0" i="0" u="none" strike="noStrike" dirty="0">
-                        <a:solidFill>
-                          <a:srgbClr val="000000"/>
-                        </a:solidFill>
-                        <a:effectLst/>
-                        <a:latin typeface="Calibri" panose="020F0502020204030204" pitchFamily="34" charset="0"/>
-                      </a:endParaRPr>
-                    </a:p>
-                  </a:txBody>
-                  <a:tcPr marL="9525" marR="9525" marT="9525" marB="0" anchor="ctr"/>
-                </a:tc>
-                <a:tc>
-                  <a:txBody>
-                    <a:bodyPr/>
-                    <a:lstStyle/>
-                    <a:p>
-                      <a:pPr algn="ctr" fontAlgn="b"/>
-                      <a:r>
-                        <a:rPr lang="en-GB" sz="1800" u="none" strike="noStrike" dirty="0" err="1">
-                          <a:effectLst/>
-                        </a:rPr>
-                        <a:t>Berhasil</a:t>
-                      </a:r>
-                      <a:endParaRPr lang="en-GB" sz="1800" b="0" i="0" u="none" strike="noStrike" dirty="0">
-                        <a:solidFill>
-                          <a:srgbClr val="000000"/>
-                        </a:solidFill>
-                        <a:effectLst/>
-                        <a:latin typeface="Calibri" panose="020F0502020204030204" pitchFamily="34" charset="0"/>
-                      </a:endParaRPr>
-                    </a:p>
-                  </a:txBody>
-                  <a:tcPr marL="9525" marR="9525" marT="9525" marB="0" anchor="ctr"/>
-                </a:tc>
-                <a:extLst>
-                  <a:ext uri="{0D108BD9-81ED-4DB2-BD59-A6C34878D82A}">
-                    <a16:rowId xmlns:a16="http://schemas.microsoft.com/office/drawing/2014/main" val="360969775"/>
-                  </a:ext>
-                </a:extLst>
-              </a:tr>
-              <a:tr h="475200">
-                <a:tc>
-                  <a:txBody>
-                    <a:bodyPr/>
-                    <a:lstStyle/>
-                    <a:p>
-                      <a:pPr algn="ctr" fontAlgn="b"/>
-                      <a:r>
-                        <a:rPr lang="en-GB" sz="1800" u="none" strike="noStrike">
-                          <a:effectLst/>
-                        </a:rPr>
-                        <a:t> </a:t>
-                      </a:r>
-                      <a:endParaRPr lang="en-GB" sz="1800" b="0" i="0" u="none" strike="noStrike">
-                        <a:solidFill>
-                          <a:srgbClr val="000000"/>
-                        </a:solidFill>
-                        <a:effectLst/>
-                        <a:latin typeface="Calibri" panose="020F0502020204030204" pitchFamily="34" charset="0"/>
-                      </a:endParaRPr>
-                    </a:p>
-                  </a:txBody>
-                  <a:tcPr marL="9525" marR="9525" marT="9525" marB="0" anchor="ctr"/>
-                </a:tc>
-                <a:tc>
-                  <a:txBody>
-                    <a:bodyPr/>
-                    <a:lstStyle/>
-                    <a:p>
-                      <a:pPr algn="ctr" fontAlgn="b"/>
-                      <a:r>
-                        <a:rPr lang="en-GB" sz="1800" u="none" strike="noStrike" dirty="0">
-                          <a:effectLst/>
-                        </a:rPr>
-                        <a:t>786</a:t>
-                      </a:r>
-                      <a:endParaRPr lang="en-GB" sz="1800" b="0" i="0" u="none" strike="noStrike" dirty="0">
-                        <a:solidFill>
-                          <a:srgbClr val="000000"/>
-                        </a:solidFill>
-                        <a:effectLst/>
-                        <a:latin typeface="Calibri" panose="020F0502020204030204" pitchFamily="34" charset="0"/>
-                      </a:endParaRPr>
-                    </a:p>
-                  </a:txBody>
-                  <a:tcPr marL="9525" marR="9525" marT="9525" marB="0" anchor="ctr"/>
-                </a:tc>
-                <a:tc>
-                  <a:txBody>
-                    <a:bodyPr/>
-                    <a:lstStyle/>
-                    <a:p>
-                      <a:pPr algn="ctr" fontAlgn="b"/>
-                      <a:r>
-                        <a:rPr lang="en-GB" sz="1800" u="none" strike="noStrike" dirty="0">
-                          <a:effectLst/>
-                        </a:rPr>
-                        <a:t>1256 x 785</a:t>
-                      </a:r>
-                      <a:endParaRPr lang="en-GB" sz="1800" b="0" i="0" u="none" strike="noStrike" dirty="0">
-                        <a:solidFill>
-                          <a:srgbClr val="000000"/>
-                        </a:solidFill>
-                        <a:effectLst/>
-                        <a:latin typeface="Calibri" panose="020F0502020204030204" pitchFamily="34" charset="0"/>
-                      </a:endParaRPr>
-                    </a:p>
-                  </a:txBody>
-                  <a:tcPr marL="9525" marR="9525" marT="9525" marB="0" anchor="ctr"/>
-                </a:tc>
-                <a:tc>
-                  <a:txBody>
-                    <a:bodyPr/>
-                    <a:lstStyle/>
-                    <a:p>
-                      <a:pPr algn="ctr" fontAlgn="b"/>
-                      <a:r>
-                        <a:rPr lang="en-GB" sz="1800" u="none" strike="noStrike">
-                          <a:effectLst/>
-                        </a:rPr>
-                        <a:t>2820</a:t>
-                      </a:r>
-                      <a:endParaRPr lang="en-GB" sz="1800" b="0" i="0" u="none" strike="noStrike">
-                        <a:solidFill>
-                          <a:srgbClr val="000000"/>
-                        </a:solidFill>
-                        <a:effectLst/>
-                        <a:latin typeface="Calibri" panose="020F0502020204030204" pitchFamily="34" charset="0"/>
-                      </a:endParaRPr>
-                    </a:p>
-                  </a:txBody>
-                  <a:tcPr marL="9525" marR="9525" marT="9525" marB="0" anchor="ctr"/>
-                </a:tc>
-                <a:tc>
-                  <a:txBody>
-                    <a:bodyPr/>
-                    <a:lstStyle/>
-                    <a:p>
-                      <a:pPr algn="ctr" fontAlgn="b"/>
-                      <a:r>
-                        <a:rPr lang="en-GB" sz="1800" u="none" strike="noStrike" dirty="0">
-                          <a:effectLst/>
-                        </a:rPr>
-                        <a:t>2.71</a:t>
-                      </a:r>
-                      <a:endParaRPr lang="en-GB" sz="1800" b="0" i="0" u="none" strike="noStrike" dirty="0">
-                        <a:solidFill>
-                          <a:srgbClr val="000000"/>
-                        </a:solidFill>
-                        <a:effectLst/>
-                        <a:latin typeface="Calibri" panose="020F0502020204030204" pitchFamily="34" charset="0"/>
-                      </a:endParaRPr>
-                    </a:p>
-                  </a:txBody>
-                  <a:tcPr marL="9525" marR="9525" marT="9525" marB="0" anchor="ctr"/>
-                </a:tc>
-                <a:tc>
-                  <a:txBody>
-                    <a:bodyPr/>
-                    <a:lstStyle/>
-                    <a:p>
-                      <a:pPr algn="ctr" fontAlgn="b"/>
-                      <a:r>
-                        <a:rPr lang="en-GB" sz="1800" u="none" strike="noStrike" dirty="0" err="1">
-                          <a:effectLst/>
-                        </a:rPr>
-                        <a:t>Berhasil</a:t>
-                      </a:r>
-                      <a:endParaRPr lang="en-GB" sz="1800" b="0" i="0" u="none" strike="noStrike" dirty="0">
-                        <a:solidFill>
-                          <a:srgbClr val="000000"/>
-                        </a:solidFill>
-                        <a:effectLst/>
-                        <a:latin typeface="Calibri" panose="020F0502020204030204" pitchFamily="34" charset="0"/>
-                      </a:endParaRPr>
-                    </a:p>
-                  </a:txBody>
-                  <a:tcPr marL="9525" marR="9525" marT="9525" marB="0" anchor="ctr"/>
-                </a:tc>
-                <a:extLst>
-                  <a:ext uri="{0D108BD9-81ED-4DB2-BD59-A6C34878D82A}">
-                    <a16:rowId xmlns:a16="http://schemas.microsoft.com/office/drawing/2014/main" val="4168392636"/>
-                  </a:ext>
-                </a:extLst>
-              </a:tr>
-              <a:tr h="475200">
-                <a:tc>
-                  <a:txBody>
-                    <a:bodyPr/>
-                    <a:lstStyle/>
-                    <a:p>
-                      <a:pPr algn="ctr" fontAlgn="b"/>
-                      <a:r>
-                        <a:rPr lang="en-GB" sz="1800" u="none" strike="noStrike">
-                          <a:effectLst/>
-                        </a:rPr>
-                        <a:t> </a:t>
-                      </a:r>
-                      <a:endParaRPr lang="en-GB" sz="1800" b="0" i="0" u="none" strike="noStrike">
-                        <a:solidFill>
-                          <a:srgbClr val="000000"/>
-                        </a:solidFill>
-                        <a:effectLst/>
-                        <a:latin typeface="Calibri" panose="020F0502020204030204" pitchFamily="34" charset="0"/>
-                      </a:endParaRPr>
-                    </a:p>
-                  </a:txBody>
-                  <a:tcPr marL="9525" marR="9525" marT="9525" marB="0" anchor="ctr"/>
-                </a:tc>
-                <a:tc>
-                  <a:txBody>
-                    <a:bodyPr/>
-                    <a:lstStyle/>
-                    <a:p>
-                      <a:pPr algn="ctr" fontAlgn="b"/>
-                      <a:r>
-                        <a:rPr lang="en-GB" sz="1800" u="none" strike="noStrike">
-                          <a:effectLst/>
-                        </a:rPr>
-                        <a:t>13249</a:t>
-                      </a:r>
-                      <a:endParaRPr lang="en-GB" sz="1800" b="0" i="0" u="none" strike="noStrike">
-                        <a:solidFill>
-                          <a:srgbClr val="000000"/>
-                        </a:solidFill>
-                        <a:effectLst/>
-                        <a:latin typeface="Calibri" panose="020F0502020204030204" pitchFamily="34" charset="0"/>
-                      </a:endParaRPr>
-                    </a:p>
-                  </a:txBody>
-                  <a:tcPr marL="9525" marR="9525" marT="9525" marB="0" anchor="ctr"/>
-                </a:tc>
-                <a:tc>
-                  <a:txBody>
-                    <a:bodyPr/>
-                    <a:lstStyle/>
-                    <a:p>
-                      <a:pPr algn="ctr" fontAlgn="b"/>
-                      <a:r>
-                        <a:rPr lang="en-GB" sz="1800" u="none" strike="noStrike" dirty="0">
-                          <a:effectLst/>
-                        </a:rPr>
-                        <a:t>1256 x 785</a:t>
-                      </a:r>
-                      <a:endParaRPr lang="en-GB" sz="1800" b="0" i="0" u="none" strike="noStrike" dirty="0">
-                        <a:solidFill>
-                          <a:srgbClr val="000000"/>
-                        </a:solidFill>
-                        <a:effectLst/>
-                        <a:latin typeface="Calibri" panose="020F0502020204030204" pitchFamily="34" charset="0"/>
-                      </a:endParaRPr>
-                    </a:p>
-                  </a:txBody>
-                  <a:tcPr marL="9525" marR="9525" marT="9525" marB="0" anchor="ctr"/>
-                </a:tc>
-                <a:tc>
-                  <a:txBody>
-                    <a:bodyPr/>
-                    <a:lstStyle/>
-                    <a:p>
-                      <a:pPr algn="ctr" fontAlgn="b"/>
-                      <a:r>
-                        <a:rPr lang="en-GB" sz="1800" u="none" strike="noStrike" dirty="0">
-                          <a:effectLst/>
-                        </a:rPr>
-                        <a:t>2820</a:t>
-                      </a:r>
-                      <a:endParaRPr lang="en-GB" sz="1800" b="0" i="0" u="none" strike="noStrike" dirty="0">
-                        <a:solidFill>
-                          <a:srgbClr val="000000"/>
-                        </a:solidFill>
-                        <a:effectLst/>
-                        <a:latin typeface="Calibri" panose="020F0502020204030204" pitchFamily="34" charset="0"/>
-                      </a:endParaRPr>
-                    </a:p>
-                  </a:txBody>
-                  <a:tcPr marL="9525" marR="9525" marT="9525" marB="0" anchor="ctr"/>
-                </a:tc>
-                <a:tc>
-                  <a:txBody>
-                    <a:bodyPr/>
-                    <a:lstStyle/>
-                    <a:p>
-                      <a:pPr algn="ctr" fontAlgn="b"/>
-                      <a:r>
-                        <a:rPr lang="en-GB" sz="1800" u="none" strike="noStrike" dirty="0">
-                          <a:effectLst/>
-                        </a:rPr>
-                        <a:t>146.36</a:t>
-                      </a:r>
-                      <a:endParaRPr lang="en-GB" sz="1800" b="0" i="0" u="none" strike="noStrike" dirty="0">
-                        <a:solidFill>
-                          <a:srgbClr val="000000"/>
-                        </a:solidFill>
-                        <a:effectLst/>
-                        <a:latin typeface="Calibri" panose="020F0502020204030204" pitchFamily="34" charset="0"/>
-                      </a:endParaRPr>
-                    </a:p>
-                  </a:txBody>
-                  <a:tcPr marL="9525" marR="9525" marT="9525" marB="0" anchor="ctr"/>
-                </a:tc>
-                <a:tc>
-                  <a:txBody>
-                    <a:bodyPr/>
-                    <a:lstStyle/>
-                    <a:p>
-                      <a:pPr algn="ctr" fontAlgn="b"/>
-                      <a:r>
-                        <a:rPr lang="en-GB" sz="1800" u="none" strike="noStrike" dirty="0" err="1">
-                          <a:effectLst/>
-                        </a:rPr>
-                        <a:t>Berhasil</a:t>
-                      </a:r>
-                      <a:endParaRPr lang="en-GB" sz="1800" b="0" i="0" u="none" strike="noStrike" dirty="0">
-                        <a:solidFill>
-                          <a:srgbClr val="000000"/>
-                        </a:solidFill>
-                        <a:effectLst/>
-                        <a:latin typeface="Calibri" panose="020F0502020204030204" pitchFamily="34" charset="0"/>
-                      </a:endParaRPr>
-                    </a:p>
-                  </a:txBody>
-                  <a:tcPr marL="9525" marR="9525" marT="9525" marB="0" anchor="ctr"/>
-                </a:tc>
-                <a:extLst>
-                  <a:ext uri="{0D108BD9-81ED-4DB2-BD59-A6C34878D82A}">
-                    <a16:rowId xmlns:a16="http://schemas.microsoft.com/office/drawing/2014/main" val="2585702152"/>
+                    <a16:rowId xmlns:a16="http://schemas.microsoft.com/office/drawing/2014/main" val="483418962"/>
                   </a:ext>
                 </a:extLst>
               </a:tr>
@@ -4991,7 +5196,7 @@
           <p:nvPr>
             <p:extLst>
               <p:ext uri="{D42A27DB-BD31-4B8C-83A1-F6EECF244321}">
-                <p14:modId xmlns:p14="http://schemas.microsoft.com/office/powerpoint/2010/main" val="1501399414"/>
+                <p14:modId xmlns:p14="http://schemas.microsoft.com/office/powerpoint/2010/main" val="2962000358"/>
               </p:ext>
             </p:extLst>
           </p:nvPr>
@@ -5267,35 +5472,16 @@
                     <a:bodyPr/>
                     <a:lstStyle/>
                     <a:p>
-                      <a:pPr algn="ctr" fontAlgn="b"/>
-                      <a:r>
-                        <a:rPr lang="en-GB" sz="1800" u="none" strike="noStrike">
-                          <a:effectLst/>
-                        </a:rPr>
-                        <a:t>lena</a:t>
-                      </a:r>
-                      <a:endParaRPr lang="en-GB" sz="1800" b="0" i="0" u="none" strike="noStrike">
-                        <a:solidFill>
-                          <a:srgbClr val="000000"/>
-                        </a:solidFill>
-                        <a:effectLst/>
-                        <a:latin typeface="Calibri" panose="020F0502020204030204" pitchFamily="34" charset="0"/>
-                      </a:endParaRPr>
-                    </a:p>
-                  </a:txBody>
-                  <a:tcPr marL="9525" marR="9525" marT="9525" marB="0" anchor="ctr"/>
-                </a:tc>
-                <a:tc>
-                  <a:txBody>
-                    <a:bodyPr/>
-                    <a:lstStyle/>
-                    <a:p>
-                      <a:pPr algn="ctr" fontAlgn="b"/>
-                      <a:r>
-                        <a:rPr lang="en-GB" sz="1800" u="none" strike="noStrike" dirty="0">
-                          <a:effectLst/>
-                        </a:rPr>
-                        <a:t>114</a:t>
+                      <a:pPr algn="ctr" fontAlgn="ctr"/>
+                      <a:r>
+                        <a:rPr lang="en-GB" sz="1800" b="0" i="0" u="none" strike="noStrike" dirty="0" err="1">
+                          <a:solidFill>
+                            <a:srgbClr val="000000"/>
+                          </a:solidFill>
+                          <a:effectLst/>
+                          <a:latin typeface="Calibri" panose="020F0502020204030204" pitchFamily="34" charset="0"/>
+                        </a:rPr>
+                        <a:t>lena_gray</a:t>
                       </a:r>
                       <a:endParaRPr lang="en-GB" sz="1800" b="0" i="0" u="none" strike="noStrike" dirty="0">
                         <a:solidFill>
@@ -5313,89 +5499,97 @@
                     <a:bodyPr/>
                     <a:lstStyle/>
                     <a:p>
-                      <a:pPr algn="ctr" fontAlgn="b"/>
-                      <a:r>
-                        <a:rPr lang="en-GB" sz="1800" u="none" strike="noStrike">
-                          <a:effectLst/>
-                        </a:rPr>
-                        <a:t>128 x 128</a:t>
-                      </a:r>
-                      <a:endParaRPr lang="en-GB" sz="1800" b="0" i="0" u="none" strike="noStrike">
-                        <a:solidFill>
-                          <a:srgbClr val="000000"/>
-                        </a:solidFill>
-                        <a:effectLst/>
-                        <a:latin typeface="Calibri" panose="020F0502020204030204" pitchFamily="34" charset="0"/>
-                      </a:endParaRPr>
-                    </a:p>
-                  </a:txBody>
-                  <a:tcPr marL="9525" marR="9525" marT="9525" marB="0" anchor="ctr"/>
-                </a:tc>
-                <a:tc>
-                  <a:txBody>
-                    <a:bodyPr/>
-                    <a:lstStyle/>
-                    <a:p>
-                      <a:pPr algn="ctr" fontAlgn="b"/>
-                      <a:r>
-                        <a:rPr lang="en-GB" sz="1800" u="none" strike="noStrike">
-                          <a:effectLst/>
-                        </a:rPr>
-                        <a:t>48</a:t>
-                      </a:r>
-                      <a:endParaRPr lang="en-GB" sz="1800" b="0" i="0" u="none" strike="noStrike">
-                        <a:solidFill>
-                          <a:srgbClr val="000000"/>
-                        </a:solidFill>
-                        <a:effectLst/>
-                        <a:latin typeface="Calibri" panose="020F0502020204030204" pitchFamily="34" charset="0"/>
-                      </a:endParaRPr>
-                    </a:p>
-                  </a:txBody>
-                  <a:tcPr marL="9525" marR="9525" marT="9525" marB="0" anchor="ctr"/>
-                </a:tc>
-                <a:tc>
-                  <a:txBody>
-                    <a:bodyPr/>
-                    <a:lstStyle/>
-                    <a:p>
-                      <a:pPr algn="ctr" fontAlgn="b"/>
-                      <a:r>
-                        <a:rPr lang="en-GB" sz="1800" u="none" strike="noStrike">
-                          <a:effectLst/>
-                        </a:rPr>
-                        <a:t>1</a:t>
-                      </a:r>
-                      <a:endParaRPr lang="en-GB" sz="1800" b="0" i="0" u="none" strike="noStrike">
-                        <a:solidFill>
-                          <a:srgbClr val="000000"/>
-                        </a:solidFill>
-                        <a:effectLst/>
-                        <a:latin typeface="Calibri" panose="020F0502020204030204" pitchFamily="34" charset="0"/>
-                      </a:endParaRPr>
-                    </a:p>
-                  </a:txBody>
-                  <a:tcPr marL="9525" marR="9525" marT="9525" marB="0" anchor="ctr"/>
-                </a:tc>
-                <a:tc>
-                  <a:txBody>
-                    <a:bodyPr/>
-                    <a:lstStyle/>
-                    <a:p>
-                      <a:pPr algn="ctr" fontAlgn="b"/>
-                      <a:r>
-                        <a:rPr lang="en-GB" sz="1800" u="none" strike="noStrike">
-                          <a:effectLst/>
-                        </a:rPr>
-                        <a:t>Berhasil</a:t>
-                      </a:r>
-                      <a:endParaRPr lang="en-GB" sz="1800" b="0" i="0" u="none" strike="noStrike">
-                        <a:solidFill>
-                          <a:srgbClr val="000000"/>
-                        </a:solidFill>
-                        <a:effectLst/>
-                        <a:latin typeface="Calibri" panose="020F0502020204030204" pitchFamily="34" charset="0"/>
-                      </a:endParaRPr>
+                      <a:pPr algn="ctr" fontAlgn="ctr"/>
+                      <a:r>
+                        <a:rPr lang="en-GB" sz="1800" b="0" i="0" u="none" strike="noStrike">
+                          <a:solidFill>
+                            <a:srgbClr val="000000"/>
+                          </a:solidFill>
+                          <a:effectLst/>
+                          <a:latin typeface="Calibri" panose="020F0502020204030204" pitchFamily="34" charset="0"/>
+                        </a:rPr>
+                        <a:t>114</a:t>
+                      </a:r>
+                    </a:p>
+                  </a:txBody>
+                  <a:tcPr marL="9525" marR="9525" marT="9525" marB="0" anchor="ctr"/>
+                </a:tc>
+                <a:tc>
+                  <a:txBody>
+                    <a:bodyPr/>
+                    <a:lstStyle/>
+                    <a:p>
+                      <a:pPr algn="ctr" fontAlgn="ctr"/>
+                      <a:r>
+                        <a:rPr lang="en-GB" sz="1800" b="0" i="0" u="none" strike="noStrike">
+                          <a:solidFill>
+                            <a:srgbClr val="000000"/>
+                          </a:solidFill>
+                          <a:effectLst/>
+                          <a:latin typeface="Calibri" panose="020F0502020204030204" pitchFamily="34" charset="0"/>
+                        </a:rPr>
+                        <a:t> </a:t>
+                      </a:r>
+                    </a:p>
+                  </a:txBody>
+                  <a:tcPr marL="9525" marR="9525" marT="9525" marB="0" anchor="ctr"/>
+                </a:tc>
+                <a:tc>
+                  <a:txBody>
+                    <a:bodyPr/>
+                    <a:lstStyle/>
+                    <a:p>
+                      <a:pPr algn="ctr" fontAlgn="ctr"/>
+                      <a:r>
+                        <a:rPr lang="en-GB" sz="1800" b="0" i="0" u="none" strike="noStrike">
+                          <a:solidFill>
+                            <a:srgbClr val="000000"/>
+                          </a:solidFill>
+                          <a:effectLst/>
+                          <a:latin typeface="Calibri" panose="020F0502020204030204" pitchFamily="34" charset="0"/>
+                        </a:rPr>
+                        <a:t> </a:t>
+                      </a:r>
+                    </a:p>
+                  </a:txBody>
+                  <a:tcPr marL="9525" marR="9525" marT="9525" marB="0" anchor="ctr"/>
+                </a:tc>
+                <a:tc>
+                  <a:txBody>
+                    <a:bodyPr/>
+                    <a:lstStyle/>
+                    <a:p>
+                      <a:pPr algn="ctr" fontAlgn="ctr"/>
+                      <a:r>
+                        <a:rPr lang="en-GB" sz="1800" b="0" i="0" u="none" strike="noStrike">
+                          <a:solidFill>
+                            <a:srgbClr val="000000"/>
+                          </a:solidFill>
+                          <a:effectLst/>
+                          <a:latin typeface="Calibri" panose="020F0502020204030204" pitchFamily="34" charset="0"/>
+                        </a:rPr>
+                        <a:t> </a:t>
+                      </a:r>
+                    </a:p>
+                  </a:txBody>
+                  <a:tcPr marL="9525" marR="9525" marT="9525" marB="0" anchor="ctr"/>
+                </a:tc>
+                <a:tc>
+                  <a:txBody>
+                    <a:bodyPr/>
+                    <a:lstStyle/>
+                    <a:p>
+                      <a:pPr algn="ctr" fontAlgn="ctr"/>
+                      <a:r>
+                        <a:rPr lang="en-GB" sz="1800" b="0" i="0" u="none" strike="noStrike">
+                          <a:solidFill>
+                            <a:srgbClr val="000000"/>
+                          </a:solidFill>
+                          <a:effectLst/>
+                          <a:latin typeface="Calibri" panose="020F0502020204030204" pitchFamily="34" charset="0"/>
+                        </a:rPr>
+                        <a:t>Gagal</a:t>
+                      </a:r>
                     </a:p>
                   </a:txBody>
                   <a:tcPr marL="9525" marR="9525" marT="9525" marB="0" anchor="ctr"/>
@@ -5412,135 +5606,117 @@
                     <a:bodyPr/>
                     <a:lstStyle/>
                     <a:p>
-                      <a:pPr algn="ctr" fontAlgn="b"/>
-                      <a:r>
-                        <a:rPr lang="en-GB" sz="1800" u="none" strike="noStrike">
-                          <a:effectLst/>
+                      <a:pPr algn="ctr" fontAlgn="ctr"/>
+                      <a:r>
+                        <a:rPr lang="en-GB" sz="1800" b="0" i="0" u="none" strike="noStrike">
+                          <a:solidFill>
+                            <a:srgbClr val="000000"/>
+                          </a:solidFill>
+                          <a:effectLst/>
+                          <a:latin typeface="Calibri" panose="020F0502020204030204" pitchFamily="34" charset="0"/>
                         </a:rPr>
                         <a:t> </a:t>
                       </a:r>
-                      <a:endParaRPr lang="en-GB" sz="1800" b="0" i="0" u="none" strike="noStrike">
-                        <a:solidFill>
-                          <a:srgbClr val="000000"/>
-                        </a:solidFill>
-                        <a:effectLst/>
-                        <a:latin typeface="Calibri" panose="020F0502020204030204" pitchFamily="34" charset="0"/>
-                      </a:endParaRPr>
-                    </a:p>
-                  </a:txBody>
-                  <a:tcPr marL="9525" marR="9525" marT="9525" marB="0" anchor="ctr"/>
-                </a:tc>
-                <a:tc>
-                  <a:txBody>
-                    <a:bodyPr/>
-                    <a:lstStyle/>
-                    <a:p>
-                      <a:pPr algn="ctr" fontAlgn="b"/>
-                      <a:r>
-                        <a:rPr lang="en-GB" sz="1800" u="none" strike="noStrike" dirty="0">
-                          <a:effectLst/>
+                    </a:p>
+                  </a:txBody>
+                  <a:tcPr marL="9525" marR="9525" marT="9525" marB="0" anchor="ctr"/>
+                </a:tc>
+                <a:tc>
+                  <a:txBody>
+                    <a:bodyPr/>
+                    <a:lstStyle/>
+                    <a:p>
+                      <a:pPr algn="ctr" fontAlgn="ctr"/>
+                      <a:r>
+                        <a:rPr lang="en-GB" sz="1800" b="0" i="0" u="none" strike="noStrike">
+                          <a:solidFill>
+                            <a:srgbClr val="000000"/>
+                          </a:solidFill>
+                          <a:effectLst/>
+                          <a:latin typeface="Calibri" panose="020F0502020204030204" pitchFamily="34" charset="0"/>
                         </a:rPr>
                         <a:t>786</a:t>
                       </a:r>
-                      <a:endParaRPr lang="en-GB" sz="1800" b="0" i="0" u="none" strike="noStrike" dirty="0">
-                        <a:solidFill>
-                          <a:srgbClr val="000000"/>
-                        </a:solidFill>
-                        <a:effectLst/>
-                        <a:latin typeface="Calibri" panose="020F0502020204030204" pitchFamily="34" charset="0"/>
-                      </a:endParaRPr>
-                    </a:p>
-                  </a:txBody>
-                  <a:tcPr marL="9525" marR="9525" marT="9525" marB="0" anchor="ctr"/>
-                </a:tc>
-                <a:tc>
-                  <a:txBody>
-                    <a:bodyPr/>
-                    <a:lstStyle/>
-                    <a:p>
-                      <a:pPr algn="ctr" fontAlgn="b"/>
-                      <a:r>
-                        <a:rPr lang="en-GB" sz="1800" u="none" strike="noStrike">
-                          <a:effectLst/>
-                        </a:rPr>
-                        <a:t>128 x 128</a:t>
-                      </a:r>
-                      <a:endParaRPr lang="en-GB" sz="1800" b="0" i="0" u="none" strike="noStrike">
-                        <a:solidFill>
-                          <a:srgbClr val="000000"/>
-                        </a:solidFill>
-                        <a:effectLst/>
-                        <a:latin typeface="Calibri" panose="020F0502020204030204" pitchFamily="34" charset="0"/>
-                      </a:endParaRPr>
-                    </a:p>
-                  </a:txBody>
-                  <a:tcPr marL="9525" marR="9525" marT="9525" marB="0" anchor="ctr"/>
-                </a:tc>
-                <a:tc>
-                  <a:txBody>
-                    <a:bodyPr/>
-                    <a:lstStyle/>
-                    <a:p>
-                      <a:pPr algn="ctr" fontAlgn="b"/>
-                      <a:r>
-                        <a:rPr lang="en-GB" sz="1800" u="none" strike="noStrike">
-                          <a:effectLst/>
-                        </a:rPr>
-                        <a:t>48</a:t>
-                      </a:r>
-                      <a:endParaRPr lang="en-GB" sz="1800" b="0" i="0" u="none" strike="noStrike">
-                        <a:solidFill>
-                          <a:srgbClr val="000000"/>
-                        </a:solidFill>
-                        <a:effectLst/>
-                        <a:latin typeface="Calibri" panose="020F0502020204030204" pitchFamily="34" charset="0"/>
-                      </a:endParaRPr>
-                    </a:p>
-                  </a:txBody>
-                  <a:tcPr marL="9525" marR="9525" marT="9525" marB="0" anchor="ctr"/>
-                </a:tc>
-                <a:tc>
-                  <a:txBody>
-                    <a:bodyPr/>
-                    <a:lstStyle/>
-                    <a:p>
-                      <a:pPr algn="ctr" fontAlgn="b"/>
-                      <a:r>
-                        <a:rPr lang="en-GB" sz="1800" u="none" strike="noStrike">
-                          <a:effectLst/>
-                        </a:rPr>
-                        <a:t>3.6</a:t>
-                      </a:r>
-                      <a:endParaRPr lang="en-GB" sz="1800" b="0" i="0" u="none" strike="noStrike">
-                        <a:solidFill>
-                          <a:srgbClr val="000000"/>
-                        </a:solidFill>
-                        <a:effectLst/>
-                        <a:latin typeface="Calibri" panose="020F0502020204030204" pitchFamily="34" charset="0"/>
-                      </a:endParaRPr>
-                    </a:p>
-                  </a:txBody>
-                  <a:tcPr marL="9525" marR="9525" marT="9525" marB="0" anchor="ctr"/>
-                </a:tc>
-                <a:tc>
-                  <a:txBody>
-                    <a:bodyPr/>
-                    <a:lstStyle/>
-                    <a:p>
-                      <a:pPr algn="ctr" fontAlgn="b"/>
-                      <a:r>
-                        <a:rPr lang="en-GB" sz="1800" u="none" strike="noStrike">
-                          <a:effectLst/>
-                        </a:rPr>
-                        <a:t>Berhasil</a:t>
-                      </a:r>
-                      <a:endParaRPr lang="en-GB" sz="1800" b="0" i="0" u="none" strike="noStrike">
-                        <a:solidFill>
-                          <a:srgbClr val="000000"/>
-                        </a:solidFill>
-                        <a:effectLst/>
-                        <a:latin typeface="Calibri" panose="020F0502020204030204" pitchFamily="34" charset="0"/>
-                      </a:endParaRPr>
+                    </a:p>
+                  </a:txBody>
+                  <a:tcPr marL="9525" marR="9525" marT="9525" marB="0" anchor="ctr"/>
+                </a:tc>
+                <a:tc>
+                  <a:txBody>
+                    <a:bodyPr/>
+                    <a:lstStyle/>
+                    <a:p>
+                      <a:pPr algn="ctr" fontAlgn="ctr"/>
+                      <a:r>
+                        <a:rPr lang="en-GB" sz="1800" b="0" i="0" u="none" strike="noStrike">
+                          <a:solidFill>
+                            <a:srgbClr val="000000"/>
+                          </a:solidFill>
+                          <a:effectLst/>
+                          <a:latin typeface="Calibri" panose="020F0502020204030204" pitchFamily="34" charset="0"/>
+                        </a:rPr>
+                        <a:t> </a:t>
+                      </a:r>
+                    </a:p>
+                  </a:txBody>
+                  <a:tcPr marL="9525" marR="9525" marT="9525" marB="0" anchor="ctr"/>
+                </a:tc>
+                <a:tc>
+                  <a:txBody>
+                    <a:bodyPr/>
+                    <a:lstStyle/>
+                    <a:p>
+                      <a:pPr algn="ctr" fontAlgn="ctr"/>
+                      <a:r>
+                        <a:rPr lang="en-GB" sz="1800" b="0" i="0" u="none" strike="noStrike">
+                          <a:solidFill>
+                            <a:srgbClr val="000000"/>
+                          </a:solidFill>
+                          <a:effectLst/>
+                          <a:latin typeface="Calibri" panose="020F0502020204030204" pitchFamily="34" charset="0"/>
+                        </a:rPr>
+                        <a:t> </a:t>
+                      </a:r>
+                    </a:p>
+                  </a:txBody>
+                  <a:tcPr marL="9525" marR="9525" marT="9525" marB="0" anchor="ctr"/>
+                </a:tc>
+                <a:tc>
+                  <a:txBody>
+                    <a:bodyPr/>
+                    <a:lstStyle/>
+                    <a:p>
+                      <a:pPr algn="ctr" fontAlgn="ctr"/>
+                      <a:r>
+                        <a:rPr lang="en-GB" sz="1800" b="0" i="0" u="none" strike="noStrike">
+                          <a:solidFill>
+                            <a:srgbClr val="000000"/>
+                          </a:solidFill>
+                          <a:effectLst/>
+                          <a:latin typeface="Calibri" panose="020F0502020204030204" pitchFamily="34" charset="0"/>
+                        </a:rPr>
+                        <a:t> </a:t>
+                      </a:r>
+                    </a:p>
+                  </a:txBody>
+                  <a:tcPr marL="9525" marR="9525" marT="9525" marB="0" anchor="ctr"/>
+                </a:tc>
+                <a:tc>
+                  <a:txBody>
+                    <a:bodyPr/>
+                    <a:lstStyle/>
+                    <a:p>
+                      <a:pPr algn="ctr" fontAlgn="ctr"/>
+                      <a:r>
+                        <a:rPr lang="en-GB" sz="1800" b="0" i="0" u="none" strike="noStrike">
+                          <a:solidFill>
+                            <a:srgbClr val="000000"/>
+                          </a:solidFill>
+                          <a:effectLst/>
+                          <a:latin typeface="Calibri" panose="020F0502020204030204" pitchFamily="34" charset="0"/>
+                        </a:rPr>
+                        <a:t>Gagal</a:t>
+                      </a:r>
                     </a:p>
                   </a:txBody>
                   <a:tcPr marL="9525" marR="9525" marT="9525" marB="0" anchor="ctr"/>
@@ -5557,135 +5733,117 @@
                     <a:bodyPr/>
                     <a:lstStyle/>
                     <a:p>
-                      <a:pPr algn="ctr" fontAlgn="b"/>
-                      <a:r>
-                        <a:rPr lang="en-GB" sz="1800" u="none" strike="noStrike">
-                          <a:effectLst/>
+                      <a:pPr algn="ctr" fontAlgn="ctr"/>
+                      <a:r>
+                        <a:rPr lang="en-GB" sz="1800" b="0" i="0" u="none" strike="noStrike">
+                          <a:solidFill>
+                            <a:srgbClr val="000000"/>
+                          </a:solidFill>
+                          <a:effectLst/>
+                          <a:latin typeface="Calibri" panose="020F0502020204030204" pitchFamily="34" charset="0"/>
                         </a:rPr>
                         <a:t> </a:t>
                       </a:r>
-                      <a:endParaRPr lang="en-GB" sz="1800" b="0" i="0" u="none" strike="noStrike">
-                        <a:solidFill>
-                          <a:srgbClr val="000000"/>
-                        </a:solidFill>
-                        <a:effectLst/>
-                        <a:latin typeface="Calibri" panose="020F0502020204030204" pitchFamily="34" charset="0"/>
-                      </a:endParaRPr>
-                    </a:p>
-                  </a:txBody>
-                  <a:tcPr marL="9525" marR="9525" marT="9525" marB="0" anchor="ctr"/>
-                </a:tc>
-                <a:tc>
-                  <a:txBody>
-                    <a:bodyPr/>
-                    <a:lstStyle/>
-                    <a:p>
-                      <a:pPr algn="ctr" fontAlgn="b"/>
-                      <a:r>
-                        <a:rPr lang="en-GB" sz="1800" u="none" strike="noStrike">
-                          <a:effectLst/>
+                    </a:p>
+                  </a:txBody>
+                  <a:tcPr marL="9525" marR="9525" marT="9525" marB="0" anchor="ctr"/>
+                </a:tc>
+                <a:tc>
+                  <a:txBody>
+                    <a:bodyPr/>
+                    <a:lstStyle/>
+                    <a:p>
+                      <a:pPr algn="ctr" fontAlgn="ctr"/>
+                      <a:r>
+                        <a:rPr lang="en-GB" sz="1800" b="0" i="0" u="none" strike="noStrike">
+                          <a:solidFill>
+                            <a:srgbClr val="000000"/>
+                          </a:solidFill>
+                          <a:effectLst/>
+                          <a:latin typeface="Calibri" panose="020F0502020204030204" pitchFamily="34" charset="0"/>
                         </a:rPr>
                         <a:t>4415</a:t>
                       </a:r>
-                      <a:endParaRPr lang="en-GB" sz="1800" b="0" i="0" u="none" strike="noStrike">
-                        <a:solidFill>
-                          <a:srgbClr val="000000"/>
-                        </a:solidFill>
-                        <a:effectLst/>
-                        <a:latin typeface="Calibri" panose="020F0502020204030204" pitchFamily="34" charset="0"/>
-                      </a:endParaRPr>
-                    </a:p>
-                  </a:txBody>
-                  <a:tcPr marL="9525" marR="9525" marT="9525" marB="0" anchor="ctr"/>
-                </a:tc>
-                <a:tc>
-                  <a:txBody>
-                    <a:bodyPr/>
-                    <a:lstStyle/>
-                    <a:p>
-                      <a:pPr algn="ctr" fontAlgn="b"/>
-                      <a:r>
-                        <a:rPr lang="en-GB" sz="1800" u="none" strike="noStrike" dirty="0">
-                          <a:effectLst/>
-                        </a:rPr>
-                        <a:t>128 x 128</a:t>
-                      </a:r>
-                      <a:endParaRPr lang="en-GB" sz="1800" b="0" i="0" u="none" strike="noStrike" dirty="0">
-                        <a:solidFill>
-                          <a:srgbClr val="000000"/>
-                        </a:solidFill>
-                        <a:effectLst/>
-                        <a:latin typeface="Calibri" panose="020F0502020204030204" pitchFamily="34" charset="0"/>
-                      </a:endParaRPr>
-                    </a:p>
-                  </a:txBody>
-                  <a:tcPr marL="9525" marR="9525" marT="9525" marB="0" anchor="ctr"/>
-                </a:tc>
-                <a:tc>
-                  <a:txBody>
-                    <a:bodyPr/>
-                    <a:lstStyle/>
-                    <a:p>
-                      <a:pPr algn="ctr" fontAlgn="b"/>
-                      <a:r>
-                        <a:rPr lang="en-GB" sz="1800" u="none" strike="noStrike">
-                          <a:effectLst/>
-                        </a:rPr>
-                        <a:t>48</a:t>
-                      </a:r>
-                      <a:endParaRPr lang="en-GB" sz="1800" b="0" i="0" u="none" strike="noStrike">
-                        <a:solidFill>
-                          <a:srgbClr val="000000"/>
-                        </a:solidFill>
-                        <a:effectLst/>
-                        <a:latin typeface="Calibri" panose="020F0502020204030204" pitchFamily="34" charset="0"/>
-                      </a:endParaRPr>
-                    </a:p>
-                  </a:txBody>
-                  <a:tcPr marL="9525" marR="9525" marT="9525" marB="0" anchor="ctr"/>
-                </a:tc>
-                <a:tc>
-                  <a:txBody>
-                    <a:bodyPr/>
-                    <a:lstStyle/>
-                    <a:p>
-                      <a:pPr algn="ctr" fontAlgn="b"/>
-                      <a:r>
-                        <a:rPr lang="en-GB" sz="1800" u="none" strike="noStrike">
-                          <a:effectLst/>
-                        </a:rPr>
-                        <a:t>45.2</a:t>
-                      </a:r>
-                      <a:endParaRPr lang="en-GB" sz="1800" b="0" i="0" u="none" strike="noStrike">
-                        <a:solidFill>
-                          <a:srgbClr val="000000"/>
-                        </a:solidFill>
-                        <a:effectLst/>
-                        <a:latin typeface="Calibri" panose="020F0502020204030204" pitchFamily="34" charset="0"/>
-                      </a:endParaRPr>
-                    </a:p>
-                  </a:txBody>
-                  <a:tcPr marL="9525" marR="9525" marT="9525" marB="0" anchor="ctr"/>
-                </a:tc>
-                <a:tc>
-                  <a:txBody>
-                    <a:bodyPr/>
-                    <a:lstStyle/>
-                    <a:p>
-                      <a:pPr algn="ctr" fontAlgn="b"/>
-                      <a:r>
-                        <a:rPr lang="en-GB" sz="1800" u="none" strike="noStrike">
-                          <a:effectLst/>
-                        </a:rPr>
-                        <a:t>Berhasil</a:t>
-                      </a:r>
-                      <a:endParaRPr lang="en-GB" sz="1800" b="0" i="0" u="none" strike="noStrike">
-                        <a:solidFill>
-                          <a:srgbClr val="000000"/>
-                        </a:solidFill>
-                        <a:effectLst/>
-                        <a:latin typeface="Calibri" panose="020F0502020204030204" pitchFamily="34" charset="0"/>
-                      </a:endParaRPr>
+                    </a:p>
+                  </a:txBody>
+                  <a:tcPr marL="9525" marR="9525" marT="9525" marB="0" anchor="ctr"/>
+                </a:tc>
+                <a:tc>
+                  <a:txBody>
+                    <a:bodyPr/>
+                    <a:lstStyle/>
+                    <a:p>
+                      <a:pPr algn="ctr" fontAlgn="ctr"/>
+                      <a:r>
+                        <a:rPr lang="en-GB" sz="1800" b="0" i="0" u="none" strike="noStrike">
+                          <a:solidFill>
+                            <a:srgbClr val="000000"/>
+                          </a:solidFill>
+                          <a:effectLst/>
+                          <a:latin typeface="Calibri" panose="020F0502020204030204" pitchFamily="34" charset="0"/>
+                        </a:rPr>
+                        <a:t> </a:t>
+                      </a:r>
+                    </a:p>
+                  </a:txBody>
+                  <a:tcPr marL="9525" marR="9525" marT="9525" marB="0" anchor="ctr"/>
+                </a:tc>
+                <a:tc>
+                  <a:txBody>
+                    <a:bodyPr/>
+                    <a:lstStyle/>
+                    <a:p>
+                      <a:pPr algn="ctr" fontAlgn="ctr"/>
+                      <a:r>
+                        <a:rPr lang="en-GB" sz="1800" b="0" i="0" u="none" strike="noStrike">
+                          <a:solidFill>
+                            <a:srgbClr val="000000"/>
+                          </a:solidFill>
+                          <a:effectLst/>
+                          <a:latin typeface="Calibri" panose="020F0502020204030204" pitchFamily="34" charset="0"/>
+                        </a:rPr>
+                        <a:t> </a:t>
+                      </a:r>
+                    </a:p>
+                  </a:txBody>
+                  <a:tcPr marL="9525" marR="9525" marT="9525" marB="0" anchor="ctr"/>
+                </a:tc>
+                <a:tc>
+                  <a:txBody>
+                    <a:bodyPr/>
+                    <a:lstStyle/>
+                    <a:p>
+                      <a:pPr algn="ctr" fontAlgn="ctr"/>
+                      <a:r>
+                        <a:rPr lang="en-GB" sz="1800" b="0" i="0" u="none" strike="noStrike">
+                          <a:solidFill>
+                            <a:srgbClr val="000000"/>
+                          </a:solidFill>
+                          <a:effectLst/>
+                          <a:latin typeface="Calibri" panose="020F0502020204030204" pitchFamily="34" charset="0"/>
+                        </a:rPr>
+                        <a:t> </a:t>
+                      </a:r>
+                    </a:p>
+                  </a:txBody>
+                  <a:tcPr marL="9525" marR="9525" marT="9525" marB="0" anchor="ctr"/>
+                </a:tc>
+                <a:tc>
+                  <a:txBody>
+                    <a:bodyPr/>
+                    <a:lstStyle/>
+                    <a:p>
+                      <a:pPr algn="ctr" fontAlgn="ctr"/>
+                      <a:r>
+                        <a:rPr lang="en-GB" sz="1800" b="0" i="0" u="none" strike="noStrike">
+                          <a:solidFill>
+                            <a:srgbClr val="000000"/>
+                          </a:solidFill>
+                          <a:effectLst/>
+                          <a:latin typeface="Calibri" panose="020F0502020204030204" pitchFamily="34" charset="0"/>
+                        </a:rPr>
+                        <a:t>Gagal</a:t>
+                      </a:r>
                     </a:p>
                   </a:txBody>
                   <a:tcPr marL="9525" marR="9525" marT="9525" marB="0" anchor="ctr"/>
@@ -5702,135 +5860,117 @@
                     <a:bodyPr/>
                     <a:lstStyle/>
                     <a:p>
+                      <a:pPr algn="ctr" fontAlgn="ctr"/>
+                      <a:r>
+                        <a:rPr lang="en-GB" sz="1800" b="0" i="0" u="none" strike="noStrike">
+                          <a:solidFill>
+                            <a:srgbClr val="000000"/>
+                          </a:solidFill>
+                          <a:effectLst/>
+                          <a:latin typeface="Calibri" panose="020F0502020204030204" pitchFamily="34" charset="0"/>
+                        </a:rPr>
+                        <a:t>lena</a:t>
+                      </a:r>
+                    </a:p>
+                  </a:txBody>
+                  <a:tcPr marL="9525" marR="9525" marT="9525" marB="0" anchor="ctr"/>
+                </a:tc>
+                <a:tc>
+                  <a:txBody>
+                    <a:bodyPr/>
+                    <a:lstStyle/>
+                    <a:p>
+                      <a:pPr algn="ctr" fontAlgn="ctr"/>
+                      <a:r>
+                        <a:rPr lang="en-GB" sz="1800" b="0" i="0" u="none" strike="noStrike">
+                          <a:solidFill>
+                            <a:srgbClr val="000000"/>
+                          </a:solidFill>
+                          <a:effectLst/>
+                          <a:latin typeface="Calibri" panose="020F0502020204030204" pitchFamily="34" charset="0"/>
+                        </a:rPr>
+                        <a:t>114</a:t>
+                      </a:r>
+                    </a:p>
+                  </a:txBody>
+                  <a:tcPr marL="9525" marR="9525" marT="9525" marB="0" anchor="ctr"/>
+                </a:tc>
+                <a:tc>
+                  <a:txBody>
+                    <a:bodyPr/>
+                    <a:lstStyle/>
+                    <a:p>
+                      <a:pPr algn="ctr" fontAlgn="ctr"/>
+                      <a:r>
+                        <a:rPr lang="en-GB" sz="1800" b="0" i="0" u="none" strike="noStrike">
+                          <a:solidFill>
+                            <a:srgbClr val="000000"/>
+                          </a:solidFill>
+                          <a:effectLst/>
+                          <a:latin typeface="Calibri" panose="020F0502020204030204" pitchFamily="34" charset="0"/>
+                        </a:rPr>
+                        <a:t>128 x 128</a:t>
+                      </a:r>
+                    </a:p>
+                  </a:txBody>
+                  <a:tcPr marL="9525" marR="9525" marT="9525" marB="0" anchor="ctr"/>
+                </a:tc>
+                <a:tc>
+                  <a:txBody>
+                    <a:bodyPr/>
+                    <a:lstStyle/>
+                    <a:p>
+                      <a:pPr algn="ctr" fontAlgn="ctr"/>
+                      <a:r>
+                        <a:rPr lang="en-GB" sz="1800" b="0" i="0" u="none" strike="noStrike">
+                          <a:solidFill>
+                            <a:srgbClr val="000000"/>
+                          </a:solidFill>
+                          <a:effectLst/>
+                          <a:latin typeface="Calibri" panose="020F0502020204030204" pitchFamily="34" charset="0"/>
+                        </a:rPr>
+                        <a:t>48</a:t>
+                      </a:r>
+                    </a:p>
+                  </a:txBody>
+                  <a:tcPr marL="9525" marR="9525" marT="9525" marB="0" anchor="ctr"/>
+                </a:tc>
+                <a:tc>
+                  <a:txBody>
+                    <a:bodyPr/>
+                    <a:lstStyle/>
+                    <a:p>
                       <a:pPr algn="ctr" fontAlgn="b"/>
                       <a:r>
-                        <a:rPr lang="en-GB" sz="1800" u="none" strike="noStrike">
-                          <a:effectLst/>
-                        </a:rPr>
-                        <a:t>flowers</a:t>
-                      </a:r>
-                      <a:endParaRPr lang="en-GB" sz="1800" b="0" i="0" u="none" strike="noStrike">
-                        <a:solidFill>
-                          <a:srgbClr val="000000"/>
-                        </a:solidFill>
-                        <a:effectLst/>
-                        <a:latin typeface="Calibri" panose="020F0502020204030204" pitchFamily="34" charset="0"/>
-                      </a:endParaRPr>
-                    </a:p>
-                  </a:txBody>
-                  <a:tcPr marL="9525" marR="9525" marT="9525" marB="0" anchor="ctr"/>
-                </a:tc>
-                <a:tc>
-                  <a:txBody>
-                    <a:bodyPr/>
-                    <a:lstStyle/>
-                    <a:p>
-                      <a:pPr algn="ctr" fontAlgn="b"/>
-                      <a:r>
-                        <a:rPr lang="en-GB" sz="1800" u="none" strike="noStrike">
-                          <a:effectLst/>
-                        </a:rPr>
-                        <a:t>114</a:t>
-                      </a:r>
-                      <a:endParaRPr lang="en-GB" sz="1800" b="0" i="0" u="none" strike="noStrike">
-                        <a:solidFill>
-                          <a:srgbClr val="000000"/>
-                        </a:solidFill>
-                        <a:effectLst/>
-                        <a:latin typeface="Calibri" panose="020F0502020204030204" pitchFamily="34" charset="0"/>
-                      </a:endParaRPr>
-                    </a:p>
-                  </a:txBody>
-                  <a:tcPr marL="9525" marR="9525" marT="9525" marB="0" anchor="ctr"/>
-                </a:tc>
-                <a:tc>
-                  <a:txBody>
-                    <a:bodyPr/>
-                    <a:lstStyle/>
-                    <a:p>
-                      <a:pPr algn="ctr" fontAlgn="b"/>
-                      <a:r>
-                        <a:rPr lang="en-GB" sz="1800" u="none" strike="noStrike">
-                          <a:effectLst/>
-                        </a:rPr>
-                        <a:t>512 x 320</a:t>
-                      </a:r>
-                      <a:endParaRPr lang="en-GB" sz="1800" b="0" i="0" u="none" strike="noStrike">
-                        <a:solidFill>
-                          <a:srgbClr val="000000"/>
-                        </a:solidFill>
-                        <a:effectLst/>
-                        <a:latin typeface="Calibri" panose="020F0502020204030204" pitchFamily="34" charset="0"/>
-                      </a:endParaRPr>
-                    </a:p>
-                  </a:txBody>
-                  <a:tcPr marL="9525" marR="9525" marT="9525" marB="0" anchor="ctr"/>
-                </a:tc>
-                <a:tc>
-                  <a:txBody>
-                    <a:bodyPr/>
-                    <a:lstStyle/>
-                    <a:p>
-                      <a:pPr algn="ctr" fontAlgn="b"/>
-                      <a:r>
-                        <a:rPr lang="en-GB" sz="1800" u="none" strike="noStrike">
-                          <a:effectLst/>
-                        </a:rPr>
-                        <a:t>480</a:t>
-                      </a:r>
-                      <a:endParaRPr lang="en-GB" sz="1800" b="0" i="0" u="none" strike="noStrike">
-                        <a:solidFill>
-                          <a:srgbClr val="000000"/>
-                        </a:solidFill>
-                        <a:effectLst/>
-                        <a:latin typeface="Calibri" panose="020F0502020204030204" pitchFamily="34" charset="0"/>
-                      </a:endParaRPr>
-                    </a:p>
-                  </a:txBody>
-                  <a:tcPr marL="9525" marR="9525" marT="9525" marB="0" anchor="ctr"/>
-                </a:tc>
-                <a:tc>
-                  <a:txBody>
-                    <a:bodyPr/>
-                    <a:lstStyle/>
-                    <a:p>
-                      <a:pPr algn="ctr" fontAlgn="b"/>
-                      <a:r>
-                        <a:rPr lang="en-GB" sz="1800" u="none" strike="noStrike">
-                          <a:effectLst/>
+                        <a:rPr lang="en-GB" sz="1800" b="0" i="0" u="none" strike="noStrike">
+                          <a:solidFill>
+                            <a:srgbClr val="000000"/>
+                          </a:solidFill>
+                          <a:effectLst/>
+                          <a:latin typeface="Calibri" panose="020F0502020204030204" pitchFamily="34" charset="0"/>
                         </a:rPr>
                         <a:t>1</a:t>
                       </a:r>
-                      <a:endParaRPr lang="en-GB" sz="1800" b="0" i="0" u="none" strike="noStrike">
-                        <a:solidFill>
-                          <a:srgbClr val="000000"/>
-                        </a:solidFill>
-                        <a:effectLst/>
-                        <a:latin typeface="Calibri" panose="020F0502020204030204" pitchFamily="34" charset="0"/>
-                      </a:endParaRPr>
-                    </a:p>
-                  </a:txBody>
-                  <a:tcPr marL="9525" marR="9525" marT="9525" marB="0" anchor="ctr"/>
-                </a:tc>
-                <a:tc>
-                  <a:txBody>
-                    <a:bodyPr/>
-                    <a:lstStyle/>
-                    <a:p>
-                      <a:pPr algn="ctr" fontAlgn="b"/>
-                      <a:r>
-                        <a:rPr lang="en-GB" sz="1800" u="none" strike="noStrike">
-                          <a:effectLst/>
+                    </a:p>
+                  </a:txBody>
+                  <a:tcPr marL="9525" marR="9525" marT="9525" marB="0" anchor="b"/>
+                </a:tc>
+                <a:tc>
+                  <a:txBody>
+                    <a:bodyPr/>
+                    <a:lstStyle/>
+                    <a:p>
+                      <a:pPr algn="ctr" fontAlgn="ctr"/>
+                      <a:r>
+                        <a:rPr lang="en-GB" sz="1800" b="0" i="0" u="none" strike="noStrike">
+                          <a:solidFill>
+                            <a:srgbClr val="000000"/>
+                          </a:solidFill>
+                          <a:effectLst/>
+                          <a:latin typeface="Calibri" panose="020F0502020204030204" pitchFamily="34" charset="0"/>
                         </a:rPr>
                         <a:t>Berhasil</a:t>
                       </a:r>
-                      <a:endParaRPr lang="en-GB" sz="1800" b="0" i="0" u="none" strike="noStrike">
-                        <a:solidFill>
-                          <a:srgbClr val="000000"/>
-                        </a:solidFill>
-                        <a:effectLst/>
-                        <a:latin typeface="Calibri" panose="020F0502020204030204" pitchFamily="34" charset="0"/>
-                      </a:endParaRPr>
                     </a:p>
                   </a:txBody>
                   <a:tcPr marL="9525" marR="9525" marT="9525" marB="0" anchor="ctr"/>
@@ -5847,135 +5987,117 @@
                     <a:bodyPr/>
                     <a:lstStyle/>
                     <a:p>
+                      <a:pPr algn="ctr" fontAlgn="ctr"/>
+                      <a:r>
+                        <a:rPr lang="en-GB" sz="1800" b="0" i="0" u="none" strike="noStrike">
+                          <a:solidFill>
+                            <a:srgbClr val="000000"/>
+                          </a:solidFill>
+                          <a:effectLst/>
+                          <a:latin typeface="Calibri" panose="020F0502020204030204" pitchFamily="34" charset="0"/>
+                        </a:rPr>
+                        <a:t> </a:t>
+                      </a:r>
+                    </a:p>
+                  </a:txBody>
+                  <a:tcPr marL="9525" marR="9525" marT="9525" marB="0" anchor="ctr"/>
+                </a:tc>
+                <a:tc>
+                  <a:txBody>
+                    <a:bodyPr/>
+                    <a:lstStyle/>
+                    <a:p>
+                      <a:pPr algn="ctr" fontAlgn="ctr"/>
+                      <a:r>
+                        <a:rPr lang="en-GB" sz="1800" b="0" i="0" u="none" strike="noStrike">
+                          <a:solidFill>
+                            <a:srgbClr val="000000"/>
+                          </a:solidFill>
+                          <a:effectLst/>
+                          <a:latin typeface="Calibri" panose="020F0502020204030204" pitchFamily="34" charset="0"/>
+                        </a:rPr>
+                        <a:t>786</a:t>
+                      </a:r>
+                    </a:p>
+                  </a:txBody>
+                  <a:tcPr marL="9525" marR="9525" marT="9525" marB="0" anchor="ctr"/>
+                </a:tc>
+                <a:tc>
+                  <a:txBody>
+                    <a:bodyPr/>
+                    <a:lstStyle/>
+                    <a:p>
+                      <a:pPr algn="ctr" fontAlgn="ctr"/>
+                      <a:r>
+                        <a:rPr lang="en-GB" sz="1800" b="0" i="0" u="none" strike="noStrike">
+                          <a:solidFill>
+                            <a:srgbClr val="000000"/>
+                          </a:solidFill>
+                          <a:effectLst/>
+                          <a:latin typeface="Calibri" panose="020F0502020204030204" pitchFamily="34" charset="0"/>
+                        </a:rPr>
+                        <a:t>128 x 128</a:t>
+                      </a:r>
+                    </a:p>
+                  </a:txBody>
+                  <a:tcPr marL="9525" marR="9525" marT="9525" marB="0" anchor="ctr"/>
+                </a:tc>
+                <a:tc>
+                  <a:txBody>
+                    <a:bodyPr/>
+                    <a:lstStyle/>
+                    <a:p>
+                      <a:pPr algn="ctr" fontAlgn="ctr"/>
+                      <a:r>
+                        <a:rPr lang="en-GB" sz="1800" b="0" i="0" u="none" strike="noStrike">
+                          <a:solidFill>
+                            <a:srgbClr val="000000"/>
+                          </a:solidFill>
+                          <a:effectLst/>
+                          <a:latin typeface="Calibri" panose="020F0502020204030204" pitchFamily="34" charset="0"/>
+                        </a:rPr>
+                        <a:t>48</a:t>
+                      </a:r>
+                    </a:p>
+                  </a:txBody>
+                  <a:tcPr marL="9525" marR="9525" marT="9525" marB="0" anchor="ctr"/>
+                </a:tc>
+                <a:tc>
+                  <a:txBody>
+                    <a:bodyPr/>
+                    <a:lstStyle/>
+                    <a:p>
                       <a:pPr algn="ctr" fontAlgn="b"/>
                       <a:r>
-                        <a:rPr lang="en-GB" sz="1800" u="none" strike="noStrike">
-                          <a:effectLst/>
-                        </a:rPr>
-                        <a:t> </a:t>
-                      </a:r>
-                      <a:endParaRPr lang="en-GB" sz="1800" b="0" i="0" u="none" strike="noStrike">
-                        <a:solidFill>
-                          <a:srgbClr val="000000"/>
-                        </a:solidFill>
-                        <a:effectLst/>
-                        <a:latin typeface="Calibri" panose="020F0502020204030204" pitchFamily="34" charset="0"/>
-                      </a:endParaRPr>
-                    </a:p>
-                  </a:txBody>
-                  <a:tcPr marL="9525" marR="9525" marT="9525" marB="0" anchor="ctr"/>
-                </a:tc>
-                <a:tc>
-                  <a:txBody>
-                    <a:bodyPr/>
-                    <a:lstStyle/>
-                    <a:p>
-                      <a:pPr algn="ctr" fontAlgn="b"/>
-                      <a:r>
-                        <a:rPr lang="en-GB" sz="1800" u="none" strike="noStrike">
-                          <a:effectLst/>
-                        </a:rPr>
-                        <a:t>786</a:t>
-                      </a:r>
-                      <a:endParaRPr lang="en-GB" sz="1800" b="0" i="0" u="none" strike="noStrike">
-                        <a:solidFill>
-                          <a:srgbClr val="000000"/>
-                        </a:solidFill>
-                        <a:effectLst/>
-                        <a:latin typeface="Calibri" panose="020F0502020204030204" pitchFamily="34" charset="0"/>
-                      </a:endParaRPr>
-                    </a:p>
-                  </a:txBody>
-                  <a:tcPr marL="9525" marR="9525" marT="9525" marB="0" anchor="ctr"/>
-                </a:tc>
-                <a:tc>
-                  <a:txBody>
-                    <a:bodyPr/>
-                    <a:lstStyle/>
-                    <a:p>
-                      <a:pPr algn="ctr" fontAlgn="b"/>
-                      <a:r>
-                        <a:rPr lang="en-GB" sz="1800" u="none" strike="noStrike">
-                          <a:effectLst/>
-                        </a:rPr>
-                        <a:t>512 x 320</a:t>
-                      </a:r>
-                      <a:endParaRPr lang="en-GB" sz="1800" b="0" i="0" u="none" strike="noStrike">
-                        <a:solidFill>
-                          <a:srgbClr val="000000"/>
-                        </a:solidFill>
-                        <a:effectLst/>
-                        <a:latin typeface="Calibri" panose="020F0502020204030204" pitchFamily="34" charset="0"/>
-                      </a:endParaRPr>
-                    </a:p>
-                  </a:txBody>
-                  <a:tcPr marL="9525" marR="9525" marT="9525" marB="0" anchor="ctr"/>
-                </a:tc>
-                <a:tc>
-                  <a:txBody>
-                    <a:bodyPr/>
-                    <a:lstStyle/>
-                    <a:p>
-                      <a:pPr algn="ctr" fontAlgn="b"/>
-                      <a:r>
-                        <a:rPr lang="en-GB" sz="1800" u="none" strike="noStrike" dirty="0">
-                          <a:effectLst/>
-                        </a:rPr>
-                        <a:t>480</a:t>
-                      </a:r>
-                      <a:endParaRPr lang="en-GB" sz="1800" b="0" i="0" u="none" strike="noStrike" dirty="0">
-                        <a:solidFill>
-                          <a:srgbClr val="000000"/>
-                        </a:solidFill>
-                        <a:effectLst/>
-                        <a:latin typeface="Calibri" panose="020F0502020204030204" pitchFamily="34" charset="0"/>
-                      </a:endParaRPr>
-                    </a:p>
-                  </a:txBody>
-                  <a:tcPr marL="9525" marR="9525" marT="9525" marB="0" anchor="ctr"/>
-                </a:tc>
-                <a:tc>
-                  <a:txBody>
-                    <a:bodyPr/>
-                    <a:lstStyle/>
-                    <a:p>
-                      <a:pPr algn="ctr" fontAlgn="b"/>
-                      <a:r>
-                        <a:rPr lang="en-GB" sz="1800" u="none" strike="noStrike">
-                          <a:effectLst/>
-                        </a:rPr>
-                        <a:t>3.43</a:t>
-                      </a:r>
-                      <a:endParaRPr lang="en-GB" sz="1800" b="0" i="0" u="none" strike="noStrike">
-                        <a:solidFill>
-                          <a:srgbClr val="000000"/>
-                        </a:solidFill>
-                        <a:effectLst/>
-                        <a:latin typeface="Calibri" panose="020F0502020204030204" pitchFamily="34" charset="0"/>
-                      </a:endParaRPr>
-                    </a:p>
-                  </a:txBody>
-                  <a:tcPr marL="9525" marR="9525" marT="9525" marB="0" anchor="ctr"/>
-                </a:tc>
-                <a:tc>
-                  <a:txBody>
-                    <a:bodyPr/>
-                    <a:lstStyle/>
-                    <a:p>
-                      <a:pPr algn="ctr" fontAlgn="b"/>
-                      <a:r>
-                        <a:rPr lang="en-GB" sz="1800" u="none" strike="noStrike">
-                          <a:effectLst/>
+                        <a:rPr lang="en-GB" sz="1800" b="0" i="0" u="none" strike="noStrike">
+                          <a:solidFill>
+                            <a:srgbClr val="000000"/>
+                          </a:solidFill>
+                          <a:effectLst/>
+                          <a:latin typeface="Calibri" panose="020F0502020204030204" pitchFamily="34" charset="0"/>
+                        </a:rPr>
+                        <a:t>3.4</a:t>
+                      </a:r>
+                    </a:p>
+                  </a:txBody>
+                  <a:tcPr marL="9525" marR="9525" marT="9525" marB="0" anchor="b"/>
+                </a:tc>
+                <a:tc>
+                  <a:txBody>
+                    <a:bodyPr/>
+                    <a:lstStyle/>
+                    <a:p>
+                      <a:pPr algn="ctr" fontAlgn="ctr"/>
+                      <a:r>
+                        <a:rPr lang="en-GB" sz="1800" b="0" i="0" u="none" strike="noStrike">
+                          <a:solidFill>
+                            <a:srgbClr val="000000"/>
+                          </a:solidFill>
+                          <a:effectLst/>
+                          <a:latin typeface="Calibri" panose="020F0502020204030204" pitchFamily="34" charset="0"/>
                         </a:rPr>
                         <a:t>Berhasil</a:t>
                       </a:r>
-                      <a:endParaRPr lang="en-GB" sz="1800" b="0" i="0" u="none" strike="noStrike">
-                        <a:solidFill>
-                          <a:srgbClr val="000000"/>
-                        </a:solidFill>
-                        <a:effectLst/>
-                        <a:latin typeface="Calibri" panose="020F0502020204030204" pitchFamily="34" charset="0"/>
-                      </a:endParaRPr>
                     </a:p>
                   </a:txBody>
                   <a:tcPr marL="9525" marR="9525" marT="9525" marB="0" anchor="ctr"/>
@@ -5992,135 +6114,117 @@
                     <a:bodyPr/>
                     <a:lstStyle/>
                     <a:p>
+                      <a:pPr algn="ctr" fontAlgn="ctr"/>
+                      <a:r>
+                        <a:rPr lang="en-GB" sz="1800" b="0" i="0" u="none" strike="noStrike">
+                          <a:solidFill>
+                            <a:srgbClr val="000000"/>
+                          </a:solidFill>
+                          <a:effectLst/>
+                          <a:latin typeface="Calibri" panose="020F0502020204030204" pitchFamily="34" charset="0"/>
+                        </a:rPr>
+                        <a:t> </a:t>
+                      </a:r>
+                    </a:p>
+                  </a:txBody>
+                  <a:tcPr marL="9525" marR="9525" marT="9525" marB="0" anchor="ctr"/>
+                </a:tc>
+                <a:tc>
+                  <a:txBody>
+                    <a:bodyPr/>
+                    <a:lstStyle/>
+                    <a:p>
+                      <a:pPr algn="ctr" fontAlgn="ctr"/>
+                      <a:r>
+                        <a:rPr lang="en-GB" sz="1800" b="0" i="0" u="none" strike="noStrike">
+                          <a:solidFill>
+                            <a:srgbClr val="000000"/>
+                          </a:solidFill>
+                          <a:effectLst/>
+                          <a:latin typeface="Calibri" panose="020F0502020204030204" pitchFamily="34" charset="0"/>
+                        </a:rPr>
+                        <a:t>4415</a:t>
+                      </a:r>
+                    </a:p>
+                  </a:txBody>
+                  <a:tcPr marL="9525" marR="9525" marT="9525" marB="0" anchor="ctr"/>
+                </a:tc>
+                <a:tc>
+                  <a:txBody>
+                    <a:bodyPr/>
+                    <a:lstStyle/>
+                    <a:p>
+                      <a:pPr algn="ctr" fontAlgn="ctr"/>
+                      <a:r>
+                        <a:rPr lang="en-GB" sz="1800" b="0" i="0" u="none" strike="noStrike">
+                          <a:solidFill>
+                            <a:srgbClr val="000000"/>
+                          </a:solidFill>
+                          <a:effectLst/>
+                          <a:latin typeface="Calibri" panose="020F0502020204030204" pitchFamily="34" charset="0"/>
+                        </a:rPr>
+                        <a:t>128 x 128</a:t>
+                      </a:r>
+                    </a:p>
+                  </a:txBody>
+                  <a:tcPr marL="9525" marR="9525" marT="9525" marB="0" anchor="ctr"/>
+                </a:tc>
+                <a:tc>
+                  <a:txBody>
+                    <a:bodyPr/>
+                    <a:lstStyle/>
+                    <a:p>
+                      <a:pPr algn="ctr" fontAlgn="ctr"/>
+                      <a:r>
+                        <a:rPr lang="en-GB" sz="1800" b="0" i="0" u="none" strike="noStrike">
+                          <a:solidFill>
+                            <a:srgbClr val="000000"/>
+                          </a:solidFill>
+                          <a:effectLst/>
+                          <a:latin typeface="Calibri" panose="020F0502020204030204" pitchFamily="34" charset="0"/>
+                        </a:rPr>
+                        <a:t>48</a:t>
+                      </a:r>
+                    </a:p>
+                  </a:txBody>
+                  <a:tcPr marL="9525" marR="9525" marT="9525" marB="0" anchor="ctr"/>
+                </a:tc>
+                <a:tc>
+                  <a:txBody>
+                    <a:bodyPr/>
+                    <a:lstStyle/>
+                    <a:p>
                       <a:pPr algn="ctr" fontAlgn="b"/>
                       <a:r>
-                        <a:rPr lang="en-GB" sz="1800" u="none" strike="noStrike">
-                          <a:effectLst/>
-                        </a:rPr>
-                        <a:t> </a:t>
-                      </a:r>
-                      <a:endParaRPr lang="en-GB" sz="1800" b="0" i="0" u="none" strike="noStrike">
-                        <a:solidFill>
-                          <a:srgbClr val="000000"/>
-                        </a:solidFill>
-                        <a:effectLst/>
-                        <a:latin typeface="Calibri" panose="020F0502020204030204" pitchFamily="34" charset="0"/>
-                      </a:endParaRPr>
-                    </a:p>
-                  </a:txBody>
-                  <a:tcPr marL="9525" marR="9525" marT="9525" marB="0" anchor="ctr"/>
-                </a:tc>
-                <a:tc>
-                  <a:txBody>
-                    <a:bodyPr/>
-                    <a:lstStyle/>
-                    <a:p>
-                      <a:pPr algn="ctr" fontAlgn="b"/>
-                      <a:r>
-                        <a:rPr lang="en-GB" sz="1800" u="none" strike="noStrike">
-                          <a:effectLst/>
-                        </a:rPr>
-                        <a:t>8832</a:t>
-                      </a:r>
-                      <a:endParaRPr lang="en-GB" sz="1800" b="0" i="0" u="none" strike="noStrike">
-                        <a:solidFill>
-                          <a:srgbClr val="000000"/>
-                        </a:solidFill>
-                        <a:effectLst/>
-                        <a:latin typeface="Calibri" panose="020F0502020204030204" pitchFamily="34" charset="0"/>
-                      </a:endParaRPr>
-                    </a:p>
-                  </a:txBody>
-                  <a:tcPr marL="9525" marR="9525" marT="9525" marB="0" anchor="ctr"/>
-                </a:tc>
-                <a:tc>
-                  <a:txBody>
-                    <a:bodyPr/>
-                    <a:lstStyle/>
-                    <a:p>
-                      <a:pPr algn="ctr" fontAlgn="b"/>
-                      <a:r>
-                        <a:rPr lang="en-GB" sz="1800" u="none" strike="noStrike">
-                          <a:effectLst/>
-                        </a:rPr>
-                        <a:t>512 x 320</a:t>
-                      </a:r>
-                      <a:endParaRPr lang="en-GB" sz="1800" b="0" i="0" u="none" strike="noStrike">
-                        <a:solidFill>
-                          <a:srgbClr val="000000"/>
-                        </a:solidFill>
-                        <a:effectLst/>
-                        <a:latin typeface="Calibri" panose="020F0502020204030204" pitchFamily="34" charset="0"/>
-                      </a:endParaRPr>
-                    </a:p>
-                  </a:txBody>
-                  <a:tcPr marL="9525" marR="9525" marT="9525" marB="0" anchor="ctr"/>
-                </a:tc>
-                <a:tc>
-                  <a:txBody>
-                    <a:bodyPr/>
-                    <a:lstStyle/>
-                    <a:p>
-                      <a:pPr algn="ctr" fontAlgn="b"/>
-                      <a:r>
-                        <a:rPr lang="en-GB" sz="1800" u="none" strike="noStrike">
-                          <a:effectLst/>
-                        </a:rPr>
-                        <a:t>480</a:t>
-                      </a:r>
-                      <a:endParaRPr lang="en-GB" sz="1800" b="0" i="0" u="none" strike="noStrike">
-                        <a:solidFill>
-                          <a:srgbClr val="000000"/>
-                        </a:solidFill>
-                        <a:effectLst/>
-                        <a:latin typeface="Calibri" panose="020F0502020204030204" pitchFamily="34" charset="0"/>
-                      </a:endParaRPr>
-                    </a:p>
-                  </a:txBody>
-                  <a:tcPr marL="9525" marR="9525" marT="9525" marB="0" anchor="ctr"/>
-                </a:tc>
-                <a:tc>
-                  <a:txBody>
-                    <a:bodyPr/>
-                    <a:lstStyle/>
-                    <a:p>
-                      <a:pPr algn="ctr" fontAlgn="b"/>
-                      <a:r>
-                        <a:rPr lang="en-GB" sz="1800" u="none" strike="noStrike" dirty="0">
-                          <a:effectLst/>
-                        </a:rPr>
-                        <a:t>141</a:t>
-                      </a:r>
-                      <a:endParaRPr lang="en-GB" sz="1800" b="0" i="0" u="none" strike="noStrike" dirty="0">
-                        <a:solidFill>
-                          <a:srgbClr val="000000"/>
-                        </a:solidFill>
-                        <a:effectLst/>
-                        <a:latin typeface="Calibri" panose="020F0502020204030204" pitchFamily="34" charset="0"/>
-                      </a:endParaRPr>
-                    </a:p>
-                  </a:txBody>
-                  <a:tcPr marL="9525" marR="9525" marT="9525" marB="0" anchor="ctr"/>
-                </a:tc>
-                <a:tc>
-                  <a:txBody>
-                    <a:bodyPr/>
-                    <a:lstStyle/>
-                    <a:p>
-                      <a:pPr algn="ctr" fontAlgn="b"/>
-                      <a:r>
-                        <a:rPr lang="en-GB" sz="1800" u="none" strike="noStrike">
-                          <a:effectLst/>
+                        <a:rPr lang="en-GB" sz="1800" b="0" i="0" u="none" strike="noStrike">
+                          <a:solidFill>
+                            <a:srgbClr val="000000"/>
+                          </a:solidFill>
+                          <a:effectLst/>
+                          <a:latin typeface="Calibri" panose="020F0502020204030204" pitchFamily="34" charset="0"/>
+                        </a:rPr>
+                        <a:t>36</a:t>
+                      </a:r>
+                    </a:p>
+                  </a:txBody>
+                  <a:tcPr marL="9525" marR="9525" marT="9525" marB="0" anchor="b"/>
+                </a:tc>
+                <a:tc>
+                  <a:txBody>
+                    <a:bodyPr/>
+                    <a:lstStyle/>
+                    <a:p>
+                      <a:pPr algn="ctr" fontAlgn="ctr"/>
+                      <a:r>
+                        <a:rPr lang="en-GB" sz="1800" b="0" i="0" u="none" strike="noStrike">
+                          <a:solidFill>
+                            <a:srgbClr val="000000"/>
+                          </a:solidFill>
+                          <a:effectLst/>
+                          <a:latin typeface="Calibri" panose="020F0502020204030204" pitchFamily="34" charset="0"/>
                         </a:rPr>
                         <a:t>Berhasil</a:t>
                       </a:r>
-                      <a:endParaRPr lang="en-GB" sz="1800" b="0" i="0" u="none" strike="noStrike">
-                        <a:solidFill>
-                          <a:srgbClr val="000000"/>
-                        </a:solidFill>
-                        <a:effectLst/>
-                        <a:latin typeface="Calibri" panose="020F0502020204030204" pitchFamily="34" charset="0"/>
-                      </a:endParaRPr>
                     </a:p>
                   </a:txBody>
                   <a:tcPr marL="9525" marR="9525" marT="9525" marB="0" anchor="ctr"/>
@@ -6137,135 +6241,117 @@
                     <a:bodyPr/>
                     <a:lstStyle/>
                     <a:p>
-                      <a:pPr algn="ctr" fontAlgn="b"/>
-                      <a:r>
-                        <a:rPr lang="en-GB" sz="1800" u="none" strike="noStrike">
-                          <a:effectLst/>
-                        </a:rPr>
-                        <a:t>candy</a:t>
-                      </a:r>
-                      <a:endParaRPr lang="en-GB" sz="1800" b="0" i="0" u="none" strike="noStrike">
-                        <a:solidFill>
-                          <a:srgbClr val="000000"/>
-                        </a:solidFill>
-                        <a:effectLst/>
-                        <a:latin typeface="Calibri" panose="020F0502020204030204" pitchFamily="34" charset="0"/>
-                      </a:endParaRPr>
-                    </a:p>
-                  </a:txBody>
-                  <a:tcPr marL="9525" marR="9525" marT="9525" marB="0" anchor="ctr"/>
-                </a:tc>
-                <a:tc>
-                  <a:txBody>
-                    <a:bodyPr/>
-                    <a:lstStyle/>
-                    <a:p>
-                      <a:pPr algn="ctr" fontAlgn="b"/>
-                      <a:r>
-                        <a:rPr lang="en-GB" sz="1800" u="none" strike="noStrike">
-                          <a:effectLst/>
+                      <a:pPr algn="ctr" fontAlgn="ctr"/>
+                      <a:r>
+                        <a:rPr lang="en-GB" sz="1800" b="0" i="0" u="none" strike="noStrike">
+                          <a:solidFill>
+                            <a:srgbClr val="000000"/>
+                          </a:solidFill>
+                          <a:effectLst/>
+                          <a:latin typeface="Calibri" panose="020F0502020204030204" pitchFamily="34" charset="0"/>
+                        </a:rPr>
+                        <a:t>amelia</a:t>
+                      </a:r>
+                    </a:p>
+                  </a:txBody>
+                  <a:tcPr marL="9525" marR="9525" marT="9525" marB="0" anchor="ctr"/>
+                </a:tc>
+                <a:tc>
+                  <a:txBody>
+                    <a:bodyPr/>
+                    <a:lstStyle/>
+                    <a:p>
+                      <a:pPr algn="ctr" fontAlgn="ctr"/>
+                      <a:r>
+                        <a:rPr lang="en-GB" sz="1800" b="0" i="0" u="none" strike="noStrike">
+                          <a:solidFill>
+                            <a:srgbClr val="000000"/>
+                          </a:solidFill>
+                          <a:effectLst/>
+                          <a:latin typeface="Calibri" panose="020F0502020204030204" pitchFamily="34" charset="0"/>
                         </a:rPr>
                         <a:t>114</a:t>
                       </a:r>
-                      <a:endParaRPr lang="en-GB" sz="1800" b="0" i="0" u="none" strike="noStrike">
-                        <a:solidFill>
-                          <a:srgbClr val="000000"/>
-                        </a:solidFill>
-                        <a:effectLst/>
-                        <a:latin typeface="Calibri" panose="020F0502020204030204" pitchFamily="34" charset="0"/>
-                      </a:endParaRPr>
-                    </a:p>
-                  </a:txBody>
-                  <a:tcPr marL="9525" marR="9525" marT="9525" marB="0" anchor="ctr"/>
-                </a:tc>
-                <a:tc>
-                  <a:txBody>
-                    <a:bodyPr/>
-                    <a:lstStyle/>
-                    <a:p>
-                      <a:pPr algn="ctr" fontAlgn="b"/>
-                      <a:r>
-                        <a:rPr lang="en-GB" sz="1800" u="none" strike="noStrike">
-                          <a:effectLst/>
-                        </a:rPr>
-                        <a:t>1256 x 785</a:t>
-                      </a:r>
-                      <a:endParaRPr lang="en-GB" sz="1800" b="0" i="0" u="none" strike="noStrike">
-                        <a:solidFill>
-                          <a:srgbClr val="000000"/>
-                        </a:solidFill>
-                        <a:effectLst/>
-                        <a:latin typeface="Calibri" panose="020F0502020204030204" pitchFamily="34" charset="0"/>
-                      </a:endParaRPr>
-                    </a:p>
-                  </a:txBody>
-                  <a:tcPr marL="9525" marR="9525" marT="9525" marB="0" anchor="ctr"/>
-                </a:tc>
-                <a:tc>
-                  <a:txBody>
-                    <a:bodyPr/>
-                    <a:lstStyle/>
-                    <a:p>
-                      <a:pPr algn="ctr" fontAlgn="b"/>
-                      <a:r>
-                        <a:rPr lang="en-GB" sz="1800" u="none" strike="noStrike">
-                          <a:effectLst/>
-                        </a:rPr>
-                        <a:t>2820</a:t>
-                      </a:r>
-                      <a:endParaRPr lang="en-GB" sz="1800" b="0" i="0" u="none" strike="noStrike">
-                        <a:solidFill>
-                          <a:srgbClr val="000000"/>
-                        </a:solidFill>
-                        <a:effectLst/>
-                        <a:latin typeface="Calibri" panose="020F0502020204030204" pitchFamily="34" charset="0"/>
-                      </a:endParaRPr>
-                    </a:p>
-                  </a:txBody>
-                  <a:tcPr marL="9525" marR="9525" marT="9525" marB="0" anchor="ctr"/>
-                </a:tc>
-                <a:tc>
-                  <a:txBody>
-                    <a:bodyPr/>
-                    <a:lstStyle/>
-                    <a:p>
-                      <a:pPr algn="ctr" fontAlgn="b"/>
-                      <a:r>
-                        <a:rPr lang="en-GB" sz="1800" u="none" strike="noStrike" dirty="0">
-                          <a:effectLst/>
-                        </a:rPr>
-                        <a:t>1</a:t>
-                      </a:r>
-                      <a:endParaRPr lang="en-GB" sz="1800" b="0" i="0" u="none" strike="noStrike" dirty="0">
-                        <a:solidFill>
-                          <a:srgbClr val="000000"/>
-                        </a:solidFill>
-                        <a:effectLst/>
-                        <a:latin typeface="Calibri" panose="020F0502020204030204" pitchFamily="34" charset="0"/>
-                      </a:endParaRPr>
-                    </a:p>
-                  </a:txBody>
-                  <a:tcPr marL="9525" marR="9525" marT="9525" marB="0" anchor="ctr"/>
-                </a:tc>
-                <a:tc>
-                  <a:txBody>
-                    <a:bodyPr/>
-                    <a:lstStyle/>
-                    <a:p>
-                      <a:pPr algn="ctr" fontAlgn="b"/>
-                      <a:r>
-                        <a:rPr lang="en-GB" sz="1800" u="none" strike="noStrike">
-                          <a:effectLst/>
+                    </a:p>
+                  </a:txBody>
+                  <a:tcPr marL="9525" marR="9525" marT="9525" marB="0" anchor="ctr"/>
+                </a:tc>
+                <a:tc>
+                  <a:txBody>
+                    <a:bodyPr/>
+                    <a:lstStyle/>
+                    <a:p>
+                      <a:pPr algn="ctr" fontAlgn="ctr"/>
+                      <a:r>
+                        <a:rPr lang="en-GB" sz="1800" b="0" i="0" u="none" strike="noStrike">
+                          <a:solidFill>
+                            <a:srgbClr val="000000"/>
+                          </a:solidFill>
+                          <a:effectLst/>
+                          <a:latin typeface="Calibri" panose="020F0502020204030204" pitchFamily="34" charset="0"/>
+                        </a:rPr>
+                        <a:t>1576 x 2364</a:t>
+                      </a:r>
+                    </a:p>
+                  </a:txBody>
+                  <a:tcPr marL="9525" marR="9525" marT="9525" marB="0" anchor="ctr"/>
+                </a:tc>
+                <a:tc>
+                  <a:txBody>
+                    <a:bodyPr/>
+                    <a:lstStyle/>
+                    <a:p>
+                      <a:pPr algn="ctr" fontAlgn="ctr"/>
+                      <a:r>
+                        <a:rPr lang="en-GB" sz="1800" b="0" i="0" u="none" strike="noStrike">
+                          <a:solidFill>
+                            <a:srgbClr val="000000"/>
+                          </a:solidFill>
+                          <a:effectLst/>
+                          <a:latin typeface="Calibri" panose="020F0502020204030204" pitchFamily="34" charset="0"/>
+                        </a:rPr>
+                        <a:t>2700</a:t>
+                      </a:r>
+                    </a:p>
+                  </a:txBody>
+                  <a:tcPr marL="9525" marR="9525" marT="9525" marB="0" anchor="ctr"/>
+                </a:tc>
+                <a:tc>
+                  <a:txBody>
+                    <a:bodyPr/>
+                    <a:lstStyle/>
+                    <a:p>
+                      <a:pPr algn="ctr" fontAlgn="ctr"/>
+                      <a:r>
+                        <a:rPr lang="en-GB" sz="1800" b="0" i="0" u="none" strike="noStrike">
+                          <a:solidFill>
+                            <a:srgbClr val="000000"/>
+                          </a:solidFill>
+                          <a:effectLst/>
+                          <a:latin typeface="Calibri" panose="020F0502020204030204" pitchFamily="34" charset="0"/>
+                        </a:rPr>
+                        <a:t>1.3</a:t>
+                      </a:r>
+                    </a:p>
+                  </a:txBody>
+                  <a:tcPr marL="9525" marR="9525" marT="9525" marB="0" anchor="ctr"/>
+                </a:tc>
+                <a:tc>
+                  <a:txBody>
+                    <a:bodyPr/>
+                    <a:lstStyle/>
+                    <a:p>
+                      <a:pPr algn="ctr" fontAlgn="ctr"/>
+                      <a:r>
+                        <a:rPr lang="en-GB" sz="1800" b="0" i="0" u="none" strike="noStrike">
+                          <a:solidFill>
+                            <a:srgbClr val="000000"/>
+                          </a:solidFill>
+                          <a:effectLst/>
+                          <a:latin typeface="Calibri" panose="020F0502020204030204" pitchFamily="34" charset="0"/>
                         </a:rPr>
                         <a:t>Berhasil</a:t>
                       </a:r>
-                      <a:endParaRPr lang="en-GB" sz="1800" b="0" i="0" u="none" strike="noStrike">
-                        <a:solidFill>
-                          <a:srgbClr val="000000"/>
-                        </a:solidFill>
-                        <a:effectLst/>
-                        <a:latin typeface="Calibri" panose="020F0502020204030204" pitchFamily="34" charset="0"/>
-                      </a:endParaRPr>
                     </a:p>
                   </a:txBody>
                   <a:tcPr marL="9525" marR="9525" marT="9525" marB="0" anchor="ctr"/>
@@ -6282,135 +6368,117 @@
                     <a:bodyPr/>
                     <a:lstStyle/>
                     <a:p>
-                      <a:pPr algn="ctr" fontAlgn="b"/>
-                      <a:r>
-                        <a:rPr lang="en-GB" sz="1800" u="none" strike="noStrike">
-                          <a:effectLst/>
+                      <a:pPr algn="ctr" fontAlgn="ctr"/>
+                      <a:r>
+                        <a:rPr lang="en-GB" sz="1800" b="0" i="0" u="none" strike="noStrike">
+                          <a:solidFill>
+                            <a:srgbClr val="000000"/>
+                          </a:solidFill>
+                          <a:effectLst/>
+                          <a:latin typeface="Calibri" panose="020F0502020204030204" pitchFamily="34" charset="0"/>
                         </a:rPr>
                         <a:t> </a:t>
                       </a:r>
-                      <a:endParaRPr lang="en-GB" sz="1800" b="0" i="0" u="none" strike="noStrike">
-                        <a:solidFill>
-                          <a:srgbClr val="000000"/>
-                        </a:solidFill>
-                        <a:effectLst/>
-                        <a:latin typeface="Calibri" panose="020F0502020204030204" pitchFamily="34" charset="0"/>
-                      </a:endParaRPr>
-                    </a:p>
-                  </a:txBody>
-                  <a:tcPr marL="9525" marR="9525" marT="9525" marB="0" anchor="ctr"/>
-                </a:tc>
-                <a:tc>
-                  <a:txBody>
-                    <a:bodyPr/>
-                    <a:lstStyle/>
-                    <a:p>
-                      <a:pPr algn="ctr" fontAlgn="b"/>
-                      <a:r>
-                        <a:rPr lang="en-GB" sz="1800" u="none" strike="noStrike">
-                          <a:effectLst/>
+                    </a:p>
+                  </a:txBody>
+                  <a:tcPr marL="9525" marR="9525" marT="9525" marB="0" anchor="ctr"/>
+                </a:tc>
+                <a:tc>
+                  <a:txBody>
+                    <a:bodyPr/>
+                    <a:lstStyle/>
+                    <a:p>
+                      <a:pPr algn="ctr" fontAlgn="ctr"/>
+                      <a:r>
+                        <a:rPr lang="en-GB" sz="1800" b="0" i="0" u="none" strike="noStrike">
+                          <a:solidFill>
+                            <a:srgbClr val="000000"/>
+                          </a:solidFill>
+                          <a:effectLst/>
+                          <a:latin typeface="Calibri" panose="020F0502020204030204" pitchFamily="34" charset="0"/>
                         </a:rPr>
                         <a:t>786</a:t>
                       </a:r>
-                      <a:endParaRPr lang="en-GB" sz="1800" b="0" i="0" u="none" strike="noStrike">
-                        <a:solidFill>
-                          <a:srgbClr val="000000"/>
-                        </a:solidFill>
-                        <a:effectLst/>
-                        <a:latin typeface="Calibri" panose="020F0502020204030204" pitchFamily="34" charset="0"/>
-                      </a:endParaRPr>
-                    </a:p>
-                  </a:txBody>
-                  <a:tcPr marL="9525" marR="9525" marT="9525" marB="0" anchor="ctr"/>
-                </a:tc>
-                <a:tc>
-                  <a:txBody>
-                    <a:bodyPr/>
-                    <a:lstStyle/>
-                    <a:p>
-                      <a:pPr algn="ctr" fontAlgn="b"/>
-                      <a:r>
-                        <a:rPr lang="en-GB" sz="1800" u="none" strike="noStrike">
-                          <a:effectLst/>
-                        </a:rPr>
-                        <a:t>1256 x 785</a:t>
-                      </a:r>
-                      <a:endParaRPr lang="en-GB" sz="1800" b="0" i="0" u="none" strike="noStrike">
-                        <a:solidFill>
-                          <a:srgbClr val="000000"/>
-                        </a:solidFill>
-                        <a:effectLst/>
-                        <a:latin typeface="Calibri" panose="020F0502020204030204" pitchFamily="34" charset="0"/>
-                      </a:endParaRPr>
-                    </a:p>
-                  </a:txBody>
-                  <a:tcPr marL="9525" marR="9525" marT="9525" marB="0" anchor="ctr"/>
-                </a:tc>
-                <a:tc>
-                  <a:txBody>
-                    <a:bodyPr/>
-                    <a:lstStyle/>
-                    <a:p>
-                      <a:pPr algn="ctr" fontAlgn="b"/>
-                      <a:r>
-                        <a:rPr lang="en-GB" sz="1800" u="none" strike="noStrike">
-                          <a:effectLst/>
-                        </a:rPr>
-                        <a:t>2820</a:t>
-                      </a:r>
-                      <a:endParaRPr lang="en-GB" sz="1800" b="0" i="0" u="none" strike="noStrike">
-                        <a:solidFill>
-                          <a:srgbClr val="000000"/>
-                        </a:solidFill>
-                        <a:effectLst/>
-                        <a:latin typeface="Calibri" panose="020F0502020204030204" pitchFamily="34" charset="0"/>
-                      </a:endParaRPr>
-                    </a:p>
-                  </a:txBody>
-                  <a:tcPr marL="9525" marR="9525" marT="9525" marB="0" anchor="ctr"/>
-                </a:tc>
-                <a:tc>
-                  <a:txBody>
-                    <a:bodyPr/>
-                    <a:lstStyle/>
-                    <a:p>
-                      <a:pPr algn="ctr" fontAlgn="b"/>
-                      <a:r>
-                        <a:rPr lang="en-GB" sz="1800" u="none" strike="noStrike">
-                          <a:effectLst/>
-                        </a:rPr>
-                        <a:t>3.63</a:t>
-                      </a:r>
-                      <a:endParaRPr lang="en-GB" sz="1800" b="0" i="0" u="none" strike="noStrike">
-                        <a:solidFill>
-                          <a:srgbClr val="000000"/>
-                        </a:solidFill>
-                        <a:effectLst/>
-                        <a:latin typeface="Calibri" panose="020F0502020204030204" pitchFamily="34" charset="0"/>
-                      </a:endParaRPr>
-                    </a:p>
-                  </a:txBody>
-                  <a:tcPr marL="9525" marR="9525" marT="9525" marB="0" anchor="ctr"/>
-                </a:tc>
-                <a:tc>
-                  <a:txBody>
-                    <a:bodyPr/>
-                    <a:lstStyle/>
-                    <a:p>
-                      <a:pPr algn="ctr" fontAlgn="b"/>
-                      <a:r>
-                        <a:rPr lang="en-GB" sz="1800" u="none" strike="noStrike" dirty="0" err="1">
-                          <a:effectLst/>
+                    </a:p>
+                  </a:txBody>
+                  <a:tcPr marL="9525" marR="9525" marT="9525" marB="0" anchor="ctr"/>
+                </a:tc>
+                <a:tc>
+                  <a:txBody>
+                    <a:bodyPr/>
+                    <a:lstStyle/>
+                    <a:p>
+                      <a:pPr algn="ctr" fontAlgn="ctr"/>
+                      <a:r>
+                        <a:rPr lang="en-GB" sz="1800" b="0" i="0" u="none" strike="noStrike">
+                          <a:solidFill>
+                            <a:srgbClr val="000000"/>
+                          </a:solidFill>
+                          <a:effectLst/>
+                          <a:latin typeface="Calibri" panose="020F0502020204030204" pitchFamily="34" charset="0"/>
+                        </a:rPr>
+                        <a:t>1576 x 2364</a:t>
+                      </a:r>
+                    </a:p>
+                  </a:txBody>
+                  <a:tcPr marL="9525" marR="9525" marT="9525" marB="0" anchor="ctr"/>
+                </a:tc>
+                <a:tc>
+                  <a:txBody>
+                    <a:bodyPr/>
+                    <a:lstStyle/>
+                    <a:p>
+                      <a:pPr algn="ctr" fontAlgn="ctr"/>
+                      <a:r>
+                        <a:rPr lang="en-GB" sz="1800" b="0" i="0" u="none" strike="noStrike">
+                          <a:solidFill>
+                            <a:srgbClr val="000000"/>
+                          </a:solidFill>
+                          <a:effectLst/>
+                          <a:latin typeface="Calibri" panose="020F0502020204030204" pitchFamily="34" charset="0"/>
+                        </a:rPr>
+                        <a:t>2700</a:t>
+                      </a:r>
+                    </a:p>
+                  </a:txBody>
+                  <a:tcPr marL="9525" marR="9525" marT="9525" marB="0" anchor="ctr"/>
+                </a:tc>
+                <a:tc>
+                  <a:txBody>
+                    <a:bodyPr/>
+                    <a:lstStyle/>
+                    <a:p>
+                      <a:pPr algn="ctr" fontAlgn="ctr"/>
+                      <a:r>
+                        <a:rPr lang="en-GB" sz="1800" b="0" i="0" u="none" strike="noStrike">
+                          <a:solidFill>
+                            <a:srgbClr val="000000"/>
+                          </a:solidFill>
+                          <a:effectLst/>
+                          <a:latin typeface="Calibri" panose="020F0502020204030204" pitchFamily="34" charset="0"/>
+                        </a:rPr>
+                        <a:t>3.76</a:t>
+                      </a:r>
+                    </a:p>
+                  </a:txBody>
+                  <a:tcPr marL="9525" marR="9525" marT="9525" marB="0" anchor="ctr"/>
+                </a:tc>
+                <a:tc>
+                  <a:txBody>
+                    <a:bodyPr/>
+                    <a:lstStyle/>
+                    <a:p>
+                      <a:pPr algn="ctr" fontAlgn="ctr"/>
+                      <a:r>
+                        <a:rPr lang="en-GB" sz="1800" b="0" i="0" u="none" strike="noStrike">
+                          <a:solidFill>
+                            <a:srgbClr val="000000"/>
+                          </a:solidFill>
+                          <a:effectLst/>
+                          <a:latin typeface="Calibri" panose="020F0502020204030204" pitchFamily="34" charset="0"/>
                         </a:rPr>
                         <a:t>Berhasil</a:t>
                       </a:r>
-                      <a:endParaRPr lang="en-GB" sz="1800" b="0" i="0" u="none" strike="noStrike" dirty="0">
-                        <a:solidFill>
-                          <a:srgbClr val="000000"/>
-                        </a:solidFill>
-                        <a:effectLst/>
-                        <a:latin typeface="Calibri" panose="020F0502020204030204" pitchFamily="34" charset="0"/>
-                      </a:endParaRPr>
                     </a:p>
                   </a:txBody>
                   <a:tcPr marL="9525" marR="9525" marT="9525" marB="0" anchor="ctr"/>
@@ -6427,125 +6495,114 @@
                     <a:bodyPr/>
                     <a:lstStyle/>
                     <a:p>
-                      <a:pPr algn="ctr" fontAlgn="b"/>
-                      <a:r>
-                        <a:rPr lang="en-GB" sz="1800" u="none" strike="noStrike" dirty="0">
-                          <a:effectLst/>
+                      <a:pPr algn="ctr" fontAlgn="ctr"/>
+                      <a:r>
+                        <a:rPr lang="en-GB" sz="1800" b="0" i="0" u="none" strike="noStrike">
+                          <a:solidFill>
+                            <a:srgbClr val="000000"/>
+                          </a:solidFill>
+                          <a:effectLst/>
+                          <a:latin typeface="Calibri" panose="020F0502020204030204" pitchFamily="34" charset="0"/>
                         </a:rPr>
                         <a:t> </a:t>
                       </a:r>
-                      <a:endParaRPr lang="en-GB" sz="1800" b="0" i="0" u="none" strike="noStrike" dirty="0">
-                        <a:solidFill>
-                          <a:srgbClr val="000000"/>
-                        </a:solidFill>
-                        <a:effectLst/>
-                        <a:latin typeface="Calibri" panose="020F0502020204030204" pitchFamily="34" charset="0"/>
-                      </a:endParaRPr>
-                    </a:p>
-                  </a:txBody>
-                  <a:tcPr marL="9525" marR="9525" marT="9525" marB="0" anchor="ctr"/>
-                </a:tc>
-                <a:tc>
-                  <a:txBody>
-                    <a:bodyPr/>
-                    <a:lstStyle/>
-                    <a:p>
-                      <a:pPr algn="ctr" fontAlgn="b"/>
-                      <a:r>
-                        <a:rPr lang="en-GB" sz="1800" u="none" strike="noStrike">
-                          <a:effectLst/>
-                        </a:rPr>
-                        <a:t>13249</a:t>
-                      </a:r>
-                      <a:endParaRPr lang="en-GB" sz="1800" b="0" i="0" u="none" strike="noStrike">
-                        <a:solidFill>
-                          <a:srgbClr val="000000"/>
-                        </a:solidFill>
-                        <a:effectLst/>
-                        <a:latin typeface="Calibri" panose="020F0502020204030204" pitchFamily="34" charset="0"/>
-                      </a:endParaRPr>
-                    </a:p>
-                  </a:txBody>
-                  <a:tcPr marL="9525" marR="9525" marT="9525" marB="0" anchor="ctr"/>
-                </a:tc>
-                <a:tc>
-                  <a:txBody>
-                    <a:bodyPr/>
-                    <a:lstStyle/>
-                    <a:p>
-                      <a:pPr algn="ctr" fontAlgn="b"/>
-                      <a:r>
-                        <a:rPr lang="en-GB" sz="1800" u="none" strike="noStrike">
-                          <a:effectLst/>
-                        </a:rPr>
-                        <a:t>1256 x 785</a:t>
-                      </a:r>
-                      <a:endParaRPr lang="en-GB" sz="1800" b="0" i="0" u="none" strike="noStrike">
-                        <a:solidFill>
-                          <a:srgbClr val="000000"/>
-                        </a:solidFill>
-                        <a:effectLst/>
-                        <a:latin typeface="Calibri" panose="020F0502020204030204" pitchFamily="34" charset="0"/>
-                      </a:endParaRPr>
-                    </a:p>
-                  </a:txBody>
-                  <a:tcPr marL="9525" marR="9525" marT="9525" marB="0" anchor="ctr"/>
-                </a:tc>
-                <a:tc>
-                  <a:txBody>
-                    <a:bodyPr/>
-                    <a:lstStyle/>
-                    <a:p>
-                      <a:pPr algn="ctr" fontAlgn="b"/>
-                      <a:r>
-                        <a:rPr lang="en-GB" sz="1800" u="none" strike="noStrike">
-                          <a:effectLst/>
-                        </a:rPr>
-                        <a:t>2820</a:t>
-                      </a:r>
-                      <a:endParaRPr lang="en-GB" sz="1800" b="0" i="0" u="none" strike="noStrike">
-                        <a:solidFill>
-                          <a:srgbClr val="000000"/>
-                        </a:solidFill>
-                        <a:effectLst/>
-                        <a:latin typeface="Calibri" panose="020F0502020204030204" pitchFamily="34" charset="0"/>
-                      </a:endParaRPr>
-                    </a:p>
-                  </a:txBody>
-                  <a:tcPr marL="9525" marR="9525" marT="9525" marB="0" anchor="ctr"/>
-                </a:tc>
-                <a:tc>
-                  <a:txBody>
-                    <a:bodyPr/>
-                    <a:lstStyle/>
-                    <a:p>
-                      <a:pPr algn="ctr" fontAlgn="b"/>
-                      <a:r>
-                        <a:rPr lang="en-GB" sz="1800" u="none" strike="noStrike">
-                          <a:effectLst/>
-                        </a:rPr>
-                        <a:t>325</a:t>
-                      </a:r>
-                      <a:endParaRPr lang="en-GB" sz="1800" b="0" i="0" u="none" strike="noStrike">
-                        <a:solidFill>
-                          <a:srgbClr val="000000"/>
-                        </a:solidFill>
-                        <a:effectLst/>
-                        <a:latin typeface="Calibri" panose="020F0502020204030204" pitchFamily="34" charset="0"/>
-                      </a:endParaRPr>
-                    </a:p>
-                  </a:txBody>
-                  <a:tcPr marL="9525" marR="9525" marT="9525" marB="0" anchor="ctr"/>
-                </a:tc>
-                <a:tc>
-                  <a:txBody>
-                    <a:bodyPr/>
-                    <a:lstStyle/>
-                    <a:p>
-                      <a:pPr algn="ctr" fontAlgn="b"/>
-                      <a:r>
-                        <a:rPr lang="en-GB" sz="1800" u="none" strike="noStrike" dirty="0" err="1">
-                          <a:effectLst/>
+                    </a:p>
+                  </a:txBody>
+                  <a:tcPr marL="9525" marR="9525" marT="9525" marB="0" anchor="ctr"/>
+                </a:tc>
+                <a:tc>
+                  <a:txBody>
+                    <a:bodyPr/>
+                    <a:lstStyle/>
+                    <a:p>
+                      <a:pPr algn="ctr" fontAlgn="ctr"/>
+                      <a:r>
+                        <a:rPr lang="en-GB" sz="1800" b="0" i="0" u="none" strike="noStrike">
+                          <a:solidFill>
+                            <a:srgbClr val="000000"/>
+                          </a:solidFill>
+                          <a:effectLst/>
+                          <a:latin typeface="Calibri" panose="020F0502020204030204" pitchFamily="34" charset="0"/>
+                        </a:rPr>
+                        <a:t>8832</a:t>
+                      </a:r>
+                    </a:p>
+                  </a:txBody>
+                  <a:tcPr marL="9525" marR="9525" marT="9525" marB="0" anchor="ctr"/>
+                </a:tc>
+                <a:tc>
+                  <a:txBody>
+                    <a:bodyPr/>
+                    <a:lstStyle/>
+                    <a:p>
+                      <a:pPr algn="ctr" fontAlgn="ctr"/>
+                      <a:r>
+                        <a:rPr lang="en-GB" sz="1800" b="0" i="0" u="none" strike="noStrike">
+                          <a:solidFill>
+                            <a:srgbClr val="000000"/>
+                          </a:solidFill>
+                          <a:effectLst/>
+                          <a:latin typeface="Calibri" panose="020F0502020204030204" pitchFamily="34" charset="0"/>
+                        </a:rPr>
+                        <a:t>1576 x 2364</a:t>
+                      </a:r>
+                    </a:p>
+                  </a:txBody>
+                  <a:tcPr marL="9525" marR="9525" marT="9525" marB="0" anchor="ctr"/>
+                </a:tc>
+                <a:tc>
+                  <a:txBody>
+                    <a:bodyPr/>
+                    <a:lstStyle/>
+                    <a:p>
+                      <a:pPr algn="ctr" fontAlgn="ctr"/>
+                      <a:r>
+                        <a:rPr lang="en-GB" sz="1800" b="0" i="0" u="none" strike="noStrike">
+                          <a:solidFill>
+                            <a:srgbClr val="000000"/>
+                          </a:solidFill>
+                          <a:effectLst/>
+                          <a:latin typeface="Calibri" panose="020F0502020204030204" pitchFamily="34" charset="0"/>
+                        </a:rPr>
+                        <a:t>2700</a:t>
+                      </a:r>
+                    </a:p>
+                  </a:txBody>
+                  <a:tcPr marL="9525" marR="9525" marT="9525" marB="0" anchor="ctr"/>
+                </a:tc>
+                <a:tc>
+                  <a:txBody>
+                    <a:bodyPr/>
+                    <a:lstStyle/>
+                    <a:p>
+                      <a:pPr algn="ctr" fontAlgn="ctr"/>
+                      <a:r>
+                        <a:rPr lang="en-GB" sz="1800" b="0" i="0" u="none" strike="noStrike">
+                          <a:solidFill>
+                            <a:srgbClr val="000000"/>
+                          </a:solidFill>
+                          <a:effectLst/>
+                          <a:latin typeface="Calibri" panose="020F0502020204030204" pitchFamily="34" charset="0"/>
+                        </a:rPr>
+                        <a:t>144.26</a:t>
+                      </a:r>
+                    </a:p>
+                  </a:txBody>
+                  <a:tcPr marL="9525" marR="9525" marT="9525" marB="0" anchor="ctr"/>
+                </a:tc>
+                <a:tc>
+                  <a:txBody>
+                    <a:bodyPr/>
+                    <a:lstStyle/>
+                    <a:p>
+                      <a:pPr algn="ctr" fontAlgn="ctr"/>
+                      <a:r>
+                        <a:rPr lang="en-GB" sz="1800" b="0" i="0" u="none" strike="noStrike" dirty="0" err="1">
+                          <a:solidFill>
+                            <a:srgbClr val="000000"/>
+                          </a:solidFill>
+                          <a:effectLst/>
+                          <a:latin typeface="Calibri" panose="020F0502020204030204" pitchFamily="34" charset="0"/>
                         </a:rPr>
                         <a:t>Berhasil</a:t>
                       </a:r>
@@ -6615,7 +6672,7 @@
           <p:nvPr>
             <p:extLst>
               <p:ext uri="{D42A27DB-BD31-4B8C-83A1-F6EECF244321}">
-                <p14:modId xmlns:p14="http://schemas.microsoft.com/office/powerpoint/2010/main" val="562470848"/>
+                <p14:modId xmlns:p14="http://schemas.microsoft.com/office/powerpoint/2010/main" val="1000043274"/>
               </p:ext>
             </p:extLst>
           </p:nvPr>
@@ -6825,12 +6882,16 @@
                     <a:bodyPr/>
                     <a:lstStyle/>
                     <a:p>
-                      <a:pPr algn="ctr" fontAlgn="b"/>
-                      <a:r>
-                        <a:rPr lang="en-GB" sz="1800" u="none" strike="noStrike" dirty="0" err="1">
-                          <a:effectLst/>
-                        </a:rPr>
-                        <a:t>lena</a:t>
+                      <a:pPr algn="ctr" fontAlgn="ctr"/>
+                      <a:r>
+                        <a:rPr lang="en-GB" sz="1800" b="0" i="0" u="none" strike="noStrike" dirty="0" err="1">
+                          <a:solidFill>
+                            <a:srgbClr val="000000"/>
+                          </a:solidFill>
+                          <a:effectLst/>
+                          <a:latin typeface="Calibri" panose="020F0502020204030204" pitchFamily="34" charset="0"/>
+                        </a:rPr>
+                        <a:t>lena_gray</a:t>
                       </a:r>
                       <a:endParaRPr lang="en-GB" sz="1800" b="0" i="0" u="none" strike="noStrike" dirty="0">
                         <a:solidFill>
@@ -6848,66 +6909,57 @@
                     <a:bodyPr/>
                     <a:lstStyle/>
                     <a:p>
-                      <a:pPr algn="ctr" fontAlgn="b"/>
-                      <a:r>
-                        <a:rPr lang="en-GB" sz="1800" u="none" strike="noStrike">
-                          <a:effectLst/>
-                        </a:rPr>
-                        <a:t>128 x 128</a:t>
-                      </a:r>
-                      <a:endParaRPr lang="en-GB" sz="1800" b="0" i="0" u="none" strike="noStrike">
-                        <a:solidFill>
-                          <a:srgbClr val="000000"/>
-                        </a:solidFill>
-                        <a:effectLst/>
-                        <a:latin typeface="Calibri" panose="020F0502020204030204" pitchFamily="34" charset="0"/>
-                      </a:endParaRPr>
-                    </a:p>
-                  </a:txBody>
-                  <a:tcPr marL="9525" marR="9525" marT="9525" marB="0" anchor="ctr"/>
-                </a:tc>
-                <a:tc>
-                  <a:txBody>
-                    <a:bodyPr/>
-                    <a:lstStyle/>
-                    <a:p>
-                      <a:pPr algn="ctr" fontAlgn="b"/>
-                      <a:r>
-                        <a:rPr lang="en-GB" sz="1800" u="none" strike="noStrike">
-                          <a:effectLst/>
-                        </a:rPr>
-                        <a:t>48</a:t>
-                      </a:r>
-                      <a:endParaRPr lang="en-GB" sz="1800" b="0" i="0" u="none" strike="noStrike">
-                        <a:solidFill>
-                          <a:srgbClr val="000000"/>
-                        </a:solidFill>
-                        <a:effectLst/>
-                        <a:latin typeface="Calibri" panose="020F0502020204030204" pitchFamily="34" charset="0"/>
-                      </a:endParaRPr>
-                    </a:p>
-                  </a:txBody>
-                  <a:tcPr marL="9525" marR="9525" marT="9525" marB="0" anchor="ctr"/>
-                </a:tc>
-                <a:tc>
-                  <a:txBody>
-                    <a:bodyPr/>
-                    <a:lstStyle/>
-                    <a:p>
-                      <a:pPr algn="ctr" fontAlgn="b"/>
-                      <a:r>
-                        <a:rPr lang="en-GB" sz="1800" u="none" strike="noStrike">
-                          <a:effectLst/>
-                        </a:rPr>
-                        <a:t>6096</a:t>
-                      </a:r>
-                      <a:endParaRPr lang="en-GB" sz="1800" b="0" i="0" u="none" strike="noStrike">
-                        <a:solidFill>
-                          <a:srgbClr val="000000"/>
-                        </a:solidFill>
-                        <a:effectLst/>
-                        <a:latin typeface="Calibri" panose="020F0502020204030204" pitchFamily="34" charset="0"/>
-                      </a:endParaRPr>
+                      <a:pPr algn="ctr" fontAlgn="ctr"/>
+                      <a:r>
+                        <a:rPr lang="en-GB" sz="1800" b="0" i="0" u="none" strike="noStrike">
+                          <a:solidFill>
+                            <a:srgbClr val="000000"/>
+                          </a:solidFill>
+                          <a:effectLst/>
+                          <a:latin typeface="Calibri" panose="020F0502020204030204" pitchFamily="34" charset="0"/>
+                        </a:rPr>
+                        <a:t>512 x 512</a:t>
+                      </a:r>
+                    </a:p>
+                  </a:txBody>
+                  <a:tcPr marL="9525" marR="9525" marT="9525" marB="0" anchor="ctr"/>
+                </a:tc>
+                <a:tc>
+                  <a:txBody>
+                    <a:bodyPr/>
+                    <a:lstStyle/>
+                    <a:p>
+                      <a:pPr algn="ctr" fontAlgn="ctr"/>
+                      <a:r>
+                        <a:rPr lang="en-GB" sz="1800" b="0" i="0" u="none" strike="noStrike">
+                          <a:solidFill>
+                            <a:srgbClr val="000000"/>
+                          </a:solidFill>
+                          <a:effectLst/>
+                          <a:latin typeface="Calibri" panose="020F0502020204030204" pitchFamily="34" charset="0"/>
+                        </a:rPr>
+                        <a:t>257</a:t>
+                      </a:r>
+                    </a:p>
+                  </a:txBody>
+                  <a:tcPr marL="9525" marR="9525" marT="9525" marB="0" anchor="ctr"/>
+                </a:tc>
+                <a:tc>
+                  <a:txBody>
+                    <a:bodyPr/>
+                    <a:lstStyle/>
+                    <a:p>
+                      <a:pPr algn="ctr" fontAlgn="ctr"/>
+                      <a:r>
+                        <a:rPr lang="en-GB" sz="1800" b="0" i="0" u="none" strike="noStrike">
+                          <a:solidFill>
+                            <a:srgbClr val="000000"/>
+                          </a:solidFill>
+                          <a:effectLst/>
+                          <a:latin typeface="Calibri" panose="020F0502020204030204" pitchFamily="34" charset="0"/>
+                        </a:rPr>
+                        <a:t>32704</a:t>
+                      </a:r>
                     </a:p>
                   </a:txBody>
                   <a:tcPr marL="9525" marR="9525" marT="9525" marB="0" anchor="ctr"/>
@@ -6924,89 +6976,77 @@
                     <a:bodyPr/>
                     <a:lstStyle/>
                     <a:p>
-                      <a:pPr algn="ctr" fontAlgn="b"/>
-                      <a:r>
-                        <a:rPr lang="en-GB" sz="1800" u="none" strike="noStrike" dirty="0">
-                          <a:effectLst/>
-                        </a:rPr>
-                        <a:t>flowers</a:t>
-                      </a:r>
-                      <a:endParaRPr lang="en-GB" sz="1800" b="0" i="0" u="none" strike="noStrike" dirty="0">
-                        <a:solidFill>
-                          <a:srgbClr val="000000"/>
-                        </a:solidFill>
-                        <a:effectLst/>
-                        <a:latin typeface="Calibri" panose="020F0502020204030204" pitchFamily="34" charset="0"/>
-                      </a:endParaRPr>
-                    </a:p>
-                  </a:txBody>
-                  <a:tcPr marL="9525" marR="9525" marT="9525" marB="0" anchor="ctr"/>
-                </a:tc>
-                <a:tc>
-                  <a:txBody>
-                    <a:bodyPr/>
-                    <a:lstStyle/>
-                    <a:p>
-                      <a:pPr algn="ctr" fontAlgn="b"/>
-                      <a:r>
-                        <a:rPr lang="en-GB" sz="1800" u="none" strike="noStrike">
-                          <a:effectLst/>
-                        </a:rPr>
-                        <a:t>512 x 320</a:t>
-                      </a:r>
-                      <a:endParaRPr lang="en-GB" sz="1800" b="0" i="0" u="none" strike="noStrike">
-                        <a:solidFill>
-                          <a:srgbClr val="000000"/>
-                        </a:solidFill>
-                        <a:effectLst/>
-                        <a:latin typeface="Calibri" panose="020F0502020204030204" pitchFamily="34" charset="0"/>
-                      </a:endParaRPr>
-                    </a:p>
-                  </a:txBody>
-                  <a:tcPr marL="9525" marR="9525" marT="9525" marB="0" anchor="ctr"/>
-                </a:tc>
-                <a:tc>
-                  <a:txBody>
-                    <a:bodyPr/>
-                    <a:lstStyle/>
-                    <a:p>
-                      <a:pPr algn="ctr" fontAlgn="b"/>
-                      <a:r>
-                        <a:rPr lang="en-GB" sz="1800" u="none" strike="noStrike">
-                          <a:effectLst/>
-                        </a:rPr>
-                        <a:t>480</a:t>
-                      </a:r>
-                      <a:endParaRPr lang="en-GB" sz="1800" b="0" i="0" u="none" strike="noStrike">
-                        <a:solidFill>
-                          <a:srgbClr val="000000"/>
-                        </a:solidFill>
-                        <a:effectLst/>
-                        <a:latin typeface="Calibri" panose="020F0502020204030204" pitchFamily="34" charset="0"/>
-                      </a:endParaRPr>
-                    </a:p>
-                  </a:txBody>
-                  <a:tcPr marL="9525" marR="9525" marT="9525" marB="0" anchor="ctr"/>
-                </a:tc>
-                <a:tc>
-                  <a:txBody>
-                    <a:bodyPr/>
-                    <a:lstStyle/>
-                    <a:p>
-                      <a:pPr algn="ctr" fontAlgn="b"/>
-                      <a:r>
-                        <a:rPr lang="en-GB" sz="1800" u="none" strike="noStrike">
-                          <a:effectLst/>
-                        </a:rPr>
-                        <a:t>61320</a:t>
-                      </a:r>
-                      <a:endParaRPr lang="en-GB" sz="1800" b="0" i="0" u="none" strike="noStrike">
-                        <a:solidFill>
-                          <a:srgbClr val="000000"/>
-                        </a:solidFill>
-                        <a:effectLst/>
-                        <a:latin typeface="Calibri" panose="020F0502020204030204" pitchFamily="34" charset="0"/>
-                      </a:endParaRPr>
+                      <a:pPr algn="ctr" fontAlgn="ctr"/>
+                      <a:r>
+                        <a:rPr lang="en-GB" sz="1800" b="0" i="0" u="none" strike="noStrike">
+                          <a:solidFill>
+                            <a:srgbClr val="000000"/>
+                          </a:solidFill>
+                          <a:effectLst/>
+                          <a:latin typeface="Calibri" panose="020F0502020204030204" pitchFamily="34" charset="0"/>
+                        </a:rPr>
+                        <a:t>lena</a:t>
+                      </a:r>
+                    </a:p>
+                  </a:txBody>
+                  <a:tcPr marL="9525" marR="9525" marT="9525" marB="0" anchor="ctr"/>
+                </a:tc>
+                <a:tc>
+                  <a:txBody>
+                    <a:bodyPr/>
+                    <a:lstStyle/>
+                    <a:p>
+                      <a:pPr algn="ctr" fontAlgn="ctr"/>
+                      <a:r>
+                        <a:rPr lang="en-GB" sz="1800" b="0" i="0" u="none" strike="noStrike">
+                          <a:solidFill>
+                            <a:srgbClr val="000000"/>
+                          </a:solidFill>
+                          <a:effectLst/>
+                          <a:latin typeface="Calibri" panose="020F0502020204030204" pitchFamily="34" charset="0"/>
+                        </a:rPr>
+                        <a:t>128 x 128</a:t>
+                      </a:r>
+                    </a:p>
+                  </a:txBody>
+                  <a:tcPr marL="9525" marR="9525" marT="9525" marB="0" anchor="ctr"/>
+                </a:tc>
+                <a:tc>
+                  <a:txBody>
+                    <a:bodyPr/>
+                    <a:lstStyle/>
+                    <a:p>
+                      <a:pPr algn="ctr" fontAlgn="ctr"/>
+                      <a:r>
+                        <a:rPr lang="en-GB" sz="1800" b="0" i="0" u="none" strike="noStrike">
+                          <a:solidFill>
+                            <a:srgbClr val="000000"/>
+                          </a:solidFill>
+                          <a:effectLst/>
+                          <a:latin typeface="Calibri" panose="020F0502020204030204" pitchFamily="34" charset="0"/>
+                        </a:rPr>
+                        <a:t>48</a:t>
+                      </a:r>
+                    </a:p>
+                  </a:txBody>
+                  <a:tcPr marL="9525" marR="9525" marT="9525" marB="0" anchor="ctr"/>
+                </a:tc>
+                <a:tc>
+                  <a:txBody>
+                    <a:bodyPr/>
+                    <a:lstStyle/>
+                    <a:p>
+                      <a:pPr algn="ctr" fontAlgn="ctr"/>
+                      <a:r>
+                        <a:rPr lang="en-GB" sz="1800" b="0" i="0" u="none" strike="noStrike">
+                          <a:solidFill>
+                            <a:srgbClr val="000000"/>
+                          </a:solidFill>
+                          <a:effectLst/>
+                          <a:latin typeface="Calibri" panose="020F0502020204030204" pitchFamily="34" charset="0"/>
+                        </a:rPr>
+                        <a:t>6096</a:t>
+                      </a:r>
                     </a:p>
                   </a:txBody>
                   <a:tcPr marL="9525" marR="9525" marT="9525" marB="0" anchor="ctr"/>
@@ -7023,89 +7063,77 @@
                     <a:bodyPr/>
                     <a:lstStyle/>
                     <a:p>
-                      <a:pPr algn="ctr" fontAlgn="b"/>
-                      <a:r>
-                        <a:rPr lang="en-GB" sz="1800" u="none" strike="noStrike" dirty="0">
-                          <a:effectLst/>
-                        </a:rPr>
-                        <a:t>candy</a:t>
-                      </a:r>
-                      <a:endParaRPr lang="en-GB" sz="1800" b="0" i="0" u="none" strike="noStrike" dirty="0">
-                        <a:solidFill>
-                          <a:srgbClr val="000000"/>
-                        </a:solidFill>
-                        <a:effectLst/>
-                        <a:latin typeface="Calibri" panose="020F0502020204030204" pitchFamily="34" charset="0"/>
-                      </a:endParaRPr>
-                    </a:p>
-                  </a:txBody>
-                  <a:tcPr marL="9525" marR="9525" marT="9525" marB="0" anchor="ctr"/>
-                </a:tc>
-                <a:tc>
-                  <a:txBody>
-                    <a:bodyPr/>
-                    <a:lstStyle/>
-                    <a:p>
-                      <a:pPr algn="ctr" fontAlgn="b"/>
-                      <a:r>
-                        <a:rPr lang="en-GB" sz="1800" u="none" strike="noStrike">
-                          <a:effectLst/>
-                        </a:rPr>
-                        <a:t>1256 x 785</a:t>
-                      </a:r>
-                      <a:endParaRPr lang="en-GB" sz="1800" b="0" i="0" u="none" strike="noStrike">
-                        <a:solidFill>
-                          <a:srgbClr val="000000"/>
-                        </a:solidFill>
-                        <a:effectLst/>
-                        <a:latin typeface="Calibri" panose="020F0502020204030204" pitchFamily="34" charset="0"/>
-                      </a:endParaRPr>
-                    </a:p>
-                  </a:txBody>
-                  <a:tcPr marL="9525" marR="9525" marT="9525" marB="0" anchor="ctr"/>
-                </a:tc>
-                <a:tc>
-                  <a:txBody>
-                    <a:bodyPr/>
-                    <a:lstStyle/>
-                    <a:p>
-                      <a:pPr algn="ctr" fontAlgn="b"/>
-                      <a:r>
-                        <a:rPr lang="en-GB" sz="1800" u="none" strike="noStrike">
-                          <a:effectLst/>
-                        </a:rPr>
-                        <a:t>2820</a:t>
-                      </a:r>
-                      <a:endParaRPr lang="en-GB" sz="1800" b="0" i="0" u="none" strike="noStrike">
-                        <a:solidFill>
-                          <a:srgbClr val="000000"/>
-                        </a:solidFill>
-                        <a:effectLst/>
-                        <a:latin typeface="Calibri" panose="020F0502020204030204" pitchFamily="34" charset="0"/>
-                      </a:endParaRPr>
-                    </a:p>
-                  </a:txBody>
-                  <a:tcPr marL="9525" marR="9525" marT="9525" marB="0" anchor="ctr"/>
-                </a:tc>
-                <a:tc>
-                  <a:txBody>
-                    <a:bodyPr/>
-                    <a:lstStyle/>
-                    <a:p>
-                      <a:pPr algn="ctr" fontAlgn="b"/>
-                      <a:r>
-                        <a:rPr lang="en-GB" sz="1800" u="none" strike="noStrike" dirty="0">
-                          <a:effectLst/>
-                        </a:rPr>
-                        <a:t>369440</a:t>
-                      </a:r>
-                      <a:endParaRPr lang="en-GB" sz="1800" b="0" i="0" u="none" strike="noStrike" dirty="0">
-                        <a:solidFill>
-                          <a:srgbClr val="000000"/>
-                        </a:solidFill>
-                        <a:effectLst/>
-                        <a:latin typeface="Calibri" panose="020F0502020204030204" pitchFamily="34" charset="0"/>
-                      </a:endParaRPr>
+                      <a:pPr algn="ctr" fontAlgn="ctr"/>
+                      <a:r>
+                        <a:rPr lang="en-GB" sz="1800" b="0" i="0" u="none" strike="noStrike">
+                          <a:solidFill>
+                            <a:srgbClr val="000000"/>
+                          </a:solidFill>
+                          <a:effectLst/>
+                          <a:latin typeface="Calibri" panose="020F0502020204030204" pitchFamily="34" charset="0"/>
+                        </a:rPr>
+                        <a:t>amelia</a:t>
+                      </a:r>
+                    </a:p>
+                  </a:txBody>
+                  <a:tcPr marL="9525" marR="9525" marT="9525" marB="0" anchor="ctr"/>
+                </a:tc>
+                <a:tc>
+                  <a:txBody>
+                    <a:bodyPr/>
+                    <a:lstStyle/>
+                    <a:p>
+                      <a:pPr algn="ctr" fontAlgn="ctr"/>
+                      <a:r>
+                        <a:rPr lang="en-GB" sz="1800" b="0" i="0" u="none" strike="noStrike">
+                          <a:solidFill>
+                            <a:srgbClr val="000000"/>
+                          </a:solidFill>
+                          <a:effectLst/>
+                          <a:latin typeface="Calibri" panose="020F0502020204030204" pitchFamily="34" charset="0"/>
+                        </a:rPr>
+                        <a:t>1576 x 2364</a:t>
+                      </a:r>
+                    </a:p>
+                  </a:txBody>
+                  <a:tcPr marL="9525" marR="9525" marT="9525" marB="0" anchor="ctr"/>
+                </a:tc>
+                <a:tc>
+                  <a:txBody>
+                    <a:bodyPr/>
+                    <a:lstStyle/>
+                    <a:p>
+                      <a:pPr algn="ctr" fontAlgn="ctr"/>
+                      <a:r>
+                        <a:rPr lang="en-GB" sz="1800" b="0" i="0" u="none" strike="noStrike">
+                          <a:solidFill>
+                            <a:srgbClr val="000000"/>
+                          </a:solidFill>
+                          <a:effectLst/>
+                          <a:latin typeface="Calibri" panose="020F0502020204030204" pitchFamily="34" charset="0"/>
+                        </a:rPr>
+                        <a:t>2700</a:t>
+                      </a:r>
+                    </a:p>
+                  </a:txBody>
+                  <a:tcPr marL="9525" marR="9525" marT="9525" marB="0" anchor="ctr"/>
+                </a:tc>
+                <a:tc>
+                  <a:txBody>
+                    <a:bodyPr/>
+                    <a:lstStyle/>
+                    <a:p>
+                      <a:pPr algn="ctr" fontAlgn="ctr"/>
+                      <a:r>
+                        <a:rPr lang="en-GB" sz="1800" b="0" i="0" u="none" strike="noStrike" dirty="0">
+                          <a:solidFill>
+                            <a:srgbClr val="000000"/>
+                          </a:solidFill>
+                          <a:effectLst/>
+                          <a:latin typeface="Calibri" panose="020F0502020204030204" pitchFamily="34" charset="0"/>
+                        </a:rPr>
+                        <a:t>1396237</a:t>
+                      </a:r>
                     </a:p>
                   </a:txBody>
                   <a:tcPr marL="9525" marR="9525" marT="9525" marB="0" anchor="ctr"/>
@@ -7664,110 +7692,489 @@
           <a:chExt cx="0" cy="0"/>
         </a:xfrm>
       </p:grpSpPr>
-      <p:pic>
-        <p:nvPicPr>
-          <p:cNvPr id="5" name="Picture 4">
+      <p:graphicFrame>
+        <p:nvGraphicFramePr>
+          <p:cNvPr id="4" name="Table 3">
             <a:extLst>
               <a:ext uri="{FF2B5EF4-FFF2-40B4-BE49-F238E27FC236}">
-                <a16:creationId xmlns:a16="http://schemas.microsoft.com/office/drawing/2014/main" id="{B59C0D0B-49ED-47A1-943C-133FBE77099E}"/>
+                <a16:creationId xmlns:a16="http://schemas.microsoft.com/office/drawing/2014/main" id="{7C0C810B-C045-4B28-B77B-EFF17A23D151}"/>
               </a:ext>
             </a:extLst>
           </p:cNvPr>
-          <p:cNvPicPr>
-            <a:picLocks noChangeAspect="1"/>
-          </p:cNvPicPr>
-          <p:nvPr/>
-        </p:nvPicPr>
-        <p:blipFill rotWithShape="1">
-          <a:blip r:embed="rId2">
-            <a:extLst>
-              <a:ext uri="{28A0092B-C50C-407E-A947-70E740481C1C}">
-                <a14:useLocalDpi xmlns:a14="http://schemas.microsoft.com/office/drawing/2010/main" val="0"/>
-              </a:ext>
-            </a:extLst>
-          </a:blip>
-          <a:srcRect l="5568" t="15353" r="5456" b="15152"/>
-          <a:stretch/>
-        </p:blipFill>
-        <p:spPr>
-          <a:xfrm>
-            <a:off x="678872" y="1052944"/>
-            <a:ext cx="10848109" cy="4765965"/>
-          </a:xfrm>
-          <a:prstGeom prst="rect">
-            <a:avLst/>
-          </a:prstGeom>
-        </p:spPr>
-      </p:pic>
+          <p:cNvGraphicFramePr>
+            <a:graphicFrameLocks noGrp="1"/>
+          </p:cNvGraphicFramePr>
+          <p:nvPr>
+            <p:extLst>
+              <p:ext uri="{D42A27DB-BD31-4B8C-83A1-F6EECF244321}">
+                <p14:modId xmlns:p14="http://schemas.microsoft.com/office/powerpoint/2010/main" val="2200213104"/>
+              </p:ext>
+            </p:extLst>
+          </p:nvPr>
+        </p:nvGraphicFramePr>
+        <p:xfrm>
+          <a:off x="1596000" y="3003232"/>
+          <a:ext cx="9000000" cy="851535"/>
+        </p:xfrm>
+        <a:graphic>
+          <a:graphicData uri="http://schemas.openxmlformats.org/drawingml/2006/table">
+            <a:tbl>
+              <a:tblPr>
+                <a:tableStyleId>{5940675A-B579-460E-94D1-54222C63F5DA}</a:tableStyleId>
+              </a:tblPr>
+              <a:tblGrid>
+                <a:gridCol w="1800000">
+                  <a:extLst>
+                    <a:ext uri="{9D8B030D-6E8A-4147-A177-3AD203B41FA5}">
+                      <a16:colId xmlns:a16="http://schemas.microsoft.com/office/drawing/2014/main" val="886465423"/>
+                    </a:ext>
+                  </a:extLst>
+                </a:gridCol>
+                <a:gridCol w="1800000">
+                  <a:extLst>
+                    <a:ext uri="{9D8B030D-6E8A-4147-A177-3AD203B41FA5}">
+                      <a16:colId xmlns:a16="http://schemas.microsoft.com/office/drawing/2014/main" val="2259132943"/>
+                    </a:ext>
+                  </a:extLst>
+                </a:gridCol>
+                <a:gridCol w="1800000">
+                  <a:extLst>
+                    <a:ext uri="{9D8B030D-6E8A-4147-A177-3AD203B41FA5}">
+                      <a16:colId xmlns:a16="http://schemas.microsoft.com/office/drawing/2014/main" val="2662845525"/>
+                    </a:ext>
+                  </a:extLst>
+                </a:gridCol>
+                <a:gridCol w="1800000">
+                  <a:extLst>
+                    <a:ext uri="{9D8B030D-6E8A-4147-A177-3AD203B41FA5}">
+                      <a16:colId xmlns:a16="http://schemas.microsoft.com/office/drawing/2014/main" val="3462839078"/>
+                    </a:ext>
+                  </a:extLst>
+                </a:gridCol>
+                <a:gridCol w="1800000">
+                  <a:extLst>
+                    <a:ext uri="{9D8B030D-6E8A-4147-A177-3AD203B41FA5}">
+                      <a16:colId xmlns:a16="http://schemas.microsoft.com/office/drawing/2014/main" val="3931408922"/>
+                    </a:ext>
+                  </a:extLst>
+                </a:gridCol>
+              </a:tblGrid>
+              <a:tr h="190500">
+                <a:tc>
+                  <a:txBody>
+                    <a:bodyPr/>
+                    <a:lstStyle/>
+                    <a:p>
+                      <a:pPr algn="ctr" fontAlgn="ctr"/>
+                      <a:r>
+                        <a:rPr lang="en-GB" sz="1800" u="none" strike="noStrike" dirty="0">
+                          <a:effectLst/>
+                        </a:rPr>
+                        <a:t>Citra</a:t>
+                      </a:r>
+                      <a:endParaRPr lang="en-GB" sz="1800" b="0" i="0" u="none" strike="noStrike" dirty="0">
+                        <a:solidFill>
+                          <a:srgbClr val="000000"/>
+                        </a:solidFill>
+                        <a:effectLst/>
+                        <a:latin typeface="Calibri" panose="020F0502020204030204" pitchFamily="34" charset="0"/>
+                      </a:endParaRPr>
+                    </a:p>
+                  </a:txBody>
+                  <a:tcPr marL="9525" marR="9525" marT="9525" marB="0" anchor="ctr">
+                    <a:solidFill>
+                      <a:schemeClr val="bg2">
+                        <a:lumMod val="75000"/>
+                      </a:schemeClr>
+                    </a:solidFill>
+                  </a:tcPr>
+                </a:tc>
+                <a:tc>
+                  <a:txBody>
+                    <a:bodyPr/>
+                    <a:lstStyle/>
+                    <a:p>
+                      <a:pPr algn="ctr" fontAlgn="ctr"/>
+                      <a:r>
+                        <a:rPr lang="en-GB" sz="1800" u="none" strike="noStrike" dirty="0">
+                          <a:effectLst/>
+                        </a:rPr>
+                        <a:t>Pixel </a:t>
+                      </a:r>
+                      <a:r>
+                        <a:rPr lang="en-GB" sz="1800" u="none" strike="noStrike" dirty="0" err="1">
+                          <a:effectLst/>
+                        </a:rPr>
+                        <a:t>Sebelum</a:t>
+                      </a:r>
+                      <a:endParaRPr lang="en-GB" sz="1800" b="0" i="0" u="none" strike="noStrike" dirty="0">
+                        <a:solidFill>
+                          <a:srgbClr val="000000"/>
+                        </a:solidFill>
+                        <a:effectLst/>
+                        <a:latin typeface="Calibri" panose="020F0502020204030204" pitchFamily="34" charset="0"/>
+                      </a:endParaRPr>
+                    </a:p>
+                  </a:txBody>
+                  <a:tcPr marL="9525" marR="9525" marT="9525" marB="0" anchor="ctr">
+                    <a:solidFill>
+                      <a:schemeClr val="bg2">
+                        <a:lumMod val="75000"/>
+                      </a:schemeClr>
+                    </a:solidFill>
+                  </a:tcPr>
+                </a:tc>
+                <a:tc>
+                  <a:txBody>
+                    <a:bodyPr/>
+                    <a:lstStyle/>
+                    <a:p>
+                      <a:pPr algn="ctr" fontAlgn="ctr"/>
+                      <a:r>
+                        <a:rPr lang="en-GB" sz="1800" u="none" strike="noStrike" dirty="0">
+                          <a:effectLst/>
+                        </a:rPr>
+                        <a:t>Pixel </a:t>
+                      </a:r>
+                      <a:r>
+                        <a:rPr lang="en-GB" sz="1800" u="none" strike="noStrike" dirty="0" err="1">
+                          <a:effectLst/>
+                        </a:rPr>
+                        <a:t>Sesudah</a:t>
+                      </a:r>
+                      <a:endParaRPr lang="en-GB" sz="1800" b="0" i="0" u="none" strike="noStrike" dirty="0">
+                        <a:solidFill>
+                          <a:srgbClr val="000000"/>
+                        </a:solidFill>
+                        <a:effectLst/>
+                        <a:latin typeface="Calibri" panose="020F0502020204030204" pitchFamily="34" charset="0"/>
+                      </a:endParaRPr>
+                    </a:p>
+                  </a:txBody>
+                  <a:tcPr marL="9525" marR="9525" marT="9525" marB="0" anchor="ctr">
+                    <a:solidFill>
+                      <a:schemeClr val="bg2">
+                        <a:lumMod val="75000"/>
+                      </a:schemeClr>
+                    </a:solidFill>
+                  </a:tcPr>
+                </a:tc>
+                <a:tc>
+                  <a:txBody>
+                    <a:bodyPr/>
+                    <a:lstStyle/>
+                    <a:p>
+                      <a:pPr algn="ctr" fontAlgn="ctr"/>
+                      <a:r>
+                        <a:rPr lang="en-GB" sz="1800" u="none" strike="noStrike" dirty="0">
+                          <a:effectLst/>
+                        </a:rPr>
+                        <a:t>Size (KB)</a:t>
+                      </a:r>
+                      <a:endParaRPr lang="en-GB" sz="1800" b="0" i="0" u="none" strike="noStrike" dirty="0">
+                        <a:solidFill>
+                          <a:srgbClr val="000000"/>
+                        </a:solidFill>
+                        <a:effectLst/>
+                        <a:latin typeface="Calibri" panose="020F0502020204030204" pitchFamily="34" charset="0"/>
+                      </a:endParaRPr>
+                    </a:p>
+                  </a:txBody>
+                  <a:tcPr marL="9525" marR="9525" marT="9525" marB="0" anchor="ctr">
+                    <a:solidFill>
+                      <a:schemeClr val="bg2">
+                        <a:lumMod val="75000"/>
+                      </a:schemeClr>
+                    </a:solidFill>
+                  </a:tcPr>
+                </a:tc>
+                <a:tc>
+                  <a:txBody>
+                    <a:bodyPr/>
+                    <a:lstStyle/>
+                    <a:p>
+                      <a:pPr algn="ctr" fontAlgn="ctr"/>
+                      <a:r>
+                        <a:rPr lang="en-GB" sz="1800" u="none" strike="noStrike" dirty="0">
+                          <a:effectLst/>
+                        </a:rPr>
+                        <a:t>Hasil</a:t>
+                      </a:r>
+                      <a:endParaRPr lang="en-GB" sz="1800" b="0" i="0" u="none" strike="noStrike" dirty="0">
+                        <a:solidFill>
+                          <a:srgbClr val="000000"/>
+                        </a:solidFill>
+                        <a:effectLst/>
+                        <a:latin typeface="Calibri" panose="020F0502020204030204" pitchFamily="34" charset="0"/>
+                      </a:endParaRPr>
+                    </a:p>
+                  </a:txBody>
+                  <a:tcPr marL="9525" marR="9525" marT="9525" marB="0" anchor="ctr">
+                    <a:solidFill>
+                      <a:schemeClr val="bg2">
+                        <a:lumMod val="75000"/>
+                      </a:schemeClr>
+                    </a:solidFill>
+                  </a:tcPr>
+                </a:tc>
+                <a:extLst>
+                  <a:ext uri="{0D108BD9-81ED-4DB2-BD59-A6C34878D82A}">
+                    <a16:rowId xmlns:a16="http://schemas.microsoft.com/office/drawing/2014/main" val="279630817"/>
+                  </a:ext>
+                </a:extLst>
+              </a:tr>
+              <a:tr h="190500">
+                <a:tc>
+                  <a:txBody>
+                    <a:bodyPr/>
+                    <a:lstStyle/>
+                    <a:p>
+                      <a:pPr algn="ctr" fontAlgn="ctr"/>
+                      <a:r>
+                        <a:rPr lang="en-GB" sz="1800" u="none" strike="noStrike">
+                          <a:effectLst/>
+                        </a:rPr>
+                        <a:t>lena</a:t>
+                      </a:r>
+                      <a:endParaRPr lang="en-GB" sz="1800" b="0" i="0" u="none" strike="noStrike">
+                        <a:solidFill>
+                          <a:srgbClr val="000000"/>
+                        </a:solidFill>
+                        <a:effectLst/>
+                        <a:latin typeface="Calibri" panose="020F0502020204030204" pitchFamily="34" charset="0"/>
+                      </a:endParaRPr>
+                    </a:p>
+                  </a:txBody>
+                  <a:tcPr marL="9525" marR="9525" marT="9525" marB="0" anchor="ctr"/>
+                </a:tc>
+                <a:tc>
+                  <a:txBody>
+                    <a:bodyPr/>
+                    <a:lstStyle/>
+                    <a:p>
+                      <a:pPr algn="ctr" fontAlgn="ctr"/>
+                      <a:r>
+                        <a:rPr lang="en-GB" sz="1800" u="none" strike="noStrike" dirty="0">
+                          <a:effectLst/>
+                        </a:rPr>
+                        <a:t>128 x 128</a:t>
+                      </a:r>
+                      <a:endParaRPr lang="en-GB" sz="1800" b="0" i="0" u="none" strike="noStrike" dirty="0">
+                        <a:solidFill>
+                          <a:srgbClr val="000000"/>
+                        </a:solidFill>
+                        <a:effectLst/>
+                        <a:latin typeface="Calibri" panose="020F0502020204030204" pitchFamily="34" charset="0"/>
+                      </a:endParaRPr>
+                    </a:p>
+                  </a:txBody>
+                  <a:tcPr marL="9525" marR="9525" marT="9525" marB="0" anchor="ctr"/>
+                </a:tc>
+                <a:tc>
+                  <a:txBody>
+                    <a:bodyPr/>
+                    <a:lstStyle/>
+                    <a:p>
+                      <a:pPr algn="ctr" fontAlgn="ctr"/>
+                      <a:r>
+                        <a:rPr lang="en-GB" sz="1800" u="none" strike="noStrike" dirty="0">
+                          <a:effectLst/>
+                        </a:rPr>
+                        <a:t>128 x 97</a:t>
+                      </a:r>
+                      <a:endParaRPr lang="en-GB" sz="1800" b="0" i="0" u="none" strike="noStrike" dirty="0">
+                        <a:solidFill>
+                          <a:srgbClr val="000000"/>
+                        </a:solidFill>
+                        <a:effectLst/>
+                        <a:latin typeface="Calibri" panose="020F0502020204030204" pitchFamily="34" charset="0"/>
+                      </a:endParaRPr>
+                    </a:p>
+                  </a:txBody>
+                  <a:tcPr marL="9525" marR="9525" marT="9525" marB="0" anchor="ctr"/>
+                </a:tc>
+                <a:tc>
+                  <a:txBody>
+                    <a:bodyPr/>
+                    <a:lstStyle/>
+                    <a:p>
+                      <a:pPr algn="ctr" fontAlgn="ctr"/>
+                      <a:r>
+                        <a:rPr lang="en-GB" sz="1800" u="none" strike="noStrike" dirty="0">
+                          <a:effectLst/>
+                        </a:rPr>
+                        <a:t>36.4</a:t>
+                      </a:r>
+                      <a:endParaRPr lang="en-GB" sz="1800" b="0" i="0" u="none" strike="noStrike" dirty="0">
+                        <a:solidFill>
+                          <a:srgbClr val="000000"/>
+                        </a:solidFill>
+                        <a:effectLst/>
+                        <a:latin typeface="Calibri" panose="020F0502020204030204" pitchFamily="34" charset="0"/>
+                      </a:endParaRPr>
+                    </a:p>
+                  </a:txBody>
+                  <a:tcPr marL="9525" marR="9525" marT="9525" marB="0" anchor="ctr"/>
+                </a:tc>
+                <a:tc>
+                  <a:txBody>
+                    <a:bodyPr/>
+                    <a:lstStyle/>
+                    <a:p>
+                      <a:pPr algn="ctr" fontAlgn="ctr"/>
+                      <a:r>
+                        <a:rPr lang="en-GB" sz="1800" u="none" strike="noStrike" dirty="0" err="1">
+                          <a:effectLst/>
+                        </a:rPr>
+                        <a:t>Gagal</a:t>
+                      </a:r>
+                      <a:endParaRPr lang="en-GB" sz="1800" b="0" i="0" u="none" strike="noStrike" dirty="0">
+                        <a:solidFill>
+                          <a:srgbClr val="000000"/>
+                        </a:solidFill>
+                        <a:effectLst/>
+                        <a:latin typeface="Calibri" panose="020F0502020204030204" pitchFamily="34" charset="0"/>
+                      </a:endParaRPr>
+                    </a:p>
+                  </a:txBody>
+                  <a:tcPr marL="9525" marR="9525" marT="9525" marB="0" anchor="ctr"/>
+                </a:tc>
+                <a:extLst>
+                  <a:ext uri="{0D108BD9-81ED-4DB2-BD59-A6C34878D82A}">
+                    <a16:rowId xmlns:a16="http://schemas.microsoft.com/office/drawing/2014/main" val="2554670729"/>
+                  </a:ext>
+                </a:extLst>
+              </a:tr>
+              <a:tr h="190500">
+                <a:tc>
+                  <a:txBody>
+                    <a:bodyPr/>
+                    <a:lstStyle/>
+                    <a:p>
+                      <a:pPr algn="ctr" fontAlgn="ctr"/>
+                      <a:r>
+                        <a:rPr lang="en-GB" sz="1800" u="none" strike="noStrike">
+                          <a:effectLst/>
+                        </a:rPr>
+                        <a:t>amelia</a:t>
+                      </a:r>
+                      <a:endParaRPr lang="en-GB" sz="1800" b="0" i="0" u="none" strike="noStrike">
+                        <a:solidFill>
+                          <a:srgbClr val="000000"/>
+                        </a:solidFill>
+                        <a:effectLst/>
+                        <a:latin typeface="Calibri" panose="020F0502020204030204" pitchFamily="34" charset="0"/>
+                      </a:endParaRPr>
+                    </a:p>
+                  </a:txBody>
+                  <a:tcPr marL="9525" marR="9525" marT="9525" marB="0" anchor="ctr"/>
+                </a:tc>
+                <a:tc>
+                  <a:txBody>
+                    <a:bodyPr/>
+                    <a:lstStyle/>
+                    <a:p>
+                      <a:pPr algn="ctr" fontAlgn="ctr"/>
+                      <a:r>
+                        <a:rPr lang="en-GB" sz="1800" u="none" strike="noStrike">
+                          <a:effectLst/>
+                        </a:rPr>
+                        <a:t>1576 x 2364</a:t>
+                      </a:r>
+                      <a:endParaRPr lang="en-GB" sz="1800" b="0" i="0" u="none" strike="noStrike">
+                        <a:solidFill>
+                          <a:srgbClr val="000000"/>
+                        </a:solidFill>
+                        <a:effectLst/>
+                        <a:latin typeface="Calibri" panose="020F0502020204030204" pitchFamily="34" charset="0"/>
+                      </a:endParaRPr>
+                    </a:p>
+                  </a:txBody>
+                  <a:tcPr marL="9525" marR="9525" marT="9525" marB="0" anchor="ctr"/>
+                </a:tc>
+                <a:tc>
+                  <a:txBody>
+                    <a:bodyPr/>
+                    <a:lstStyle/>
+                    <a:p>
+                      <a:pPr algn="ctr" fontAlgn="ctr"/>
+                      <a:r>
+                        <a:rPr lang="en-GB" sz="1800" u="none" strike="noStrike" dirty="0">
+                          <a:effectLst/>
+                        </a:rPr>
+                        <a:t>480 x 494</a:t>
+                      </a:r>
+                      <a:endParaRPr lang="en-GB" sz="1800" b="0" i="0" u="none" strike="noStrike" dirty="0">
+                        <a:solidFill>
+                          <a:srgbClr val="000000"/>
+                        </a:solidFill>
+                        <a:effectLst/>
+                        <a:latin typeface="Calibri" panose="020F0502020204030204" pitchFamily="34" charset="0"/>
+                      </a:endParaRPr>
+                    </a:p>
+                  </a:txBody>
+                  <a:tcPr marL="9525" marR="9525" marT="9525" marB="0" anchor="ctr"/>
+                </a:tc>
+                <a:tc>
+                  <a:txBody>
+                    <a:bodyPr/>
+                    <a:lstStyle/>
+                    <a:p>
+                      <a:pPr algn="ctr" fontAlgn="ctr"/>
+                      <a:r>
+                        <a:rPr lang="en-GB" sz="1800" u="none" strike="noStrike" dirty="0">
+                          <a:effectLst/>
+                        </a:rPr>
+                        <a:t>694</a:t>
+                      </a:r>
+                      <a:endParaRPr lang="en-GB" sz="1800" b="0" i="0" u="none" strike="noStrike" dirty="0">
+                        <a:solidFill>
+                          <a:srgbClr val="000000"/>
+                        </a:solidFill>
+                        <a:effectLst/>
+                        <a:latin typeface="Calibri" panose="020F0502020204030204" pitchFamily="34" charset="0"/>
+                      </a:endParaRPr>
+                    </a:p>
+                  </a:txBody>
+                  <a:tcPr marL="9525" marR="9525" marT="9525" marB="0" anchor="ctr"/>
+                </a:tc>
+                <a:tc>
+                  <a:txBody>
+                    <a:bodyPr/>
+                    <a:lstStyle/>
+                    <a:p>
+                      <a:pPr algn="ctr" fontAlgn="ctr"/>
+                      <a:r>
+                        <a:rPr lang="en-GB" sz="1800" u="none" strike="noStrike" dirty="0" err="1">
+                          <a:effectLst/>
+                        </a:rPr>
+                        <a:t>Gagal</a:t>
+                      </a:r>
+                      <a:endParaRPr lang="en-GB" sz="1800" b="0" i="0" u="none" strike="noStrike" dirty="0">
+                        <a:solidFill>
+                          <a:srgbClr val="000000"/>
+                        </a:solidFill>
+                        <a:effectLst/>
+                        <a:latin typeface="Calibri" panose="020F0502020204030204" pitchFamily="34" charset="0"/>
+                      </a:endParaRPr>
+                    </a:p>
+                  </a:txBody>
+                  <a:tcPr marL="9525" marR="9525" marT="9525" marB="0" anchor="ctr"/>
+                </a:tc>
+                <a:extLst>
+                  <a:ext uri="{0D108BD9-81ED-4DB2-BD59-A6C34878D82A}">
+                    <a16:rowId xmlns:a16="http://schemas.microsoft.com/office/drawing/2014/main" val="2784970966"/>
+                  </a:ext>
+                </a:extLst>
+              </a:tr>
+            </a:tbl>
+          </a:graphicData>
+        </a:graphic>
+      </p:graphicFrame>
     </p:spTree>
     <p:extLst>
       <p:ext uri="{BB962C8B-B14F-4D97-AF65-F5344CB8AC3E}">
-        <p14:creationId xmlns:p14="http://schemas.microsoft.com/office/powerpoint/2010/main" val="3659562476"/>
-      </p:ext>
-    </p:extLst>
-  </p:cSld>
-  <p:clrMapOvr>
-    <a:masterClrMapping/>
-  </p:clrMapOvr>
-</p:sld>
-</file>
-
-<file path=ppt/slides/slide6.xml><?xml version="1.0" encoding="utf-8"?>
-<p:sld xmlns:a="http://schemas.openxmlformats.org/drawingml/2006/main" xmlns:r="http://schemas.openxmlformats.org/officeDocument/2006/relationships" xmlns:p="http://schemas.openxmlformats.org/presentationml/2006/main">
-  <p:cSld>
-    <p:spTree>
-      <p:nvGrpSpPr>
-        <p:cNvPr id="1" name=""/>
-        <p:cNvGrpSpPr/>
-        <p:nvPr/>
-      </p:nvGrpSpPr>
-      <p:grpSpPr>
-        <a:xfrm>
-          <a:off x="0" y="0"/>
-          <a:ext cx="0" cy="0"/>
-          <a:chOff x="0" y="0"/>
-          <a:chExt cx="0" cy="0"/>
-        </a:xfrm>
-      </p:grpSpPr>
-      <p:pic>
-        <p:nvPicPr>
-          <p:cNvPr id="5" name="Picture 4">
-            <a:extLst>
-              <a:ext uri="{FF2B5EF4-FFF2-40B4-BE49-F238E27FC236}">
-                <a16:creationId xmlns:a16="http://schemas.microsoft.com/office/drawing/2014/main" id="{0503C1B2-0FED-476C-B879-BA1C7963D5CC}"/>
-              </a:ext>
-            </a:extLst>
-          </p:cNvPr>
-          <p:cNvPicPr>
-            <a:picLocks noChangeAspect="1"/>
-          </p:cNvPicPr>
-          <p:nvPr/>
-        </p:nvPicPr>
-        <p:blipFill rotWithShape="1">
-          <a:blip r:embed="rId2">
-            <a:extLst>
-              <a:ext uri="{28A0092B-C50C-407E-A947-70E740481C1C}">
-                <a14:useLocalDpi xmlns:a14="http://schemas.microsoft.com/office/drawing/2010/main" val="0"/>
-              </a:ext>
-            </a:extLst>
-          </a:blip>
-          <a:srcRect l="5568" t="14950" r="5454" b="14949"/>
-          <a:stretch/>
-        </p:blipFill>
-        <p:spPr>
-          <a:xfrm>
-            <a:off x="678873" y="1025236"/>
-            <a:ext cx="10848110" cy="4807528"/>
-          </a:xfrm>
-          <a:prstGeom prst="rect">
-            <a:avLst/>
-          </a:prstGeom>
-        </p:spPr>
-      </p:pic>
-    </p:spTree>
-    <p:extLst>
-      <p:ext uri="{BB962C8B-B14F-4D97-AF65-F5344CB8AC3E}">
-        <p14:creationId xmlns:p14="http://schemas.microsoft.com/office/powerpoint/2010/main" val="2354815046"/>
+        <p14:creationId xmlns:p14="http://schemas.microsoft.com/office/powerpoint/2010/main" val="1539397630"/>
       </p:ext>
     </p:extLst>
   </p:cSld>

--- a/Ms. Office/tabel_hasil.pptx
+++ b/Ms. Office/tabel_hasil.pptx
@@ -10,6 +10,10 @@
     <p:sldId id="260" r:id="rId4"/>
     <p:sldId id="261" r:id="rId5"/>
     <p:sldId id="262" r:id="rId6"/>
+    <p:sldId id="263" r:id="rId7"/>
+    <p:sldId id="264" r:id="rId8"/>
+    <p:sldId id="265" r:id="rId9"/>
+    <p:sldId id="266" r:id="rId10"/>
   </p:sldIdLst>
   <p:sldSz cx="12192000" cy="6858000"/>
   <p:notesSz cx="6858000" cy="9144000"/>
@@ -265,7 +269,7 @@
           <a:p>
             <a:fld id="{C249A6F2-7096-4CBA-B271-A03117C364B9}" type="datetimeFigureOut">
               <a:rPr lang="en-GB" smtClean="0"/>
-              <a:t>05/08/2018</a:t>
+              <a:t>08/08/2018</a:t>
             </a:fld>
             <a:endParaRPr lang="en-GB"/>
           </a:p>
@@ -465,7 +469,7 @@
           <a:p>
             <a:fld id="{C249A6F2-7096-4CBA-B271-A03117C364B9}" type="datetimeFigureOut">
               <a:rPr lang="en-GB" smtClean="0"/>
-              <a:t>05/08/2018</a:t>
+              <a:t>08/08/2018</a:t>
             </a:fld>
             <a:endParaRPr lang="en-GB"/>
           </a:p>
@@ -675,7 +679,7 @@
           <a:p>
             <a:fld id="{C249A6F2-7096-4CBA-B271-A03117C364B9}" type="datetimeFigureOut">
               <a:rPr lang="en-GB" smtClean="0"/>
-              <a:t>05/08/2018</a:t>
+              <a:t>08/08/2018</a:t>
             </a:fld>
             <a:endParaRPr lang="en-GB"/>
           </a:p>
@@ -875,7 +879,7 @@
           <a:p>
             <a:fld id="{C249A6F2-7096-4CBA-B271-A03117C364B9}" type="datetimeFigureOut">
               <a:rPr lang="en-GB" smtClean="0"/>
-              <a:t>05/08/2018</a:t>
+              <a:t>08/08/2018</a:t>
             </a:fld>
             <a:endParaRPr lang="en-GB"/>
           </a:p>
@@ -1151,7 +1155,7 @@
           <a:p>
             <a:fld id="{C249A6F2-7096-4CBA-B271-A03117C364B9}" type="datetimeFigureOut">
               <a:rPr lang="en-GB" smtClean="0"/>
-              <a:t>05/08/2018</a:t>
+              <a:t>08/08/2018</a:t>
             </a:fld>
             <a:endParaRPr lang="en-GB"/>
           </a:p>
@@ -1419,7 +1423,7 @@
           <a:p>
             <a:fld id="{C249A6F2-7096-4CBA-B271-A03117C364B9}" type="datetimeFigureOut">
               <a:rPr lang="en-GB" smtClean="0"/>
-              <a:t>05/08/2018</a:t>
+              <a:t>08/08/2018</a:t>
             </a:fld>
             <a:endParaRPr lang="en-GB"/>
           </a:p>
@@ -1834,7 +1838,7 @@
           <a:p>
             <a:fld id="{C249A6F2-7096-4CBA-B271-A03117C364B9}" type="datetimeFigureOut">
               <a:rPr lang="en-GB" smtClean="0"/>
-              <a:t>05/08/2018</a:t>
+              <a:t>08/08/2018</a:t>
             </a:fld>
             <a:endParaRPr lang="en-GB"/>
           </a:p>
@@ -1976,7 +1980,7 @@
           <a:p>
             <a:fld id="{C249A6F2-7096-4CBA-B271-A03117C364B9}" type="datetimeFigureOut">
               <a:rPr lang="en-GB" smtClean="0"/>
-              <a:t>05/08/2018</a:t>
+              <a:t>08/08/2018</a:t>
             </a:fld>
             <a:endParaRPr lang="en-GB"/>
           </a:p>
@@ -2089,7 +2093,7 @@
           <a:p>
             <a:fld id="{C249A6F2-7096-4CBA-B271-A03117C364B9}" type="datetimeFigureOut">
               <a:rPr lang="en-GB" smtClean="0"/>
-              <a:t>05/08/2018</a:t>
+              <a:t>08/08/2018</a:t>
             </a:fld>
             <a:endParaRPr lang="en-GB"/>
           </a:p>
@@ -2402,7 +2406,7 @@
           <a:p>
             <a:fld id="{C249A6F2-7096-4CBA-B271-A03117C364B9}" type="datetimeFigureOut">
               <a:rPr lang="en-GB" smtClean="0"/>
-              <a:t>05/08/2018</a:t>
+              <a:t>08/08/2018</a:t>
             </a:fld>
             <a:endParaRPr lang="en-GB"/>
           </a:p>
@@ -2691,7 +2695,7 @@
           <a:p>
             <a:fld id="{C249A6F2-7096-4CBA-B271-A03117C364B9}" type="datetimeFigureOut">
               <a:rPr lang="en-GB" smtClean="0"/>
-              <a:t>05/08/2018</a:t>
+              <a:t>08/08/2018</a:t>
             </a:fld>
             <a:endParaRPr lang="en-GB"/>
           </a:p>
@@ -2934,7 +2938,7 @@
           <a:p>
             <a:fld id="{C249A6F2-7096-4CBA-B271-A03117C364B9}" type="datetimeFigureOut">
               <a:rPr lang="en-GB" smtClean="0"/>
-              <a:t>05/08/2018</a:t>
+              <a:t>08/08/2018</a:t>
             </a:fld>
             <a:endParaRPr lang="en-GB"/>
           </a:p>
@@ -3366,7 +3370,7 @@
           <p:nvPr>
             <p:extLst>
               <p:ext uri="{D42A27DB-BD31-4B8C-83A1-F6EECF244321}">
-                <p14:modId xmlns:p14="http://schemas.microsoft.com/office/powerpoint/2010/main" val="69915834"/>
+                <p14:modId xmlns:p14="http://schemas.microsoft.com/office/powerpoint/2010/main" val="1851376471"/>
               </p:ext>
             </p:extLst>
           </p:nvPr>
@@ -4636,54 +4640,14 @@
                     <a:p>
                       <a:pPr algn="ctr" fontAlgn="ctr"/>
                       <a:r>
-                        <a:rPr lang="en-GB" sz="1800" b="0" i="0" u="none" strike="noStrike">
-                          <a:solidFill>
-                            <a:srgbClr val="000000"/>
-                          </a:solidFill>
-                          <a:effectLst/>
-                          <a:latin typeface="Calibri" panose="020F0502020204030204" pitchFamily="34" charset="0"/>
-                        </a:rPr>
-                        <a:t>2700</a:t>
-                      </a:r>
-                    </a:p>
-                  </a:txBody>
-                  <a:tcPr marL="9525" marR="9525" marT="9525" marB="0" anchor="ctr"/>
-                </a:tc>
-                <a:tc>
-                  <a:txBody>
-                    <a:bodyPr/>
-                    <a:lstStyle/>
-                    <a:p>
-                      <a:pPr algn="ctr" fontAlgn="ctr"/>
-                      <a:r>
-                        <a:rPr lang="en-GB" sz="1800" b="0" i="0" u="none" strike="noStrike" dirty="0">
-                          <a:solidFill>
-                            <a:srgbClr val="000000"/>
-                          </a:solidFill>
-                          <a:effectLst/>
-                          <a:latin typeface="Calibri" panose="020F0502020204030204" pitchFamily="34" charset="0"/>
-                        </a:rPr>
-                        <a:t>1.6</a:t>
-                      </a:r>
-                    </a:p>
-                  </a:txBody>
-                  <a:tcPr marL="9525" marR="9525" marT="9525" marB="0" anchor="ctr"/>
-                </a:tc>
-                <a:tc>
-                  <a:txBody>
-                    <a:bodyPr/>
-                    <a:lstStyle/>
-                    <a:p>
-                      <a:pPr algn="ctr" fontAlgn="ctr"/>
-                      <a:r>
-                        <a:rPr lang="en-GB" sz="1800" b="0" i="0" u="none" strike="noStrike" dirty="0" err="1">
-                          <a:solidFill>
-                            <a:srgbClr val="000000"/>
-                          </a:solidFill>
-                          <a:effectLst/>
-                          <a:latin typeface="Calibri" panose="020F0502020204030204" pitchFamily="34" charset="0"/>
-                        </a:rPr>
-                        <a:t>Berhasil</a:t>
+                        <a:rPr lang="id-ID" sz="1800" b="0" i="0" u="none" strike="noStrike" dirty="0">
+                          <a:solidFill>
+                            <a:srgbClr val="000000"/>
+                          </a:solidFill>
+                          <a:effectLst/>
+                          <a:latin typeface="Calibri" panose="020F0502020204030204" pitchFamily="34" charset="0"/>
+                        </a:rPr>
+                        <a:t>10600</a:t>
                       </a:r>
                       <a:endParaRPr lang="en-GB" sz="1800" b="0" i="0" u="none" strike="noStrike" dirty="0">
                         <a:solidFill>
@@ -4696,6 +4660,53 @@
                   </a:txBody>
                   <a:tcPr marL="9525" marR="9525" marT="9525" marB="0" anchor="ctr"/>
                 </a:tc>
+                <a:tc>
+                  <a:txBody>
+                    <a:bodyPr/>
+                    <a:lstStyle/>
+                    <a:p>
+                      <a:pPr algn="ctr" fontAlgn="ctr"/>
+                      <a:r>
+                        <a:rPr lang="en-GB" sz="1800" b="0" i="0" u="none" strike="noStrike" dirty="0">
+                          <a:solidFill>
+                            <a:srgbClr val="000000"/>
+                          </a:solidFill>
+                          <a:effectLst/>
+                          <a:latin typeface="Calibri" panose="020F0502020204030204" pitchFamily="34" charset="0"/>
+                        </a:rPr>
+                        <a:t>1.6</a:t>
+                      </a:r>
+                    </a:p>
+                  </a:txBody>
+                  <a:tcPr marL="9525" marR="9525" marT="9525" marB="0" anchor="ctr"/>
+                </a:tc>
+                <a:tc>
+                  <a:txBody>
+                    <a:bodyPr/>
+                    <a:lstStyle/>
+                    <a:p>
+                      <a:pPr algn="ctr" fontAlgn="ctr"/>
+                      <a:r>
+                        <a:rPr lang="en-GB" sz="1800" b="0" i="0" u="none" strike="noStrike" dirty="0" err="1">
+                          <a:solidFill>
+                            <a:srgbClr val="000000"/>
+                          </a:solidFill>
+                          <a:effectLst/>
+                          <a:latin typeface="Calibri" panose="020F0502020204030204" pitchFamily="34" charset="0"/>
+                        </a:rPr>
+                        <a:t>Berhasil</a:t>
+                      </a:r>
+                      <a:endParaRPr lang="en-GB" sz="1800" b="0" i="0" u="none" strike="noStrike" dirty="0">
+                        <a:solidFill>
+                          <a:srgbClr val="000000"/>
+                        </a:solidFill>
+                        <a:effectLst/>
+                        <a:latin typeface="Calibri" panose="020F0502020204030204" pitchFamily="34" charset="0"/>
+                      </a:endParaRPr>
+                    </a:p>
+                  </a:txBody>
+                  <a:tcPr marL="9525" marR="9525" marT="9525" marB="0" anchor="ctr"/>
+                </a:tc>
                 <a:extLst>
                   <a:ext uri="{0D108BD9-81ED-4DB2-BD59-A6C34878D82A}">
                     <a16:rowId xmlns:a16="http://schemas.microsoft.com/office/drawing/2014/main" val="360969775"/>
@@ -4770,54 +4781,14 @@
                     <a:p>
                       <a:pPr algn="ctr" fontAlgn="ctr"/>
                       <a:r>
-                        <a:rPr lang="en-GB" sz="1800" b="0" i="0" u="none" strike="noStrike">
-                          <a:solidFill>
-                            <a:srgbClr val="000000"/>
-                          </a:solidFill>
-                          <a:effectLst/>
-                          <a:latin typeface="Calibri" panose="020F0502020204030204" pitchFamily="34" charset="0"/>
-                        </a:rPr>
-                        <a:t>2700</a:t>
-                      </a:r>
-                    </a:p>
-                  </a:txBody>
-                  <a:tcPr marL="9525" marR="9525" marT="9525" marB="0" anchor="ctr"/>
-                </a:tc>
-                <a:tc>
-                  <a:txBody>
-                    <a:bodyPr/>
-                    <a:lstStyle/>
-                    <a:p>
-                      <a:pPr algn="ctr" fontAlgn="ctr"/>
-                      <a:r>
-                        <a:rPr lang="en-GB" sz="1800" b="0" i="0" u="none" strike="noStrike" dirty="0">
-                          <a:solidFill>
-                            <a:srgbClr val="000000"/>
-                          </a:solidFill>
-                          <a:effectLst/>
-                          <a:latin typeface="Calibri" panose="020F0502020204030204" pitchFamily="34" charset="0"/>
-                        </a:rPr>
-                        <a:t>2.82</a:t>
-                      </a:r>
-                    </a:p>
-                  </a:txBody>
-                  <a:tcPr marL="9525" marR="9525" marT="9525" marB="0" anchor="ctr"/>
-                </a:tc>
-                <a:tc>
-                  <a:txBody>
-                    <a:bodyPr/>
-                    <a:lstStyle/>
-                    <a:p>
-                      <a:pPr algn="ctr" fontAlgn="ctr"/>
-                      <a:r>
-                        <a:rPr lang="en-GB" sz="1800" b="0" i="0" u="none" strike="noStrike" dirty="0" err="1">
-                          <a:solidFill>
-                            <a:srgbClr val="000000"/>
-                          </a:solidFill>
-                          <a:effectLst/>
-                          <a:latin typeface="Calibri" panose="020F0502020204030204" pitchFamily="34" charset="0"/>
-                        </a:rPr>
-                        <a:t>Berhasil</a:t>
+                        <a:rPr lang="id-ID" sz="1800" b="0" i="0" u="none" strike="noStrike" dirty="0">
+                          <a:solidFill>
+                            <a:srgbClr val="000000"/>
+                          </a:solidFill>
+                          <a:effectLst/>
+                          <a:latin typeface="Calibri" panose="020F0502020204030204" pitchFamily="34" charset="0"/>
+                        </a:rPr>
+                        <a:t>10600</a:t>
                       </a:r>
                       <a:endParaRPr lang="en-GB" sz="1800" b="0" i="0" u="none" strike="noStrike" dirty="0">
                         <a:solidFill>
@@ -4830,6 +4801,53 @@
                   </a:txBody>
                   <a:tcPr marL="9525" marR="9525" marT="9525" marB="0" anchor="ctr"/>
                 </a:tc>
+                <a:tc>
+                  <a:txBody>
+                    <a:bodyPr/>
+                    <a:lstStyle/>
+                    <a:p>
+                      <a:pPr algn="ctr" fontAlgn="ctr"/>
+                      <a:r>
+                        <a:rPr lang="en-GB" sz="1800" b="0" i="0" u="none" strike="noStrike" dirty="0">
+                          <a:solidFill>
+                            <a:srgbClr val="000000"/>
+                          </a:solidFill>
+                          <a:effectLst/>
+                          <a:latin typeface="Calibri" panose="020F0502020204030204" pitchFamily="34" charset="0"/>
+                        </a:rPr>
+                        <a:t>2.82</a:t>
+                      </a:r>
+                    </a:p>
+                  </a:txBody>
+                  <a:tcPr marL="9525" marR="9525" marT="9525" marB="0" anchor="ctr"/>
+                </a:tc>
+                <a:tc>
+                  <a:txBody>
+                    <a:bodyPr/>
+                    <a:lstStyle/>
+                    <a:p>
+                      <a:pPr algn="ctr" fontAlgn="ctr"/>
+                      <a:r>
+                        <a:rPr lang="en-GB" sz="1800" b="0" i="0" u="none" strike="noStrike" dirty="0" err="1">
+                          <a:solidFill>
+                            <a:srgbClr val="000000"/>
+                          </a:solidFill>
+                          <a:effectLst/>
+                          <a:latin typeface="Calibri" panose="020F0502020204030204" pitchFamily="34" charset="0"/>
+                        </a:rPr>
+                        <a:t>Berhasil</a:t>
+                      </a:r>
+                      <a:endParaRPr lang="en-GB" sz="1800" b="0" i="0" u="none" strike="noStrike" dirty="0">
+                        <a:solidFill>
+                          <a:srgbClr val="000000"/>
+                        </a:solidFill>
+                        <a:effectLst/>
+                        <a:latin typeface="Calibri" panose="020F0502020204030204" pitchFamily="34" charset="0"/>
+                      </a:endParaRPr>
+                    </a:p>
+                  </a:txBody>
+                  <a:tcPr marL="9525" marR="9525" marT="9525" marB="0" anchor="ctr"/>
+                </a:tc>
                 <a:extLst>
                   <a:ext uri="{0D108BD9-81ED-4DB2-BD59-A6C34878D82A}">
                     <a16:rowId xmlns:a16="http://schemas.microsoft.com/office/drawing/2014/main" val="4168392636"/>
@@ -4904,15 +4922,22 @@
                     <a:p>
                       <a:pPr algn="ctr" fontAlgn="ctr"/>
                       <a:r>
-                        <a:rPr lang="en-GB" sz="1800" b="0" i="0" u="none" strike="noStrike">
-                          <a:solidFill>
-                            <a:srgbClr val="000000"/>
-                          </a:solidFill>
-                          <a:effectLst/>
-                          <a:latin typeface="Calibri" panose="020F0502020204030204" pitchFamily="34" charset="0"/>
-                        </a:rPr>
-                        <a:t>2700</a:t>
-                      </a:r>
+                        <a:rPr lang="id-ID" sz="1800" b="0" i="0" u="none" strike="noStrike" dirty="0">
+                          <a:solidFill>
+                            <a:srgbClr val="000000"/>
+                          </a:solidFill>
+                          <a:effectLst/>
+                          <a:latin typeface="Calibri" panose="020F0502020204030204" pitchFamily="34" charset="0"/>
+                        </a:rPr>
+                        <a:t>10600</a:t>
+                      </a:r>
+                      <a:endParaRPr lang="en-GB" sz="1800" b="0" i="0" u="none" strike="noStrike" dirty="0">
+                        <a:solidFill>
+                          <a:srgbClr val="000000"/>
+                        </a:solidFill>
+                        <a:effectLst/>
+                        <a:latin typeface="Calibri" panose="020F0502020204030204" pitchFamily="34" charset="0"/>
+                      </a:endParaRPr>
                     </a:p>
                   </a:txBody>
                   <a:tcPr marL="9525" marR="9525" marT="9525" marB="0" anchor="ctr"/>
@@ -5028,8 +5053,25 @@
                           <a:effectLst/>
                           <a:latin typeface="Calibri" panose="020F0502020204030204" pitchFamily="34" charset="0"/>
                         </a:rPr>
-                        <a:t>1396237</a:t>
-                      </a:r>
+                        <a:t>1396</a:t>
+                      </a:r>
+                      <a:r>
+                        <a:rPr lang="id-ID" sz="1800" b="0" i="0" u="none" strike="noStrike" dirty="0">
+                          <a:solidFill>
+                            <a:srgbClr val="000000"/>
+                          </a:solidFill>
+                          <a:effectLst/>
+                          <a:latin typeface="Calibri" panose="020F0502020204030204" pitchFamily="34" charset="0"/>
+                        </a:rPr>
+                        <a:t>533</a:t>
+                      </a:r>
+                      <a:endParaRPr lang="en-GB" sz="1800" b="0" i="0" u="none" strike="noStrike" dirty="0">
+                        <a:solidFill>
+                          <a:srgbClr val="000000"/>
+                        </a:solidFill>
+                        <a:effectLst/>
+                        <a:latin typeface="Calibri" panose="020F0502020204030204" pitchFamily="34" charset="0"/>
+                      </a:endParaRPr>
                     </a:p>
                   </a:txBody>
                   <a:tcPr marL="9525" marR="9525" marT="9525" marB="0" anchor="ctr"/>
@@ -5084,7 +5126,7 @@
                           <a:effectLst/>
                           <a:latin typeface="Calibri" panose="020F0502020204030204" pitchFamily="34" charset="0"/>
                         </a:rPr>
-                        <a:t>2700</a:t>
+                        <a:t>10600</a:t>
                       </a:r>
                       <a:endParaRPr lang="en-GB" sz="1800" b="0" i="0" u="none" strike="noStrike" dirty="0">
                         <a:solidFill>
@@ -5196,7 +5238,7 @@
           <p:nvPr>
             <p:extLst>
               <p:ext uri="{D42A27DB-BD31-4B8C-83A1-F6EECF244321}">
-                <p14:modId xmlns:p14="http://schemas.microsoft.com/office/powerpoint/2010/main" val="2962000358"/>
+                <p14:modId xmlns:p14="http://schemas.microsoft.com/office/powerpoint/2010/main" val="749080368"/>
               </p:ext>
             </p:extLst>
           </p:nvPr>
@@ -6303,15 +6345,22 @@
                     <a:p>
                       <a:pPr algn="ctr" fontAlgn="ctr"/>
                       <a:r>
-                        <a:rPr lang="en-GB" sz="1800" b="0" i="0" u="none" strike="noStrike">
-                          <a:solidFill>
-                            <a:srgbClr val="000000"/>
-                          </a:solidFill>
-                          <a:effectLst/>
-                          <a:latin typeface="Calibri" panose="020F0502020204030204" pitchFamily="34" charset="0"/>
-                        </a:rPr>
-                        <a:t>2700</a:t>
-                      </a:r>
+                        <a:rPr lang="id-ID" sz="1800" b="0" i="0" u="none" strike="noStrike" dirty="0">
+                          <a:solidFill>
+                            <a:srgbClr val="000000"/>
+                          </a:solidFill>
+                          <a:effectLst/>
+                          <a:latin typeface="Calibri" panose="020F0502020204030204" pitchFamily="34" charset="0"/>
+                        </a:rPr>
+                        <a:t>10600</a:t>
+                      </a:r>
+                      <a:endParaRPr lang="en-GB" sz="1800" b="0" i="0" u="none" strike="noStrike" dirty="0">
+                        <a:solidFill>
+                          <a:srgbClr val="000000"/>
+                        </a:solidFill>
+                        <a:effectLst/>
+                        <a:latin typeface="Calibri" panose="020F0502020204030204" pitchFamily="34" charset="0"/>
+                      </a:endParaRPr>
                     </a:p>
                   </a:txBody>
                   <a:tcPr marL="9525" marR="9525" marT="9525" marB="0" anchor="ctr"/>
@@ -6430,15 +6479,22 @@
                     <a:p>
                       <a:pPr algn="ctr" fontAlgn="ctr"/>
                       <a:r>
-                        <a:rPr lang="en-GB" sz="1800" b="0" i="0" u="none" strike="noStrike">
-                          <a:solidFill>
-                            <a:srgbClr val="000000"/>
-                          </a:solidFill>
-                          <a:effectLst/>
-                          <a:latin typeface="Calibri" panose="020F0502020204030204" pitchFamily="34" charset="0"/>
-                        </a:rPr>
-                        <a:t>2700</a:t>
-                      </a:r>
+                        <a:rPr lang="id-ID" sz="1800" b="0" i="0" u="none" strike="noStrike" dirty="0">
+                          <a:solidFill>
+                            <a:srgbClr val="000000"/>
+                          </a:solidFill>
+                          <a:effectLst/>
+                          <a:latin typeface="Calibri" panose="020F0502020204030204" pitchFamily="34" charset="0"/>
+                        </a:rPr>
+                        <a:t>10600</a:t>
+                      </a:r>
+                      <a:endParaRPr lang="en-GB" sz="1800" b="0" i="0" u="none" strike="noStrike" dirty="0">
+                        <a:solidFill>
+                          <a:srgbClr val="000000"/>
+                        </a:solidFill>
+                        <a:effectLst/>
+                        <a:latin typeface="Calibri" panose="020F0502020204030204" pitchFamily="34" charset="0"/>
+                      </a:endParaRPr>
                     </a:p>
                   </a:txBody>
                   <a:tcPr marL="9525" marR="9525" marT="9525" marB="0" anchor="ctr"/>
@@ -6557,15 +6613,22 @@
                     <a:p>
                       <a:pPr algn="ctr" fontAlgn="ctr"/>
                       <a:r>
-                        <a:rPr lang="en-GB" sz="1800" b="0" i="0" u="none" strike="noStrike">
-                          <a:solidFill>
-                            <a:srgbClr val="000000"/>
-                          </a:solidFill>
-                          <a:effectLst/>
-                          <a:latin typeface="Calibri" panose="020F0502020204030204" pitchFamily="34" charset="0"/>
-                        </a:rPr>
-                        <a:t>2700</a:t>
-                      </a:r>
+                        <a:rPr lang="id-ID" sz="1800" b="0" i="0" u="none" strike="noStrike" dirty="0">
+                          <a:solidFill>
+                            <a:srgbClr val="000000"/>
+                          </a:solidFill>
+                          <a:effectLst/>
+                          <a:latin typeface="Calibri" panose="020F0502020204030204" pitchFamily="34" charset="0"/>
+                        </a:rPr>
+                        <a:t>10600</a:t>
+                      </a:r>
+                      <a:endParaRPr lang="en-GB" sz="1800" b="0" i="0" u="none" strike="noStrike" dirty="0">
+                        <a:solidFill>
+                          <a:srgbClr val="000000"/>
+                        </a:solidFill>
+                        <a:effectLst/>
+                        <a:latin typeface="Calibri" panose="020F0502020204030204" pitchFamily="34" charset="0"/>
+                      </a:endParaRPr>
                     </a:p>
                   </a:txBody>
                   <a:tcPr marL="9525" marR="9525" marT="9525" marB="0" anchor="ctr"/>
@@ -6672,7 +6735,7 @@
           <p:nvPr>
             <p:extLst>
               <p:ext uri="{D42A27DB-BD31-4B8C-83A1-F6EECF244321}">
-                <p14:modId xmlns:p14="http://schemas.microsoft.com/office/powerpoint/2010/main" val="1000043274"/>
+                <p14:modId xmlns:p14="http://schemas.microsoft.com/office/powerpoint/2010/main" val="1158470555"/>
               </p:ext>
             </p:extLst>
           </p:nvPr>
@@ -6951,15 +7014,22 @@
                     <a:p>
                       <a:pPr algn="ctr" fontAlgn="ctr"/>
                       <a:r>
-                        <a:rPr lang="en-GB" sz="1800" b="0" i="0" u="none" strike="noStrike">
-                          <a:solidFill>
-                            <a:srgbClr val="000000"/>
-                          </a:solidFill>
-                          <a:effectLst/>
-                          <a:latin typeface="Calibri" panose="020F0502020204030204" pitchFamily="34" charset="0"/>
-                        </a:rPr>
-                        <a:t>32704</a:t>
-                      </a:r>
+                        <a:rPr lang="id-ID" sz="1800" b="0" i="0" u="none" strike="noStrike" dirty="0">
+                          <a:solidFill>
+                            <a:srgbClr val="000000"/>
+                          </a:solidFill>
+                          <a:effectLst/>
+                          <a:latin typeface="Calibri" panose="020F0502020204030204" pitchFamily="34" charset="0"/>
+                        </a:rPr>
+                        <a:t>98112</a:t>
+                      </a:r>
+                      <a:endParaRPr lang="en-GB" sz="1800" b="0" i="0" u="none" strike="noStrike" dirty="0">
+                        <a:solidFill>
+                          <a:srgbClr val="000000"/>
+                        </a:solidFill>
+                        <a:effectLst/>
+                        <a:latin typeface="Calibri" panose="020F0502020204030204" pitchFamily="34" charset="0"/>
+                      </a:endParaRPr>
                     </a:p>
                   </a:txBody>
                   <a:tcPr marL="9525" marR="9525" marT="9525" marB="0" anchor="ctr"/>
@@ -6998,7 +7068,7 @@
                     <a:p>
                       <a:pPr algn="ctr" fontAlgn="ctr"/>
                       <a:r>
-                        <a:rPr lang="en-GB" sz="1800" b="0" i="0" u="none" strike="noStrike">
+                        <a:rPr lang="en-GB" sz="1800" b="0" i="0" u="none" strike="noStrike" dirty="0">
                           <a:solidFill>
                             <a:srgbClr val="000000"/>
                           </a:solidFill>
@@ -7105,15 +7175,22 @@
                     <a:p>
                       <a:pPr algn="ctr" fontAlgn="ctr"/>
                       <a:r>
-                        <a:rPr lang="en-GB" sz="1800" b="0" i="0" u="none" strike="noStrike">
-                          <a:solidFill>
-                            <a:srgbClr val="000000"/>
-                          </a:solidFill>
-                          <a:effectLst/>
-                          <a:latin typeface="Calibri" panose="020F0502020204030204" pitchFamily="34" charset="0"/>
-                        </a:rPr>
-                        <a:t>2700</a:t>
-                      </a:r>
+                        <a:rPr lang="id-ID" sz="1800" b="0" i="0" u="none" strike="noStrike" dirty="0">
+                          <a:solidFill>
+                            <a:srgbClr val="000000"/>
+                          </a:solidFill>
+                          <a:effectLst/>
+                          <a:latin typeface="Calibri" panose="020F0502020204030204" pitchFamily="34" charset="0"/>
+                        </a:rPr>
+                        <a:t>10600</a:t>
+                      </a:r>
+                      <a:endParaRPr lang="en-GB" sz="1800" b="0" i="0" u="none" strike="noStrike" dirty="0">
+                        <a:solidFill>
+                          <a:srgbClr val="000000"/>
+                        </a:solidFill>
+                        <a:effectLst/>
+                        <a:latin typeface="Calibri" panose="020F0502020204030204" pitchFamily="34" charset="0"/>
+                      </a:endParaRPr>
                     </a:p>
                   </a:txBody>
                   <a:tcPr marL="9525" marR="9525" marT="9525" marB="0" anchor="ctr"/>
@@ -7132,8 +7209,25 @@
                           <a:effectLst/>
                           <a:latin typeface="Calibri" panose="020F0502020204030204" pitchFamily="34" charset="0"/>
                         </a:rPr>
-                        <a:t>1396237</a:t>
-                      </a:r>
+                        <a:t>1396</a:t>
+                      </a:r>
+                      <a:r>
+                        <a:rPr lang="id-ID" sz="1800" b="0" i="0" u="none" strike="noStrike" dirty="0">
+                          <a:solidFill>
+                            <a:srgbClr val="000000"/>
+                          </a:solidFill>
+                          <a:effectLst/>
+                          <a:latin typeface="Calibri" panose="020F0502020204030204" pitchFamily="34" charset="0"/>
+                        </a:rPr>
+                        <a:t>533</a:t>
+                      </a:r>
+                      <a:endParaRPr lang="en-GB" sz="1800" b="0" i="0" u="none" strike="noStrike" dirty="0">
+                        <a:solidFill>
+                          <a:srgbClr val="000000"/>
+                        </a:solidFill>
+                        <a:effectLst/>
+                        <a:latin typeface="Calibri" panose="020F0502020204030204" pitchFamily="34" charset="0"/>
+                      </a:endParaRPr>
                     </a:p>
                   </a:txBody>
                   <a:tcPr marL="9525" marR="9525" marT="9525" marB="0" anchor="ctr"/>
@@ -8175,6 +8269,446 @@
     <p:extLst>
       <p:ext uri="{BB962C8B-B14F-4D97-AF65-F5344CB8AC3E}">
         <p14:creationId xmlns:p14="http://schemas.microsoft.com/office/powerpoint/2010/main" val="1539397630"/>
+      </p:ext>
+    </p:extLst>
+  </p:cSld>
+  <p:clrMapOvr>
+    <a:masterClrMapping/>
+  </p:clrMapOvr>
+</p:sld>
+</file>
+
+<file path=ppt/slides/slide6.xml><?xml version="1.0" encoding="utf-8"?>
+<p:sld xmlns:a="http://schemas.openxmlformats.org/drawingml/2006/main" xmlns:r="http://schemas.openxmlformats.org/officeDocument/2006/relationships" xmlns:p="http://schemas.openxmlformats.org/presentationml/2006/main">
+  <p:cSld>
+    <p:spTree>
+      <p:nvGrpSpPr>
+        <p:cNvPr id="1" name=""/>
+        <p:cNvGrpSpPr/>
+        <p:nvPr/>
+      </p:nvGrpSpPr>
+      <p:grpSpPr>
+        <a:xfrm>
+          <a:off x="0" y="0"/>
+          <a:ext cx="0" cy="0"/>
+          <a:chOff x="0" y="0"/>
+          <a:chExt cx="0" cy="0"/>
+        </a:xfrm>
+      </p:grpSpPr>
+      <p:sp>
+        <p:nvSpPr>
+          <p:cNvPr id="2" name="Title 1">
+            <a:extLst>
+              <a:ext uri="{FF2B5EF4-FFF2-40B4-BE49-F238E27FC236}">
+                <a16:creationId xmlns:a16="http://schemas.microsoft.com/office/drawing/2014/main" id="{829F5907-1CE0-45C6-BA99-3E1CA70DBF5A}"/>
+              </a:ext>
+            </a:extLst>
+          </p:cNvPr>
+          <p:cNvSpPr>
+            <a:spLocks noGrp="1"/>
+          </p:cNvSpPr>
+          <p:nvPr>
+            <p:ph type="title"/>
+          </p:nvPr>
+        </p:nvSpPr>
+        <p:spPr/>
+        <p:txBody>
+          <a:bodyPr/>
+          <a:lstStyle/>
+          <a:p>
+            <a:endParaRPr lang="en-GB"/>
+          </a:p>
+        </p:txBody>
+      </p:sp>
+      <p:sp>
+        <p:nvSpPr>
+          <p:cNvPr id="3" name="Content Placeholder 2">
+            <a:extLst>
+              <a:ext uri="{FF2B5EF4-FFF2-40B4-BE49-F238E27FC236}">
+                <a16:creationId xmlns:a16="http://schemas.microsoft.com/office/drawing/2014/main" id="{93B7F2BE-3076-4F7A-B5A8-FFE39F470A25}"/>
+              </a:ext>
+            </a:extLst>
+          </p:cNvPr>
+          <p:cNvSpPr>
+            <a:spLocks noGrp="1"/>
+          </p:cNvSpPr>
+          <p:nvPr>
+            <p:ph idx="1"/>
+          </p:nvPr>
+        </p:nvSpPr>
+        <p:spPr/>
+        <p:txBody>
+          <a:bodyPr/>
+          <a:lstStyle/>
+          <a:p>
+            <a:endParaRPr lang="en-GB"/>
+          </a:p>
+        </p:txBody>
+      </p:sp>
+      <p:pic>
+        <p:nvPicPr>
+          <p:cNvPr id="4" name="Picture 3">
+            <a:extLst>
+              <a:ext uri="{FF2B5EF4-FFF2-40B4-BE49-F238E27FC236}">
+                <a16:creationId xmlns:a16="http://schemas.microsoft.com/office/drawing/2014/main" id="{D94C7771-1742-4472-86AD-303CFDD19AD8}"/>
+              </a:ext>
+            </a:extLst>
+          </p:cNvPr>
+          <p:cNvPicPr>
+            <a:picLocks noChangeAspect="1"/>
+          </p:cNvPicPr>
+          <p:nvPr/>
+        </p:nvPicPr>
+        <p:blipFill>
+          <a:blip r:embed="rId2"/>
+          <a:stretch>
+            <a:fillRect/>
+          </a:stretch>
+        </p:blipFill>
+        <p:spPr>
+          <a:xfrm>
+            <a:off x="0" y="1673"/>
+            <a:ext cx="12192000" cy="6854653"/>
+          </a:xfrm>
+          <a:prstGeom prst="rect">
+            <a:avLst/>
+          </a:prstGeom>
+        </p:spPr>
+      </p:pic>
+    </p:spTree>
+    <p:extLst>
+      <p:ext uri="{BB962C8B-B14F-4D97-AF65-F5344CB8AC3E}">
+        <p14:creationId xmlns:p14="http://schemas.microsoft.com/office/powerpoint/2010/main" val="253341777"/>
+      </p:ext>
+    </p:extLst>
+  </p:cSld>
+  <p:clrMapOvr>
+    <a:masterClrMapping/>
+  </p:clrMapOvr>
+</p:sld>
+</file>
+
+<file path=ppt/slides/slide7.xml><?xml version="1.0" encoding="utf-8"?>
+<p:sld xmlns:a="http://schemas.openxmlformats.org/drawingml/2006/main" xmlns:r="http://schemas.openxmlformats.org/officeDocument/2006/relationships" xmlns:p="http://schemas.openxmlformats.org/presentationml/2006/main">
+  <p:cSld>
+    <p:spTree>
+      <p:nvGrpSpPr>
+        <p:cNvPr id="1" name=""/>
+        <p:cNvGrpSpPr/>
+        <p:nvPr/>
+      </p:nvGrpSpPr>
+      <p:grpSpPr>
+        <a:xfrm>
+          <a:off x="0" y="0"/>
+          <a:ext cx="0" cy="0"/>
+          <a:chOff x="0" y="0"/>
+          <a:chExt cx="0" cy="0"/>
+        </a:xfrm>
+      </p:grpSpPr>
+      <p:sp>
+        <p:nvSpPr>
+          <p:cNvPr id="2" name="Title 1">
+            <a:extLst>
+              <a:ext uri="{FF2B5EF4-FFF2-40B4-BE49-F238E27FC236}">
+                <a16:creationId xmlns:a16="http://schemas.microsoft.com/office/drawing/2014/main" id="{7DFB043B-E978-469C-93CE-D796A3B2B622}"/>
+              </a:ext>
+            </a:extLst>
+          </p:cNvPr>
+          <p:cNvSpPr>
+            <a:spLocks noGrp="1"/>
+          </p:cNvSpPr>
+          <p:nvPr>
+            <p:ph type="title"/>
+          </p:nvPr>
+        </p:nvSpPr>
+        <p:spPr/>
+        <p:txBody>
+          <a:bodyPr/>
+          <a:lstStyle/>
+          <a:p>
+            <a:endParaRPr lang="en-GB"/>
+          </a:p>
+        </p:txBody>
+      </p:sp>
+      <p:sp>
+        <p:nvSpPr>
+          <p:cNvPr id="3" name="Content Placeholder 2">
+            <a:extLst>
+              <a:ext uri="{FF2B5EF4-FFF2-40B4-BE49-F238E27FC236}">
+                <a16:creationId xmlns:a16="http://schemas.microsoft.com/office/drawing/2014/main" id="{3715D886-BFC2-48FE-8209-8C74D9158C42}"/>
+              </a:ext>
+            </a:extLst>
+          </p:cNvPr>
+          <p:cNvSpPr>
+            <a:spLocks noGrp="1"/>
+          </p:cNvSpPr>
+          <p:nvPr>
+            <p:ph idx="1"/>
+          </p:nvPr>
+        </p:nvSpPr>
+        <p:spPr/>
+        <p:txBody>
+          <a:bodyPr/>
+          <a:lstStyle/>
+          <a:p>
+            <a:endParaRPr lang="en-GB"/>
+          </a:p>
+        </p:txBody>
+      </p:sp>
+      <p:pic>
+        <p:nvPicPr>
+          <p:cNvPr id="4" name="Picture 3">
+            <a:extLst>
+              <a:ext uri="{FF2B5EF4-FFF2-40B4-BE49-F238E27FC236}">
+                <a16:creationId xmlns:a16="http://schemas.microsoft.com/office/drawing/2014/main" id="{24C73092-06D2-468B-900E-EE3EC9E9D958}"/>
+              </a:ext>
+            </a:extLst>
+          </p:cNvPr>
+          <p:cNvPicPr>
+            <a:picLocks noChangeAspect="1"/>
+          </p:cNvPicPr>
+          <p:nvPr/>
+        </p:nvPicPr>
+        <p:blipFill>
+          <a:blip r:embed="rId2"/>
+          <a:stretch>
+            <a:fillRect/>
+          </a:stretch>
+        </p:blipFill>
+        <p:spPr>
+          <a:xfrm>
+            <a:off x="0" y="1673"/>
+            <a:ext cx="12192000" cy="6854653"/>
+          </a:xfrm>
+          <a:prstGeom prst="rect">
+            <a:avLst/>
+          </a:prstGeom>
+        </p:spPr>
+      </p:pic>
+    </p:spTree>
+    <p:extLst>
+      <p:ext uri="{BB962C8B-B14F-4D97-AF65-F5344CB8AC3E}">
+        <p14:creationId xmlns:p14="http://schemas.microsoft.com/office/powerpoint/2010/main" val="3040654250"/>
+      </p:ext>
+    </p:extLst>
+  </p:cSld>
+  <p:clrMapOvr>
+    <a:masterClrMapping/>
+  </p:clrMapOvr>
+</p:sld>
+</file>
+
+<file path=ppt/slides/slide8.xml><?xml version="1.0" encoding="utf-8"?>
+<p:sld xmlns:a="http://schemas.openxmlformats.org/drawingml/2006/main" xmlns:r="http://schemas.openxmlformats.org/officeDocument/2006/relationships" xmlns:p="http://schemas.openxmlformats.org/presentationml/2006/main">
+  <p:cSld>
+    <p:spTree>
+      <p:nvGrpSpPr>
+        <p:cNvPr id="1" name=""/>
+        <p:cNvGrpSpPr/>
+        <p:nvPr/>
+      </p:nvGrpSpPr>
+      <p:grpSpPr>
+        <a:xfrm>
+          <a:off x="0" y="0"/>
+          <a:ext cx="0" cy="0"/>
+          <a:chOff x="0" y="0"/>
+          <a:chExt cx="0" cy="0"/>
+        </a:xfrm>
+      </p:grpSpPr>
+      <p:sp>
+        <p:nvSpPr>
+          <p:cNvPr id="2" name="Title 1">
+            <a:extLst>
+              <a:ext uri="{FF2B5EF4-FFF2-40B4-BE49-F238E27FC236}">
+                <a16:creationId xmlns:a16="http://schemas.microsoft.com/office/drawing/2014/main" id="{613E27BD-00CC-4E5E-9FD0-2AAA943DD16B}"/>
+              </a:ext>
+            </a:extLst>
+          </p:cNvPr>
+          <p:cNvSpPr>
+            <a:spLocks noGrp="1"/>
+          </p:cNvSpPr>
+          <p:nvPr>
+            <p:ph type="title"/>
+          </p:nvPr>
+        </p:nvSpPr>
+        <p:spPr/>
+        <p:txBody>
+          <a:bodyPr/>
+          <a:lstStyle/>
+          <a:p>
+            <a:endParaRPr lang="en-GB"/>
+          </a:p>
+        </p:txBody>
+      </p:sp>
+      <p:sp>
+        <p:nvSpPr>
+          <p:cNvPr id="3" name="Content Placeholder 2">
+            <a:extLst>
+              <a:ext uri="{FF2B5EF4-FFF2-40B4-BE49-F238E27FC236}">
+                <a16:creationId xmlns:a16="http://schemas.microsoft.com/office/drawing/2014/main" id="{97DE52A1-93CC-45A9-88BC-21045F280D4D}"/>
+              </a:ext>
+            </a:extLst>
+          </p:cNvPr>
+          <p:cNvSpPr>
+            <a:spLocks noGrp="1"/>
+          </p:cNvSpPr>
+          <p:nvPr>
+            <p:ph idx="1"/>
+          </p:nvPr>
+        </p:nvSpPr>
+        <p:spPr/>
+        <p:txBody>
+          <a:bodyPr/>
+          <a:lstStyle/>
+          <a:p>
+            <a:endParaRPr lang="en-GB"/>
+          </a:p>
+        </p:txBody>
+      </p:sp>
+      <p:pic>
+        <p:nvPicPr>
+          <p:cNvPr id="4" name="Picture 3">
+            <a:extLst>
+              <a:ext uri="{FF2B5EF4-FFF2-40B4-BE49-F238E27FC236}">
+                <a16:creationId xmlns:a16="http://schemas.microsoft.com/office/drawing/2014/main" id="{27C48612-C0C1-4C6D-AF46-6D3029080CC0}"/>
+              </a:ext>
+            </a:extLst>
+          </p:cNvPr>
+          <p:cNvPicPr>
+            <a:picLocks noChangeAspect="1"/>
+          </p:cNvPicPr>
+          <p:nvPr/>
+        </p:nvPicPr>
+        <p:blipFill>
+          <a:blip r:embed="rId2"/>
+          <a:stretch>
+            <a:fillRect/>
+          </a:stretch>
+        </p:blipFill>
+        <p:spPr>
+          <a:xfrm>
+            <a:off x="0" y="1673"/>
+            <a:ext cx="12192000" cy="6854653"/>
+          </a:xfrm>
+          <a:prstGeom prst="rect">
+            <a:avLst/>
+          </a:prstGeom>
+        </p:spPr>
+      </p:pic>
+    </p:spTree>
+    <p:extLst>
+      <p:ext uri="{BB962C8B-B14F-4D97-AF65-F5344CB8AC3E}">
+        <p14:creationId xmlns:p14="http://schemas.microsoft.com/office/powerpoint/2010/main" val="1355943490"/>
+      </p:ext>
+    </p:extLst>
+  </p:cSld>
+  <p:clrMapOvr>
+    <a:masterClrMapping/>
+  </p:clrMapOvr>
+</p:sld>
+</file>
+
+<file path=ppt/slides/slide9.xml><?xml version="1.0" encoding="utf-8"?>
+<p:sld xmlns:a="http://schemas.openxmlformats.org/drawingml/2006/main" xmlns:r="http://schemas.openxmlformats.org/officeDocument/2006/relationships" xmlns:p="http://schemas.openxmlformats.org/presentationml/2006/main">
+  <p:cSld>
+    <p:spTree>
+      <p:nvGrpSpPr>
+        <p:cNvPr id="1" name=""/>
+        <p:cNvGrpSpPr/>
+        <p:nvPr/>
+      </p:nvGrpSpPr>
+      <p:grpSpPr>
+        <a:xfrm>
+          <a:off x="0" y="0"/>
+          <a:ext cx="0" cy="0"/>
+          <a:chOff x="0" y="0"/>
+          <a:chExt cx="0" cy="0"/>
+        </a:xfrm>
+      </p:grpSpPr>
+      <p:sp>
+        <p:nvSpPr>
+          <p:cNvPr id="2" name="Title 1">
+            <a:extLst>
+              <a:ext uri="{FF2B5EF4-FFF2-40B4-BE49-F238E27FC236}">
+                <a16:creationId xmlns:a16="http://schemas.microsoft.com/office/drawing/2014/main" id="{CA0F6735-4B0C-43CA-8493-373D7706C6AA}"/>
+              </a:ext>
+            </a:extLst>
+          </p:cNvPr>
+          <p:cNvSpPr>
+            <a:spLocks noGrp="1"/>
+          </p:cNvSpPr>
+          <p:nvPr>
+            <p:ph type="title"/>
+          </p:nvPr>
+        </p:nvSpPr>
+        <p:spPr/>
+        <p:txBody>
+          <a:bodyPr/>
+          <a:lstStyle/>
+          <a:p>
+            <a:endParaRPr lang="en-GB"/>
+          </a:p>
+        </p:txBody>
+      </p:sp>
+      <p:sp>
+        <p:nvSpPr>
+          <p:cNvPr id="3" name="Content Placeholder 2">
+            <a:extLst>
+              <a:ext uri="{FF2B5EF4-FFF2-40B4-BE49-F238E27FC236}">
+                <a16:creationId xmlns:a16="http://schemas.microsoft.com/office/drawing/2014/main" id="{A6D5F68B-6DAB-4B66-9021-DED3A12794EE}"/>
+              </a:ext>
+            </a:extLst>
+          </p:cNvPr>
+          <p:cNvSpPr>
+            <a:spLocks noGrp="1"/>
+          </p:cNvSpPr>
+          <p:nvPr>
+            <p:ph idx="1"/>
+          </p:nvPr>
+        </p:nvSpPr>
+        <p:spPr/>
+        <p:txBody>
+          <a:bodyPr/>
+          <a:lstStyle/>
+          <a:p>
+            <a:endParaRPr lang="en-GB"/>
+          </a:p>
+        </p:txBody>
+      </p:sp>
+      <p:pic>
+        <p:nvPicPr>
+          <p:cNvPr id="4" name="Picture 3">
+            <a:extLst>
+              <a:ext uri="{FF2B5EF4-FFF2-40B4-BE49-F238E27FC236}">
+                <a16:creationId xmlns:a16="http://schemas.microsoft.com/office/drawing/2014/main" id="{AA0629C9-8C5A-4B3F-B0E6-C27751FCA4CB}"/>
+              </a:ext>
+            </a:extLst>
+          </p:cNvPr>
+          <p:cNvPicPr>
+            <a:picLocks noChangeAspect="1"/>
+          </p:cNvPicPr>
+          <p:nvPr/>
+        </p:nvPicPr>
+        <p:blipFill>
+          <a:blip r:embed="rId2"/>
+          <a:stretch>
+            <a:fillRect/>
+          </a:stretch>
+        </p:blipFill>
+        <p:spPr>
+          <a:xfrm>
+            <a:off x="0" y="1673"/>
+            <a:ext cx="12192000" cy="6854653"/>
+          </a:xfrm>
+          <a:prstGeom prst="rect">
+            <a:avLst/>
+          </a:prstGeom>
+        </p:spPr>
+      </p:pic>
+    </p:spTree>
+    <p:extLst>
+      <p:ext uri="{BB962C8B-B14F-4D97-AF65-F5344CB8AC3E}">
+        <p14:creationId xmlns:p14="http://schemas.microsoft.com/office/powerpoint/2010/main" val="2856238225"/>
       </p:ext>
     </p:extLst>
   </p:cSld>
